--- a/algieba/interface/ui.pptx
+++ b/algieba/interface/ui.pptx
@@ -5,12 +5,11 @@
     <p:sldMasterId id="2147483648" r:id="rId1"/>
   </p:sldMasterIdLst>
   <p:notesMasterIdLst>
-    <p:notesMasterId r:id="rId5"/>
+    <p:notesMasterId r:id="rId4"/>
   </p:notesMasterIdLst>
   <p:sldIdLst>
     <p:sldId id="256" r:id="rId2"/>
     <p:sldId id="263" r:id="rId3"/>
-    <p:sldId id="264" r:id="rId4"/>
   </p:sldIdLst>
   <p:sldSz cx="9144000" cy="6858000" type="screen4x3"/>
   <p:notesSz cx="6858000" cy="9144000"/>
@@ -560,90 +559,6 @@
             <a:fld id="{A9E1B25B-30E5-7A42-A56A-DF1A6F86BC06}" type="slidenum">
               <a:rPr kumimoji="1" lang="ja-JP" altLang="en-US" smtClean="0"/>
               <a:t>2</a:t>
-            </a:fld>
-            <a:endParaRPr kumimoji="1" lang="ja-JP" altLang="en-US"/>
-          </a:p>
-        </p:txBody>
-      </p:sp>
-    </p:spTree>
-    <p:extLst>
-      <p:ext uri="{BB962C8B-B14F-4D97-AF65-F5344CB8AC3E}">
-        <p14:creationId xmlns:p14="http://schemas.microsoft.com/office/powerpoint/2010/main" val="3631066132"/>
-      </p:ext>
-    </p:extLst>
-  </p:cSld>
-  <p:clrMapOvr>
-    <a:masterClrMapping/>
-  </p:clrMapOvr>
-</p:notes>
-</file>
-
-<file path=ppt/notesSlides/notesSlide2.xml><?xml version="1.0" encoding="utf-8"?>
-<p:notes xmlns:a="http://schemas.openxmlformats.org/drawingml/2006/main" xmlns:r="http://schemas.openxmlformats.org/officeDocument/2006/relationships" xmlns:p="http://schemas.openxmlformats.org/presentationml/2006/main">
-  <p:cSld>
-    <p:spTree>
-      <p:nvGrpSpPr>
-        <p:cNvPr id="1" name=""/>
-        <p:cNvGrpSpPr/>
-        <p:nvPr/>
-      </p:nvGrpSpPr>
-      <p:grpSpPr>
-        <a:xfrm>
-          <a:off x="0" y="0"/>
-          <a:ext cx="0" cy="0"/>
-          <a:chOff x="0" y="0"/>
-          <a:chExt cx="0" cy="0"/>
-        </a:xfrm>
-      </p:grpSpPr>
-      <p:sp>
-        <p:nvSpPr>
-          <p:cNvPr id="2" name="スライド イメージ プレースホルダー 1"/>
-          <p:cNvSpPr>
-            <a:spLocks noGrp="1" noRot="1" noChangeAspect="1"/>
-          </p:cNvSpPr>
-          <p:nvPr>
-            <p:ph type="sldImg"/>
-          </p:nvPr>
-        </p:nvSpPr>
-        <p:spPr/>
-      </p:sp>
-      <p:sp>
-        <p:nvSpPr>
-          <p:cNvPr id="3" name="ノート プレースホルダー 2"/>
-          <p:cNvSpPr>
-            <a:spLocks noGrp="1"/>
-          </p:cNvSpPr>
-          <p:nvPr>
-            <p:ph type="body" idx="1"/>
-          </p:nvPr>
-        </p:nvSpPr>
-        <p:spPr/>
-        <p:txBody>
-          <a:bodyPr/>
-          <a:lstStyle/>
-          <a:p>
-            <a:endParaRPr kumimoji="1" lang="ja-JP" altLang="en-US" dirty="0"/>
-          </a:p>
-        </p:txBody>
-      </p:sp>
-      <p:sp>
-        <p:nvSpPr>
-          <p:cNvPr id="4" name="スライド番号プレースホルダー 3"/>
-          <p:cNvSpPr>
-            <a:spLocks noGrp="1"/>
-          </p:cNvSpPr>
-          <p:nvPr>
-            <p:ph type="sldNum" sz="quarter" idx="10"/>
-          </p:nvPr>
-        </p:nvSpPr>
-        <p:spPr/>
-        <p:txBody>
-          <a:bodyPr/>
-          <a:lstStyle/>
-          <a:p>
-            <a:fld id="{A9E1B25B-30E5-7A42-A56A-DF1A6F86BC06}" type="slidenum">
-              <a:rPr kumimoji="1" lang="ja-JP" altLang="en-US" smtClean="0"/>
-              <a:t>3</a:t>
             </a:fld>
             <a:endParaRPr kumimoji="1" lang="ja-JP" altLang="en-US"/>
           </a:p>
@@ -4075,7 +3990,7 @@
         <p:spPr>
           <a:xfrm>
             <a:off x="200532" y="187161"/>
-            <a:ext cx="1620957" cy="523220"/>
+            <a:ext cx="2339102" cy="523220"/>
           </a:xfrm>
           <a:prstGeom prst="rect">
             <a:avLst/>
@@ -4094,7 +4009,15 @@
                 <a:ea typeface="メイリオ"/>
                 <a:cs typeface="メイリオ"/>
               </a:rPr>
-              <a:t>登録画面</a:t>
+              <a:t>ブラウザ</a:t>
+            </a:r>
+            <a:r>
+              <a:rPr lang="ja-JP" altLang="en-US" sz="2800" dirty="0" smtClean="0">
+                <a:latin typeface="メイリオ"/>
+                <a:ea typeface="メイリオ"/>
+                <a:cs typeface="メイリオ"/>
+              </a:rPr>
+              <a:t>画面</a:t>
             </a:r>
             <a:endParaRPr kumimoji="1" lang="ja-JP" altLang="en-US" sz="2000" dirty="0">
               <a:latin typeface="メイリオ"/>
@@ -4156,86 +4079,18 @@
           </a:p>
         </p:txBody>
       </p:sp>
-    </p:spTree>
-    <p:extLst>
-      <p:ext uri="{BB962C8B-B14F-4D97-AF65-F5344CB8AC3E}">
-        <p14:creationId xmlns:p14="http://schemas.microsoft.com/office/powerpoint/2010/main" val="1574216287"/>
-      </p:ext>
-    </p:extLst>
-  </p:cSld>
-  <p:clrMapOvr>
-    <a:masterClrMapping/>
-  </p:clrMapOvr>
-</p:sld>
-</file>
-
-<file path=ppt/slides/slide3.xml><?xml version="1.0" encoding="utf-8"?>
-<p:sld xmlns:a="http://schemas.openxmlformats.org/drawingml/2006/main" xmlns:r="http://schemas.openxmlformats.org/officeDocument/2006/relationships" xmlns:p="http://schemas.openxmlformats.org/presentationml/2006/main">
-  <p:cSld>
-    <p:spTree>
-      <p:nvGrpSpPr>
-        <p:cNvPr id="1" name=""/>
-        <p:cNvGrpSpPr/>
-        <p:nvPr/>
-      </p:nvGrpSpPr>
-      <p:grpSpPr>
-        <a:xfrm>
-          <a:off x="0" y="0"/>
-          <a:ext cx="0" cy="0"/>
-          <a:chOff x="0" y="0"/>
-          <a:chExt cx="0" cy="0"/>
-        </a:xfrm>
-      </p:grpSpPr>
-      <p:sp>
-        <p:nvSpPr>
-          <p:cNvPr id="4" name="テキスト ボックス 3"/>
-          <p:cNvSpPr txBox="1"/>
+      <p:sp>
+        <p:nvSpPr>
+          <p:cNvPr id="3" name="角丸四角形 2"/>
+          <p:cNvSpPr/>
           <p:nvPr/>
         </p:nvSpPr>
         <p:spPr>
           <a:xfrm>
-            <a:off x="200532" y="187161"/>
-            <a:ext cx="1620957" cy="523220"/>
+            <a:off x="1569818" y="1188941"/>
+            <a:ext cx="797002" cy="165946"/>
           </a:xfrm>
-          <a:prstGeom prst="rect">
-            <a:avLst/>
-          </a:prstGeom>
-          <a:noFill/>
-        </p:spPr>
-        <p:txBody>
-          <a:bodyPr wrap="none" rtlCol="0">
-            <a:spAutoFit/>
-          </a:bodyPr>
-          <a:lstStyle/>
-          <a:p>
-            <a:r>
-              <a:rPr lang="en-US" altLang="en-US" sz="2800" dirty="0" smtClean="0">
-                <a:latin typeface="メイリオ"/>
-                <a:ea typeface="メイリオ"/>
-                <a:cs typeface="メイリオ"/>
-              </a:rPr>
-              <a:t>表示画面</a:t>
-            </a:r>
-            <a:endParaRPr kumimoji="1" lang="ja-JP" altLang="en-US" sz="2000" dirty="0">
-              <a:latin typeface="メイリオ"/>
-              <a:ea typeface="メイリオ"/>
-              <a:cs typeface="メイリオ"/>
-            </a:endParaRPr>
-          </a:p>
-        </p:txBody>
-      </p:sp>
-      <p:sp>
-        <p:nvSpPr>
-          <p:cNvPr id="29" name="正方形/長方形 28"/>
-          <p:cNvSpPr/>
-          <p:nvPr/>
-        </p:nvSpPr>
-        <p:spPr>
-          <a:xfrm>
-            <a:off x="783269" y="935182"/>
-            <a:ext cx="7575640" cy="5541817"/>
-          </a:xfrm>
-          <a:prstGeom prst="rect">
+          <a:prstGeom prst="roundRect">
             <a:avLst/>
           </a:prstGeom>
           <a:noFill/>
@@ -4265,7 +4120,374 @@
           <a:lstStyle/>
           <a:p>
             <a:pPr algn="ctr"/>
-            <a:endParaRPr kumimoji="1" lang="ja-JP" altLang="en-US" sz="2800" dirty="0">
+            <a:endParaRPr kumimoji="1" lang="ja-JP" altLang="en-US"/>
+          </a:p>
+        </p:txBody>
+      </p:sp>
+      <p:sp>
+        <p:nvSpPr>
+          <p:cNvPr id="6" name="テキスト ボックス 5"/>
+          <p:cNvSpPr txBox="1"/>
+          <p:nvPr/>
+        </p:nvSpPr>
+        <p:spPr>
+          <a:xfrm>
+            <a:off x="923931" y="1108244"/>
+            <a:ext cx="723275" cy="307777"/>
+          </a:xfrm>
+          <a:prstGeom prst="rect">
+            <a:avLst/>
+          </a:prstGeom>
+          <a:noFill/>
+        </p:spPr>
+        <p:txBody>
+          <a:bodyPr wrap="none" rtlCol="0">
+            <a:spAutoFit/>
+          </a:bodyPr>
+          <a:lstStyle/>
+          <a:p>
+            <a:r>
+              <a:rPr kumimoji="1" lang="ja-JP" altLang="en-US" sz="1400" dirty="0" smtClean="0">
+                <a:latin typeface="メイリオ"/>
+                <a:ea typeface="メイリオ"/>
+                <a:cs typeface="メイリオ"/>
+              </a:rPr>
+              <a:t>日付：</a:t>
+            </a:r>
+            <a:endParaRPr kumimoji="1" lang="ja-JP" altLang="en-US" sz="1400" dirty="0">
+              <a:latin typeface="メイリオ"/>
+              <a:ea typeface="メイリオ"/>
+              <a:cs typeface="メイリオ"/>
+            </a:endParaRPr>
+          </a:p>
+        </p:txBody>
+      </p:sp>
+      <p:sp>
+        <p:nvSpPr>
+          <p:cNvPr id="30" name="角丸四角形 29"/>
+          <p:cNvSpPr/>
+          <p:nvPr/>
+        </p:nvSpPr>
+        <p:spPr>
+          <a:xfrm>
+            <a:off x="3139341" y="1188941"/>
+            <a:ext cx="797002" cy="165946"/>
+          </a:xfrm>
+          <a:prstGeom prst="roundRect">
+            <a:avLst/>
+          </a:prstGeom>
+          <a:noFill/>
+          <a:ln w="25400">
+            <a:solidFill>
+              <a:schemeClr val="tx1"/>
+            </a:solidFill>
+          </a:ln>
+          <a:effectLst/>
+        </p:spPr>
+        <p:style>
+          <a:lnRef idx="1">
+            <a:schemeClr val="accent1"/>
+          </a:lnRef>
+          <a:fillRef idx="3">
+            <a:schemeClr val="accent1"/>
+          </a:fillRef>
+          <a:effectRef idx="2">
+            <a:schemeClr val="accent1"/>
+          </a:effectRef>
+          <a:fontRef idx="minor">
+            <a:schemeClr val="lt1"/>
+          </a:fontRef>
+        </p:style>
+        <p:txBody>
+          <a:bodyPr rtlCol="0" anchor="ctr"/>
+          <a:lstStyle/>
+          <a:p>
+            <a:pPr algn="ctr"/>
+            <a:endParaRPr kumimoji="1" lang="ja-JP" altLang="en-US"/>
+          </a:p>
+        </p:txBody>
+      </p:sp>
+      <p:sp>
+        <p:nvSpPr>
+          <p:cNvPr id="31" name="テキスト ボックス 30"/>
+          <p:cNvSpPr txBox="1"/>
+          <p:nvPr/>
+        </p:nvSpPr>
+        <p:spPr>
+          <a:xfrm>
+            <a:off x="2493454" y="1108244"/>
+            <a:ext cx="723275" cy="307777"/>
+          </a:xfrm>
+          <a:prstGeom prst="rect">
+            <a:avLst/>
+          </a:prstGeom>
+          <a:noFill/>
+        </p:spPr>
+        <p:txBody>
+          <a:bodyPr wrap="none" rtlCol="0">
+            <a:spAutoFit/>
+          </a:bodyPr>
+          <a:lstStyle/>
+          <a:p>
+            <a:r>
+              <a:rPr lang="ja-JP" altLang="en-US" sz="1400" dirty="0" smtClean="0">
+                <a:latin typeface="メイリオ"/>
+                <a:ea typeface="メイリオ"/>
+                <a:cs typeface="メイリオ"/>
+              </a:rPr>
+              <a:t>内容</a:t>
+            </a:r>
+            <a:r>
+              <a:rPr kumimoji="1" lang="ja-JP" altLang="en-US" sz="1400" dirty="0" smtClean="0">
+                <a:latin typeface="メイリオ"/>
+                <a:ea typeface="メイリオ"/>
+                <a:cs typeface="メイリオ"/>
+              </a:rPr>
+              <a:t>：</a:t>
+            </a:r>
+            <a:endParaRPr kumimoji="1" lang="ja-JP" altLang="en-US" sz="1400" dirty="0">
+              <a:latin typeface="メイリオ"/>
+              <a:ea typeface="メイリオ"/>
+              <a:cs typeface="メイリオ"/>
+            </a:endParaRPr>
+          </a:p>
+        </p:txBody>
+      </p:sp>
+      <p:sp>
+        <p:nvSpPr>
+          <p:cNvPr id="32" name="角丸四角形 31"/>
+          <p:cNvSpPr/>
+          <p:nvPr/>
+        </p:nvSpPr>
+        <p:spPr>
+          <a:xfrm>
+            <a:off x="5057232" y="1188941"/>
+            <a:ext cx="797002" cy="165946"/>
+          </a:xfrm>
+          <a:prstGeom prst="roundRect">
+            <a:avLst/>
+          </a:prstGeom>
+          <a:noFill/>
+          <a:ln w="25400">
+            <a:solidFill>
+              <a:schemeClr val="tx1"/>
+            </a:solidFill>
+          </a:ln>
+          <a:effectLst/>
+        </p:spPr>
+        <p:style>
+          <a:lnRef idx="1">
+            <a:schemeClr val="accent1"/>
+          </a:lnRef>
+          <a:fillRef idx="3">
+            <a:schemeClr val="accent1"/>
+          </a:fillRef>
+          <a:effectRef idx="2">
+            <a:schemeClr val="accent1"/>
+          </a:effectRef>
+          <a:fontRef idx="minor">
+            <a:schemeClr val="lt1"/>
+          </a:fontRef>
+        </p:style>
+        <p:txBody>
+          <a:bodyPr rtlCol="0" anchor="ctr"/>
+          <a:lstStyle/>
+          <a:p>
+            <a:pPr algn="ctr"/>
+            <a:endParaRPr kumimoji="1" lang="ja-JP" altLang="en-US"/>
+          </a:p>
+        </p:txBody>
+      </p:sp>
+      <p:sp>
+        <p:nvSpPr>
+          <p:cNvPr id="33" name="テキスト ボックス 32"/>
+          <p:cNvSpPr txBox="1"/>
+          <p:nvPr/>
+        </p:nvSpPr>
+        <p:spPr>
+          <a:xfrm>
+            <a:off x="4041905" y="1108244"/>
+            <a:ext cx="1082348" cy="307777"/>
+          </a:xfrm>
+          <a:prstGeom prst="rect">
+            <a:avLst/>
+          </a:prstGeom>
+          <a:noFill/>
+        </p:spPr>
+        <p:txBody>
+          <a:bodyPr wrap="none" rtlCol="0">
+            <a:spAutoFit/>
+          </a:bodyPr>
+          <a:lstStyle/>
+          <a:p>
+            <a:r>
+              <a:rPr lang="ja-JP" altLang="en-US" sz="1400" dirty="0" smtClean="0">
+                <a:latin typeface="メイリオ"/>
+                <a:ea typeface="メイリオ"/>
+                <a:cs typeface="メイリオ"/>
+              </a:rPr>
+              <a:t>カテゴリ</a:t>
+            </a:r>
+            <a:r>
+              <a:rPr kumimoji="1" lang="ja-JP" altLang="en-US" sz="1400" dirty="0" smtClean="0">
+                <a:latin typeface="メイリオ"/>
+                <a:ea typeface="メイリオ"/>
+                <a:cs typeface="メイリオ"/>
+              </a:rPr>
+              <a:t>：</a:t>
+            </a:r>
+            <a:endParaRPr kumimoji="1" lang="ja-JP" altLang="en-US" sz="1400" dirty="0">
+              <a:latin typeface="メイリオ"/>
+              <a:ea typeface="メイリオ"/>
+              <a:cs typeface="メイリオ"/>
+            </a:endParaRPr>
+          </a:p>
+        </p:txBody>
+      </p:sp>
+      <p:sp>
+        <p:nvSpPr>
+          <p:cNvPr id="34" name="角丸四角形 33"/>
+          <p:cNvSpPr/>
+          <p:nvPr/>
+        </p:nvSpPr>
+        <p:spPr>
+          <a:xfrm>
+            <a:off x="6582196" y="1187842"/>
+            <a:ext cx="797002" cy="165946"/>
+          </a:xfrm>
+          <a:prstGeom prst="roundRect">
+            <a:avLst/>
+          </a:prstGeom>
+          <a:noFill/>
+          <a:ln w="25400">
+            <a:solidFill>
+              <a:schemeClr val="tx1"/>
+            </a:solidFill>
+          </a:ln>
+          <a:effectLst/>
+        </p:spPr>
+        <p:style>
+          <a:lnRef idx="1">
+            <a:schemeClr val="accent1"/>
+          </a:lnRef>
+          <a:fillRef idx="3">
+            <a:schemeClr val="accent1"/>
+          </a:fillRef>
+          <a:effectRef idx="2">
+            <a:schemeClr val="accent1"/>
+          </a:effectRef>
+          <a:fontRef idx="minor">
+            <a:schemeClr val="lt1"/>
+          </a:fontRef>
+        </p:style>
+        <p:txBody>
+          <a:bodyPr rtlCol="0" anchor="ctr"/>
+          <a:lstStyle/>
+          <a:p>
+            <a:pPr algn="ctr"/>
+            <a:endParaRPr kumimoji="1" lang="ja-JP" altLang="en-US"/>
+          </a:p>
+        </p:txBody>
+      </p:sp>
+      <p:sp>
+        <p:nvSpPr>
+          <p:cNvPr id="35" name="テキスト ボックス 34"/>
+          <p:cNvSpPr txBox="1"/>
+          <p:nvPr/>
+        </p:nvSpPr>
+        <p:spPr>
+          <a:xfrm>
+            <a:off x="5936309" y="1107145"/>
+            <a:ext cx="723275" cy="307777"/>
+          </a:xfrm>
+          <a:prstGeom prst="rect">
+            <a:avLst/>
+          </a:prstGeom>
+          <a:noFill/>
+        </p:spPr>
+        <p:txBody>
+          <a:bodyPr wrap="none" rtlCol="0">
+            <a:spAutoFit/>
+          </a:bodyPr>
+          <a:lstStyle/>
+          <a:p>
+            <a:r>
+              <a:rPr lang="ja-JP" altLang="en-US" sz="1400" dirty="0" smtClean="0">
+                <a:latin typeface="メイリオ"/>
+                <a:ea typeface="メイリオ"/>
+                <a:cs typeface="メイリオ"/>
+              </a:rPr>
+              <a:t>金額</a:t>
+            </a:r>
+            <a:r>
+              <a:rPr kumimoji="1" lang="ja-JP" altLang="en-US" sz="1400" dirty="0" smtClean="0">
+                <a:latin typeface="メイリオ"/>
+                <a:ea typeface="メイリオ"/>
+                <a:cs typeface="メイリオ"/>
+              </a:rPr>
+              <a:t>：</a:t>
+            </a:r>
+            <a:endParaRPr kumimoji="1" lang="ja-JP" altLang="en-US" sz="1400" dirty="0">
+              <a:latin typeface="メイリオ"/>
+              <a:ea typeface="メイリオ"/>
+              <a:cs typeface="メイリオ"/>
+            </a:endParaRPr>
+          </a:p>
+        </p:txBody>
+      </p:sp>
+      <p:sp>
+        <p:nvSpPr>
+          <p:cNvPr id="36" name="角丸四角形 35"/>
+          <p:cNvSpPr/>
+          <p:nvPr/>
+        </p:nvSpPr>
+        <p:spPr>
+          <a:xfrm>
+            <a:off x="7623593" y="1118689"/>
+            <a:ext cx="550589" cy="299213"/>
+          </a:xfrm>
+          <a:prstGeom prst="roundRect">
+            <a:avLst/>
+          </a:prstGeom>
+          <a:noFill/>
+          <a:ln w="25400">
+            <a:solidFill>
+              <a:schemeClr val="tx1"/>
+            </a:solidFill>
+          </a:ln>
+          <a:effectLst/>
+        </p:spPr>
+        <p:style>
+          <a:lnRef idx="1">
+            <a:schemeClr val="accent1"/>
+          </a:lnRef>
+          <a:fillRef idx="3">
+            <a:schemeClr val="accent1"/>
+          </a:fillRef>
+          <a:effectRef idx="2">
+            <a:schemeClr val="accent1"/>
+          </a:effectRef>
+          <a:fontRef idx="minor">
+            <a:schemeClr val="lt1"/>
+          </a:fontRef>
+        </p:style>
+        <p:txBody>
+          <a:bodyPr rtlCol="0" anchor="ctr"/>
+          <a:lstStyle/>
+          <a:p>
+            <a:pPr algn="ctr"/>
+            <a:r>
+              <a:rPr kumimoji="1" lang="ja-JP" altLang="en-US" sz="1200" dirty="0" smtClean="0">
+                <a:solidFill>
+                  <a:schemeClr val="tx1"/>
+                </a:solidFill>
+                <a:latin typeface="メイリオ"/>
+                <a:ea typeface="メイリオ"/>
+                <a:cs typeface="メイリオ"/>
+              </a:rPr>
+              <a:t>登録</a:t>
+            </a:r>
+            <a:endParaRPr kumimoji="1" lang="ja-JP" altLang="en-US" sz="1200" dirty="0">
               <a:solidFill>
                 <a:schemeClr val="tx1"/>
               </a:solidFill>
@@ -4276,10 +4498,592 @@
           </a:p>
         </p:txBody>
       </p:sp>
+      <p:cxnSp>
+        <p:nvCxnSpPr>
+          <p:cNvPr id="8" name="直線コネクタ 7"/>
+          <p:cNvCxnSpPr/>
+          <p:nvPr/>
+        </p:nvCxnSpPr>
+        <p:spPr>
+          <a:xfrm>
+            <a:off x="923931" y="1547091"/>
+            <a:ext cx="7250251" cy="0"/>
+          </a:xfrm>
+          <a:prstGeom prst="line">
+            <a:avLst/>
+          </a:prstGeom>
+          <a:ln>
+            <a:solidFill>
+              <a:schemeClr val="bg1">
+                <a:lumMod val="65000"/>
+              </a:schemeClr>
+            </a:solidFill>
+          </a:ln>
+          <a:effectLst/>
+        </p:spPr>
+        <p:style>
+          <a:lnRef idx="2">
+            <a:schemeClr val="accent1"/>
+          </a:lnRef>
+          <a:fillRef idx="0">
+            <a:schemeClr val="accent1"/>
+          </a:fillRef>
+          <a:effectRef idx="1">
+            <a:schemeClr val="accent1"/>
+          </a:effectRef>
+          <a:fontRef idx="minor">
+            <a:schemeClr val="tx1"/>
+          </a:fontRef>
+        </p:style>
+      </p:cxnSp>
+      <p:graphicFrame>
+        <p:nvGraphicFramePr>
+          <p:cNvPr id="12" name="表 11"/>
+          <p:cNvGraphicFramePr>
+            <a:graphicFrameLocks noGrp="1"/>
+          </p:cNvGraphicFramePr>
+          <p:nvPr>
+            <p:extLst>
+              <p:ext uri="{D42A27DB-BD31-4B8C-83A1-F6EECF244321}">
+                <p14:modId xmlns:p14="http://schemas.microsoft.com/office/powerpoint/2010/main" val="1076515052"/>
+              </p:ext>
+            </p:extLst>
+          </p:nvPr>
+        </p:nvGraphicFramePr>
+        <p:xfrm>
+          <a:off x="993905" y="1789546"/>
+          <a:ext cx="7180276" cy="4583546"/>
+        </p:xfrm>
+        <a:graphic>
+          <a:graphicData uri="http://schemas.openxmlformats.org/drawingml/2006/table">
+            <a:tbl>
+              <a:tblPr firstRow="1" bandRow="1">
+                <a:tableStyleId>{5C22544A-7EE6-4342-B048-85BDC9FD1C3A}</a:tableStyleId>
+              </a:tblPr>
+              <a:tblGrid>
+                <a:gridCol w="1795069"/>
+                <a:gridCol w="1795069"/>
+                <a:gridCol w="1795069"/>
+                <a:gridCol w="1795069"/>
+              </a:tblGrid>
+              <a:tr h="416686">
+                <a:tc>
+                  <a:txBody>
+                    <a:bodyPr/>
+                    <a:lstStyle/>
+                    <a:p>
+                      <a:r>
+                        <a:rPr kumimoji="1" lang="ja-JP" altLang="en-US" dirty="0" smtClean="0">
+                          <a:latin typeface="メイリオ"/>
+                          <a:ea typeface="メイリオ"/>
+                          <a:cs typeface="メイリオ"/>
+                        </a:rPr>
+                        <a:t>日付</a:t>
+                      </a:r>
+                      <a:endParaRPr kumimoji="1" lang="ja-JP" altLang="en-US" dirty="0">
+                        <a:latin typeface="メイリオ"/>
+                        <a:ea typeface="メイリオ"/>
+                        <a:cs typeface="メイリオ"/>
+                      </a:endParaRPr>
+                    </a:p>
+                  </a:txBody>
+                  <a:tcPr/>
+                </a:tc>
+                <a:tc>
+                  <a:txBody>
+                    <a:bodyPr/>
+                    <a:lstStyle/>
+                    <a:p>
+                      <a:r>
+                        <a:rPr kumimoji="1" lang="ja-JP" altLang="en-US" dirty="0" smtClean="0">
+                          <a:latin typeface="メイリオ"/>
+                          <a:ea typeface="メイリオ"/>
+                          <a:cs typeface="メイリオ"/>
+                        </a:rPr>
+                        <a:t>内容</a:t>
+                      </a:r>
+                      <a:endParaRPr kumimoji="1" lang="ja-JP" altLang="en-US" dirty="0">
+                        <a:latin typeface="メイリオ"/>
+                        <a:ea typeface="メイリオ"/>
+                        <a:cs typeface="メイリオ"/>
+                      </a:endParaRPr>
+                    </a:p>
+                  </a:txBody>
+                  <a:tcPr/>
+                </a:tc>
+                <a:tc>
+                  <a:txBody>
+                    <a:bodyPr/>
+                    <a:lstStyle/>
+                    <a:p>
+                      <a:r>
+                        <a:rPr kumimoji="1" lang="ja-JP" altLang="en-US" dirty="0" smtClean="0">
+                          <a:latin typeface="メイリオ"/>
+                          <a:ea typeface="メイリオ"/>
+                          <a:cs typeface="メイリオ"/>
+                        </a:rPr>
+                        <a:t>カテゴリ</a:t>
+                      </a:r>
+                      <a:endParaRPr kumimoji="1" lang="ja-JP" altLang="en-US" dirty="0">
+                        <a:latin typeface="メイリオ"/>
+                        <a:ea typeface="メイリオ"/>
+                        <a:cs typeface="メイリオ"/>
+                      </a:endParaRPr>
+                    </a:p>
+                  </a:txBody>
+                  <a:tcPr/>
+                </a:tc>
+                <a:tc>
+                  <a:txBody>
+                    <a:bodyPr/>
+                    <a:lstStyle/>
+                    <a:p>
+                      <a:r>
+                        <a:rPr kumimoji="1" lang="ja-JP" altLang="en-US" dirty="0" smtClean="0">
+                          <a:latin typeface="メイリオ"/>
+                          <a:ea typeface="メイリオ"/>
+                          <a:cs typeface="メイリオ"/>
+                        </a:rPr>
+                        <a:t>金額</a:t>
+                      </a:r>
+                      <a:endParaRPr kumimoji="1" lang="ja-JP" altLang="en-US" dirty="0">
+                        <a:latin typeface="メイリオ"/>
+                        <a:ea typeface="メイリオ"/>
+                        <a:cs typeface="メイリオ"/>
+                      </a:endParaRPr>
+                    </a:p>
+                  </a:txBody>
+                  <a:tcPr/>
+                </a:tc>
+              </a:tr>
+              <a:tr h="416686">
+                <a:tc>
+                  <a:txBody>
+                    <a:bodyPr/>
+                    <a:lstStyle/>
+                    <a:p>
+                      <a:endParaRPr kumimoji="1" lang="ja-JP" altLang="en-US"/>
+                    </a:p>
+                  </a:txBody>
+                  <a:tcPr/>
+                </a:tc>
+                <a:tc>
+                  <a:txBody>
+                    <a:bodyPr/>
+                    <a:lstStyle/>
+                    <a:p>
+                      <a:endParaRPr kumimoji="1" lang="ja-JP" altLang="en-US"/>
+                    </a:p>
+                  </a:txBody>
+                  <a:tcPr/>
+                </a:tc>
+                <a:tc>
+                  <a:txBody>
+                    <a:bodyPr/>
+                    <a:lstStyle/>
+                    <a:p>
+                      <a:endParaRPr kumimoji="1" lang="ja-JP" altLang="en-US"/>
+                    </a:p>
+                  </a:txBody>
+                  <a:tcPr/>
+                </a:tc>
+                <a:tc>
+                  <a:txBody>
+                    <a:bodyPr/>
+                    <a:lstStyle/>
+                    <a:p>
+                      <a:endParaRPr kumimoji="1" lang="ja-JP" altLang="en-US" dirty="0"/>
+                    </a:p>
+                  </a:txBody>
+                  <a:tcPr/>
+                </a:tc>
+              </a:tr>
+              <a:tr h="416686">
+                <a:tc>
+                  <a:txBody>
+                    <a:bodyPr/>
+                    <a:lstStyle/>
+                    <a:p>
+                      <a:endParaRPr kumimoji="1" lang="ja-JP" altLang="en-US" dirty="0"/>
+                    </a:p>
+                  </a:txBody>
+                  <a:tcPr/>
+                </a:tc>
+                <a:tc>
+                  <a:txBody>
+                    <a:bodyPr/>
+                    <a:lstStyle/>
+                    <a:p>
+                      <a:endParaRPr kumimoji="1" lang="ja-JP" altLang="en-US"/>
+                    </a:p>
+                  </a:txBody>
+                  <a:tcPr/>
+                </a:tc>
+                <a:tc>
+                  <a:txBody>
+                    <a:bodyPr/>
+                    <a:lstStyle/>
+                    <a:p>
+                      <a:endParaRPr kumimoji="1" lang="ja-JP" altLang="en-US"/>
+                    </a:p>
+                  </a:txBody>
+                  <a:tcPr/>
+                </a:tc>
+                <a:tc>
+                  <a:txBody>
+                    <a:bodyPr/>
+                    <a:lstStyle/>
+                    <a:p>
+                      <a:endParaRPr kumimoji="1" lang="ja-JP" altLang="en-US" dirty="0"/>
+                    </a:p>
+                  </a:txBody>
+                  <a:tcPr/>
+                </a:tc>
+              </a:tr>
+              <a:tr h="416686">
+                <a:tc>
+                  <a:txBody>
+                    <a:bodyPr/>
+                    <a:lstStyle/>
+                    <a:p>
+                      <a:endParaRPr kumimoji="1" lang="ja-JP" altLang="en-US" dirty="0"/>
+                    </a:p>
+                  </a:txBody>
+                  <a:tcPr/>
+                </a:tc>
+                <a:tc>
+                  <a:txBody>
+                    <a:bodyPr/>
+                    <a:lstStyle/>
+                    <a:p>
+                      <a:endParaRPr kumimoji="1" lang="ja-JP" altLang="en-US"/>
+                    </a:p>
+                  </a:txBody>
+                  <a:tcPr/>
+                </a:tc>
+                <a:tc>
+                  <a:txBody>
+                    <a:bodyPr/>
+                    <a:lstStyle/>
+                    <a:p>
+                      <a:endParaRPr kumimoji="1" lang="ja-JP" altLang="en-US"/>
+                    </a:p>
+                  </a:txBody>
+                  <a:tcPr/>
+                </a:tc>
+                <a:tc>
+                  <a:txBody>
+                    <a:bodyPr/>
+                    <a:lstStyle/>
+                    <a:p>
+                      <a:endParaRPr kumimoji="1" lang="ja-JP" altLang="en-US" dirty="0"/>
+                    </a:p>
+                  </a:txBody>
+                  <a:tcPr/>
+                </a:tc>
+              </a:tr>
+              <a:tr h="416686">
+                <a:tc>
+                  <a:txBody>
+                    <a:bodyPr/>
+                    <a:lstStyle/>
+                    <a:p>
+                      <a:endParaRPr kumimoji="1" lang="ja-JP" altLang="en-US" dirty="0"/>
+                    </a:p>
+                  </a:txBody>
+                  <a:tcPr/>
+                </a:tc>
+                <a:tc>
+                  <a:txBody>
+                    <a:bodyPr/>
+                    <a:lstStyle/>
+                    <a:p>
+                      <a:endParaRPr kumimoji="1" lang="ja-JP" altLang="en-US" dirty="0"/>
+                    </a:p>
+                  </a:txBody>
+                  <a:tcPr/>
+                </a:tc>
+                <a:tc>
+                  <a:txBody>
+                    <a:bodyPr/>
+                    <a:lstStyle/>
+                    <a:p>
+                      <a:endParaRPr kumimoji="1" lang="ja-JP" altLang="en-US"/>
+                    </a:p>
+                  </a:txBody>
+                  <a:tcPr/>
+                </a:tc>
+                <a:tc>
+                  <a:txBody>
+                    <a:bodyPr/>
+                    <a:lstStyle/>
+                    <a:p>
+                      <a:endParaRPr kumimoji="1" lang="ja-JP" altLang="en-US" dirty="0"/>
+                    </a:p>
+                  </a:txBody>
+                  <a:tcPr/>
+                </a:tc>
+              </a:tr>
+              <a:tr h="416686">
+                <a:tc>
+                  <a:txBody>
+                    <a:bodyPr/>
+                    <a:lstStyle/>
+                    <a:p>
+                      <a:endParaRPr kumimoji="1" lang="ja-JP" altLang="en-US" dirty="0"/>
+                    </a:p>
+                  </a:txBody>
+                  <a:tcPr/>
+                </a:tc>
+                <a:tc>
+                  <a:txBody>
+                    <a:bodyPr/>
+                    <a:lstStyle/>
+                    <a:p>
+                      <a:endParaRPr kumimoji="1" lang="ja-JP" altLang="en-US" dirty="0"/>
+                    </a:p>
+                  </a:txBody>
+                  <a:tcPr/>
+                </a:tc>
+                <a:tc>
+                  <a:txBody>
+                    <a:bodyPr/>
+                    <a:lstStyle/>
+                    <a:p>
+                      <a:endParaRPr kumimoji="1" lang="ja-JP" altLang="en-US"/>
+                    </a:p>
+                  </a:txBody>
+                  <a:tcPr/>
+                </a:tc>
+                <a:tc>
+                  <a:txBody>
+                    <a:bodyPr/>
+                    <a:lstStyle/>
+                    <a:p>
+                      <a:endParaRPr kumimoji="1" lang="ja-JP" altLang="en-US" dirty="0"/>
+                    </a:p>
+                  </a:txBody>
+                  <a:tcPr/>
+                </a:tc>
+              </a:tr>
+              <a:tr h="416686">
+                <a:tc>
+                  <a:txBody>
+                    <a:bodyPr/>
+                    <a:lstStyle/>
+                    <a:p>
+                      <a:endParaRPr kumimoji="1" lang="ja-JP" altLang="en-US" dirty="0"/>
+                    </a:p>
+                  </a:txBody>
+                  <a:tcPr/>
+                </a:tc>
+                <a:tc>
+                  <a:txBody>
+                    <a:bodyPr/>
+                    <a:lstStyle/>
+                    <a:p>
+                      <a:endParaRPr kumimoji="1" lang="ja-JP" altLang="en-US" dirty="0"/>
+                    </a:p>
+                  </a:txBody>
+                  <a:tcPr/>
+                </a:tc>
+                <a:tc>
+                  <a:txBody>
+                    <a:bodyPr/>
+                    <a:lstStyle/>
+                    <a:p>
+                      <a:endParaRPr kumimoji="1" lang="ja-JP" altLang="en-US"/>
+                    </a:p>
+                  </a:txBody>
+                  <a:tcPr/>
+                </a:tc>
+                <a:tc>
+                  <a:txBody>
+                    <a:bodyPr/>
+                    <a:lstStyle/>
+                    <a:p>
+                      <a:endParaRPr kumimoji="1" lang="ja-JP" altLang="en-US" dirty="0"/>
+                    </a:p>
+                  </a:txBody>
+                  <a:tcPr/>
+                </a:tc>
+              </a:tr>
+              <a:tr h="416686">
+                <a:tc>
+                  <a:txBody>
+                    <a:bodyPr/>
+                    <a:lstStyle/>
+                    <a:p>
+                      <a:endParaRPr kumimoji="1" lang="ja-JP" altLang="en-US" dirty="0"/>
+                    </a:p>
+                  </a:txBody>
+                  <a:tcPr/>
+                </a:tc>
+                <a:tc>
+                  <a:txBody>
+                    <a:bodyPr/>
+                    <a:lstStyle/>
+                    <a:p>
+                      <a:endParaRPr kumimoji="1" lang="ja-JP" altLang="en-US"/>
+                    </a:p>
+                  </a:txBody>
+                  <a:tcPr/>
+                </a:tc>
+                <a:tc>
+                  <a:txBody>
+                    <a:bodyPr/>
+                    <a:lstStyle/>
+                    <a:p>
+                      <a:endParaRPr kumimoji="1" lang="ja-JP" altLang="en-US"/>
+                    </a:p>
+                  </a:txBody>
+                  <a:tcPr/>
+                </a:tc>
+                <a:tc>
+                  <a:txBody>
+                    <a:bodyPr/>
+                    <a:lstStyle/>
+                    <a:p>
+                      <a:endParaRPr kumimoji="1" lang="ja-JP" altLang="en-US"/>
+                    </a:p>
+                  </a:txBody>
+                  <a:tcPr/>
+                </a:tc>
+              </a:tr>
+              <a:tr h="416686">
+                <a:tc>
+                  <a:txBody>
+                    <a:bodyPr/>
+                    <a:lstStyle/>
+                    <a:p>
+                      <a:endParaRPr kumimoji="1" lang="ja-JP" altLang="en-US"/>
+                    </a:p>
+                  </a:txBody>
+                  <a:tcPr/>
+                </a:tc>
+                <a:tc>
+                  <a:txBody>
+                    <a:bodyPr/>
+                    <a:lstStyle/>
+                    <a:p>
+                      <a:endParaRPr kumimoji="1" lang="ja-JP" altLang="en-US"/>
+                    </a:p>
+                  </a:txBody>
+                  <a:tcPr/>
+                </a:tc>
+                <a:tc>
+                  <a:txBody>
+                    <a:bodyPr/>
+                    <a:lstStyle/>
+                    <a:p>
+                      <a:endParaRPr kumimoji="1" lang="ja-JP" altLang="en-US"/>
+                    </a:p>
+                  </a:txBody>
+                  <a:tcPr/>
+                </a:tc>
+                <a:tc>
+                  <a:txBody>
+                    <a:bodyPr/>
+                    <a:lstStyle/>
+                    <a:p>
+                      <a:endParaRPr kumimoji="1" lang="ja-JP" altLang="en-US"/>
+                    </a:p>
+                  </a:txBody>
+                  <a:tcPr/>
+                </a:tc>
+              </a:tr>
+              <a:tr h="416686">
+                <a:tc>
+                  <a:txBody>
+                    <a:bodyPr/>
+                    <a:lstStyle/>
+                    <a:p>
+                      <a:endParaRPr kumimoji="1" lang="ja-JP" altLang="en-US"/>
+                    </a:p>
+                  </a:txBody>
+                  <a:tcPr/>
+                </a:tc>
+                <a:tc>
+                  <a:txBody>
+                    <a:bodyPr/>
+                    <a:lstStyle/>
+                    <a:p>
+                      <a:endParaRPr kumimoji="1" lang="ja-JP" altLang="en-US"/>
+                    </a:p>
+                  </a:txBody>
+                  <a:tcPr/>
+                </a:tc>
+                <a:tc>
+                  <a:txBody>
+                    <a:bodyPr/>
+                    <a:lstStyle/>
+                    <a:p>
+                      <a:endParaRPr kumimoji="1" lang="ja-JP" altLang="en-US"/>
+                    </a:p>
+                  </a:txBody>
+                  <a:tcPr/>
+                </a:tc>
+                <a:tc>
+                  <a:txBody>
+                    <a:bodyPr/>
+                    <a:lstStyle/>
+                    <a:p>
+                      <a:endParaRPr kumimoji="1" lang="ja-JP" altLang="en-US"/>
+                    </a:p>
+                  </a:txBody>
+                  <a:tcPr/>
+                </a:tc>
+              </a:tr>
+              <a:tr h="416686">
+                <a:tc>
+                  <a:txBody>
+                    <a:bodyPr/>
+                    <a:lstStyle/>
+                    <a:p>
+                      <a:endParaRPr kumimoji="1" lang="ja-JP" altLang="en-US"/>
+                    </a:p>
+                  </a:txBody>
+                  <a:tcPr/>
+                </a:tc>
+                <a:tc>
+                  <a:txBody>
+                    <a:bodyPr/>
+                    <a:lstStyle/>
+                    <a:p>
+                      <a:endParaRPr kumimoji="1" lang="ja-JP" altLang="en-US"/>
+                    </a:p>
+                  </a:txBody>
+                  <a:tcPr/>
+                </a:tc>
+                <a:tc>
+                  <a:txBody>
+                    <a:bodyPr/>
+                    <a:lstStyle/>
+                    <a:p>
+                      <a:endParaRPr kumimoji="1" lang="ja-JP" altLang="en-US"/>
+                    </a:p>
+                  </a:txBody>
+                  <a:tcPr/>
+                </a:tc>
+                <a:tc>
+                  <a:txBody>
+                    <a:bodyPr/>
+                    <a:lstStyle/>
+                    <a:p>
+                      <a:endParaRPr kumimoji="1" lang="ja-JP" altLang="en-US" dirty="0"/>
+                    </a:p>
+                  </a:txBody>
+                  <a:tcPr/>
+                </a:tc>
+              </a:tr>
+            </a:tbl>
+          </a:graphicData>
+        </a:graphic>
+      </p:graphicFrame>
     </p:spTree>
     <p:extLst>
       <p:ext uri="{BB962C8B-B14F-4D97-AF65-F5344CB8AC3E}">
-        <p14:creationId xmlns:p14="http://schemas.microsoft.com/office/powerpoint/2010/main" val="110650986"/>
+        <p14:creationId xmlns:p14="http://schemas.microsoft.com/office/powerpoint/2010/main" val="1574216287"/>
       </p:ext>
     </p:extLst>
   </p:cSld>

--- a/algieba/interface/ui.pptx
+++ b/algieba/interface/ui.pptx
@@ -3891,10 +3891,6 @@
               <a:rPr kumimoji="1" lang="en-US" altLang="ja-JP" dirty="0" smtClean="0"/>
               <a:t>)</a:t>
             </a:r>
-            <a:r>
-              <a:rPr kumimoji="1" lang="en-US" altLang="ja-JP" dirty="0" smtClean="0"/>
-              <a:t/>
-            </a:r>
             <a:br>
               <a:rPr kumimoji="1" lang="en-US" altLang="ja-JP" dirty="0" smtClean="0"/>
             </a:br>
@@ -3928,10 +3924,6 @@
               <a:rPr lang="en-US" altLang="ja-JP" sz="2800" dirty="0" smtClean="0"/>
               <a:t>2016/04/12</a:t>
             </a:r>
-            <a:r>
-              <a:rPr lang="en-US" altLang="ja-JP" sz="2800" dirty="0" smtClean="0"/>
-              <a:t/>
-            </a:r>
             <a:br>
               <a:rPr lang="en-US" altLang="ja-JP" sz="2800" dirty="0" smtClean="0"/>
             </a:br>
@@ -3941,11 +3933,7 @@
             </a:r>
             <a:r>
               <a:rPr lang="en-US" altLang="ja-JP" sz="2800" dirty="0" smtClean="0"/>
-              <a:t> </a:t>
-            </a:r>
-            <a:r>
-              <a:rPr lang="en-US" altLang="ja-JP" sz="2800" dirty="0" smtClean="0"/>
-              <a:t>1.1.0</a:t>
+              <a:t> 1.1.0</a:t>
             </a:r>
             <a:endParaRPr kumimoji="1" lang="ja-JP" altLang="en-US" dirty="0"/>
           </a:p>
@@ -4009,15 +3997,7 @@
                 <a:ea typeface="メイリオ"/>
                 <a:cs typeface="メイリオ"/>
               </a:rPr>
-              <a:t>ブラウザ</a:t>
-            </a:r>
-            <a:r>
-              <a:rPr lang="ja-JP" altLang="en-US" sz="2800" dirty="0" smtClean="0">
-                <a:latin typeface="メイリオ"/>
-                <a:ea typeface="メイリオ"/>
-                <a:cs typeface="メイリオ"/>
-              </a:rPr>
-              <a:t>画面</a:t>
+              <a:t>ブラウザ画面</a:t>
             </a:r>
             <a:endParaRPr kumimoji="1" lang="ja-JP" altLang="en-US" sz="2000" dirty="0">
               <a:latin typeface="メイリオ"/>
@@ -4545,7 +4525,7 @@
           <p:nvPr>
             <p:extLst>
               <p:ext uri="{D42A27DB-BD31-4B8C-83A1-F6EECF244321}">
-                <p14:modId xmlns:p14="http://schemas.microsoft.com/office/powerpoint/2010/main" val="1076515052"/>
+                <p14:modId xmlns:p14="http://schemas.microsoft.com/office/powerpoint/2010/main" val="3657698948"/>
               </p:ext>
             </p:extLst>
           </p:nvPr>

--- a/algieba/interface/ui.pptx
+++ b/algieba/interface/ui.pptx
@@ -5,11 +5,12 @@
     <p:sldMasterId id="2147483648" r:id="rId1"/>
   </p:sldMasterIdLst>
   <p:notesMasterIdLst>
-    <p:notesMasterId r:id="rId4"/>
+    <p:notesMasterId r:id="rId5"/>
   </p:notesMasterIdLst>
   <p:sldIdLst>
     <p:sldId id="256" r:id="rId2"/>
     <p:sldId id="263" r:id="rId3"/>
+    <p:sldId id="265" r:id="rId4"/>
   </p:sldIdLst>
   <p:sldSz cx="9144000" cy="6858000" type="screen4x3"/>
   <p:notesSz cx="6858000" cy="9144000"/>
@@ -193,7 +194,7 @@
           <a:p>
             <a:fld id="{EE82FEE5-269B-9B49-A8C4-823C45BE6055}" type="datetimeFigureOut">
               <a:rPr kumimoji="1" lang="ja-JP" altLang="en-US" smtClean="0"/>
-              <a:t>16/04/12</a:t>
+              <a:t>16/07/17</a:t>
             </a:fld>
             <a:endParaRPr kumimoji="1" lang="ja-JP" altLang="en-US"/>
           </a:p>
@@ -577,6 +578,90 @@
 </p:notes>
 </file>
 
+<file path=ppt/notesSlides/notesSlide2.xml><?xml version="1.0" encoding="utf-8"?>
+<p:notes xmlns:a="http://schemas.openxmlformats.org/drawingml/2006/main" xmlns:r="http://schemas.openxmlformats.org/officeDocument/2006/relationships" xmlns:p="http://schemas.openxmlformats.org/presentationml/2006/main">
+  <p:cSld>
+    <p:spTree>
+      <p:nvGrpSpPr>
+        <p:cNvPr id="1" name=""/>
+        <p:cNvGrpSpPr/>
+        <p:nvPr/>
+      </p:nvGrpSpPr>
+      <p:grpSpPr>
+        <a:xfrm>
+          <a:off x="0" y="0"/>
+          <a:ext cx="0" cy="0"/>
+          <a:chOff x="0" y="0"/>
+          <a:chExt cx="0" cy="0"/>
+        </a:xfrm>
+      </p:grpSpPr>
+      <p:sp>
+        <p:nvSpPr>
+          <p:cNvPr id="2" name="スライド イメージ プレースホルダー 1"/>
+          <p:cNvSpPr>
+            <a:spLocks noGrp="1" noRot="1" noChangeAspect="1"/>
+          </p:cNvSpPr>
+          <p:nvPr>
+            <p:ph type="sldImg"/>
+          </p:nvPr>
+        </p:nvSpPr>
+        <p:spPr/>
+      </p:sp>
+      <p:sp>
+        <p:nvSpPr>
+          <p:cNvPr id="3" name="ノート プレースホルダー 2"/>
+          <p:cNvSpPr>
+            <a:spLocks noGrp="1"/>
+          </p:cNvSpPr>
+          <p:nvPr>
+            <p:ph type="body" idx="1"/>
+          </p:nvPr>
+        </p:nvSpPr>
+        <p:spPr/>
+        <p:txBody>
+          <a:bodyPr/>
+          <a:lstStyle/>
+          <a:p>
+            <a:endParaRPr kumimoji="1" lang="ja-JP" altLang="en-US" dirty="0"/>
+          </a:p>
+        </p:txBody>
+      </p:sp>
+      <p:sp>
+        <p:nvSpPr>
+          <p:cNvPr id="4" name="スライド番号プレースホルダー 3"/>
+          <p:cNvSpPr>
+            <a:spLocks noGrp="1"/>
+          </p:cNvSpPr>
+          <p:nvPr>
+            <p:ph type="sldNum" sz="quarter" idx="10"/>
+          </p:nvPr>
+        </p:nvSpPr>
+        <p:spPr/>
+        <p:txBody>
+          <a:bodyPr/>
+          <a:lstStyle/>
+          <a:p>
+            <a:fld id="{A9E1B25B-30E5-7A42-A56A-DF1A6F86BC06}" type="slidenum">
+              <a:rPr kumimoji="1" lang="ja-JP" altLang="en-US" smtClean="0"/>
+              <a:t>3</a:t>
+            </a:fld>
+            <a:endParaRPr kumimoji="1" lang="ja-JP" altLang="en-US"/>
+          </a:p>
+        </p:txBody>
+      </p:sp>
+    </p:spTree>
+    <p:extLst>
+      <p:ext uri="{BB962C8B-B14F-4D97-AF65-F5344CB8AC3E}">
+        <p14:creationId xmlns:p14="http://schemas.microsoft.com/office/powerpoint/2010/main" val="3631066132"/>
+      </p:ext>
+    </p:extLst>
+  </p:cSld>
+  <p:clrMapOvr>
+    <a:masterClrMapping/>
+  </p:clrMapOvr>
+</p:notes>
+</file>
+
 <file path=ppt/slideLayouts/slideLayout1.xml><?xml version="1.0" encoding="utf-8"?>
 <p:sldLayout xmlns:a="http://schemas.openxmlformats.org/drawingml/2006/main" xmlns:r="http://schemas.openxmlformats.org/officeDocument/2006/relationships" xmlns:p="http://schemas.openxmlformats.org/presentationml/2006/main" type="title" preserve="1">
   <p:cSld name="タイトル スライド">
@@ -758,7 +843,7 @@
           <a:p>
             <a:fld id="{3ABA01A1-4899-9944-833D-6A66CDE659CB}" type="datetimeFigureOut">
               <a:rPr kumimoji="1" lang="ja-JP" altLang="en-US" smtClean="0"/>
-              <a:t>16/04/12</a:t>
+              <a:t>16/07/17</a:t>
             </a:fld>
             <a:endParaRPr kumimoji="1" lang="ja-JP" altLang="en-US"/>
           </a:p>
@@ -960,7 +1045,7 @@
           <a:p>
             <a:fld id="{3ABA01A1-4899-9944-833D-6A66CDE659CB}" type="datetimeFigureOut">
               <a:rPr kumimoji="1" lang="ja-JP" altLang="en-US" smtClean="0"/>
-              <a:t>16/04/12</a:t>
+              <a:t>16/07/17</a:t>
             </a:fld>
             <a:endParaRPr kumimoji="1" lang="ja-JP" altLang="en-US"/>
           </a:p>
@@ -1172,7 +1257,7 @@
           <a:p>
             <a:fld id="{3ABA01A1-4899-9944-833D-6A66CDE659CB}" type="datetimeFigureOut">
               <a:rPr kumimoji="1" lang="ja-JP" altLang="en-US" smtClean="0"/>
-              <a:t>16/04/12</a:t>
+              <a:t>16/07/17</a:t>
             </a:fld>
             <a:endParaRPr kumimoji="1" lang="ja-JP" altLang="en-US"/>
           </a:p>
@@ -1374,7 +1459,7 @@
           <a:p>
             <a:fld id="{3ABA01A1-4899-9944-833D-6A66CDE659CB}" type="datetimeFigureOut">
               <a:rPr kumimoji="1" lang="ja-JP" altLang="en-US" smtClean="0"/>
-              <a:t>16/04/12</a:t>
+              <a:t>16/07/17</a:t>
             </a:fld>
             <a:endParaRPr kumimoji="1" lang="ja-JP" altLang="en-US"/>
           </a:p>
@@ -1620,7 +1705,7 @@
           <a:p>
             <a:fld id="{3ABA01A1-4899-9944-833D-6A66CDE659CB}" type="datetimeFigureOut">
               <a:rPr kumimoji="1" lang="ja-JP" altLang="en-US" smtClean="0"/>
-              <a:t>16/04/12</a:t>
+              <a:t>16/07/17</a:t>
             </a:fld>
             <a:endParaRPr kumimoji="1" lang="ja-JP" altLang="en-US"/>
           </a:p>
@@ -1972,7 +2057,7 @@
           <a:p>
             <a:fld id="{3ABA01A1-4899-9944-833D-6A66CDE659CB}" type="datetimeFigureOut">
               <a:rPr kumimoji="1" lang="ja-JP" altLang="en-US" smtClean="0"/>
-              <a:t>16/04/12</a:t>
+              <a:t>16/07/17</a:t>
             </a:fld>
             <a:endParaRPr kumimoji="1" lang="ja-JP" altLang="en-US"/>
           </a:p>
@@ -2458,7 +2543,7 @@
           <a:p>
             <a:fld id="{3ABA01A1-4899-9944-833D-6A66CDE659CB}" type="datetimeFigureOut">
               <a:rPr kumimoji="1" lang="ja-JP" altLang="en-US" smtClean="0"/>
-              <a:t>16/04/12</a:t>
+              <a:t>16/07/17</a:t>
             </a:fld>
             <a:endParaRPr kumimoji="1" lang="ja-JP" altLang="en-US"/>
           </a:p>
@@ -2576,7 +2661,7 @@
           <a:p>
             <a:fld id="{3ABA01A1-4899-9944-833D-6A66CDE659CB}" type="datetimeFigureOut">
               <a:rPr kumimoji="1" lang="ja-JP" altLang="en-US" smtClean="0"/>
-              <a:t>16/04/12</a:t>
+              <a:t>16/07/17</a:t>
             </a:fld>
             <a:endParaRPr kumimoji="1" lang="ja-JP" altLang="en-US"/>
           </a:p>
@@ -2671,7 +2756,7 @@
           <a:p>
             <a:fld id="{3ABA01A1-4899-9944-833D-6A66CDE659CB}" type="datetimeFigureOut">
               <a:rPr kumimoji="1" lang="ja-JP" altLang="en-US" smtClean="0"/>
-              <a:t>16/04/12</a:t>
+              <a:t>16/07/17</a:t>
             </a:fld>
             <a:endParaRPr kumimoji="1" lang="ja-JP" altLang="en-US"/>
           </a:p>
@@ -2980,7 +3065,7 @@
           <a:p>
             <a:fld id="{3ABA01A1-4899-9944-833D-6A66CDE659CB}" type="datetimeFigureOut">
               <a:rPr kumimoji="1" lang="ja-JP" altLang="en-US" smtClean="0"/>
-              <a:t>16/04/12</a:t>
+              <a:t>16/07/17</a:t>
             </a:fld>
             <a:endParaRPr kumimoji="1" lang="ja-JP" altLang="en-US"/>
           </a:p>
@@ -3233,7 +3318,7 @@
           <a:p>
             <a:fld id="{3ABA01A1-4899-9944-833D-6A66CDE659CB}" type="datetimeFigureOut">
               <a:rPr kumimoji="1" lang="ja-JP" altLang="en-US" smtClean="0"/>
-              <a:t>16/04/12</a:t>
+              <a:t>16/07/17</a:t>
             </a:fld>
             <a:endParaRPr kumimoji="1" lang="ja-JP" altLang="en-US"/>
           </a:p>
@@ -3478,7 +3563,7 @@
           <a:p>
             <a:fld id="{3ABA01A1-4899-9944-833D-6A66CDE659CB}" type="datetimeFigureOut">
               <a:rPr kumimoji="1" lang="ja-JP" altLang="en-US" smtClean="0"/>
-              <a:t>16/04/12</a:t>
+              <a:t>16/07/17</a:t>
             </a:fld>
             <a:endParaRPr kumimoji="1" lang="ja-JP" altLang="en-US"/>
           </a:p>
@@ -3922,7 +4007,15 @@
             </a:r>
             <a:r>
               <a:rPr lang="en-US" altLang="ja-JP" sz="2800" dirty="0" smtClean="0"/>
-              <a:t>2016/04/12</a:t>
+              <a:t>2016/</a:t>
+            </a:r>
+            <a:r>
+              <a:rPr lang="en-US" altLang="ja-JP" sz="2800" dirty="0" smtClean="0"/>
+              <a:t>07/17</a:t>
+            </a:r>
+            <a:r>
+              <a:rPr lang="en-US" altLang="ja-JP" sz="2800" dirty="0" smtClean="0"/>
+              <a:t/>
             </a:r>
             <a:br>
               <a:rPr lang="en-US" altLang="ja-JP" sz="2800" dirty="0" smtClean="0"/>
@@ -3933,7 +4026,11 @@
             </a:r>
             <a:r>
               <a:rPr lang="en-US" altLang="ja-JP" sz="2800" dirty="0" smtClean="0"/>
-              <a:t> 1.1.0</a:t>
+              <a:t> </a:t>
+            </a:r>
+            <a:r>
+              <a:rPr lang="en-US" altLang="ja-JP" sz="2800" dirty="0" smtClean="0"/>
+              <a:t>2.1.0</a:t>
             </a:r>
             <a:endParaRPr kumimoji="1" lang="ja-JP" altLang="en-US" dirty="0"/>
           </a:p>
@@ -3953,6 +4050,235 @@
 </file>
 
 <file path=ppt/slides/slide2.xml><?xml version="1.0" encoding="utf-8"?>
+<p:sld xmlns:a="http://schemas.openxmlformats.org/drawingml/2006/main" xmlns:r="http://schemas.openxmlformats.org/officeDocument/2006/relationships" xmlns:p="http://schemas.openxmlformats.org/presentationml/2006/main">
+  <p:cSld>
+    <p:spTree>
+      <p:nvGrpSpPr>
+        <p:cNvPr id="1" name=""/>
+        <p:cNvGrpSpPr/>
+        <p:nvPr/>
+      </p:nvGrpSpPr>
+      <p:grpSpPr>
+        <a:xfrm>
+          <a:off x="0" y="0"/>
+          <a:ext cx="0" cy="0"/>
+          <a:chOff x="0" y="0"/>
+          <a:chExt cx="0" cy="0"/>
+        </a:xfrm>
+      </p:grpSpPr>
+      <p:sp>
+        <p:nvSpPr>
+          <p:cNvPr id="4" name="テキスト ボックス 3"/>
+          <p:cNvSpPr txBox="1"/>
+          <p:nvPr/>
+        </p:nvSpPr>
+        <p:spPr>
+          <a:xfrm>
+            <a:off x="200532" y="187161"/>
+            <a:ext cx="1620957" cy="523220"/>
+          </a:xfrm>
+          <a:prstGeom prst="rect">
+            <a:avLst/>
+          </a:prstGeom>
+          <a:noFill/>
+        </p:spPr>
+        <p:txBody>
+          <a:bodyPr wrap="none" rtlCol="0">
+            <a:spAutoFit/>
+          </a:bodyPr>
+          <a:lstStyle/>
+          <a:p>
+            <a:r>
+              <a:rPr lang="ja-JP" altLang="en-US" sz="2800" dirty="0" smtClean="0">
+                <a:latin typeface="メイリオ"/>
+                <a:ea typeface="メイリオ"/>
+                <a:cs typeface="メイリオ"/>
+              </a:rPr>
+              <a:t>画面</a:t>
+            </a:r>
+            <a:r>
+              <a:rPr lang="ja-JP" altLang="en-US" sz="2800" dirty="0" smtClean="0">
+                <a:latin typeface="メイリオ"/>
+                <a:ea typeface="メイリオ"/>
+                <a:cs typeface="メイリオ"/>
+              </a:rPr>
+              <a:t>仕様</a:t>
+            </a:r>
+            <a:endParaRPr kumimoji="1" lang="ja-JP" altLang="en-US" sz="2000" dirty="0">
+              <a:latin typeface="メイリオ"/>
+              <a:ea typeface="メイリオ"/>
+              <a:cs typeface="メイリオ"/>
+            </a:endParaRPr>
+          </a:p>
+        </p:txBody>
+      </p:sp>
+      <p:sp>
+        <p:nvSpPr>
+          <p:cNvPr id="11" name="テキスト ボックス 10"/>
+          <p:cNvSpPr txBox="1"/>
+          <p:nvPr/>
+        </p:nvSpPr>
+        <p:spPr>
+          <a:xfrm>
+            <a:off x="646545" y="969818"/>
+            <a:ext cx="7148111" cy="1754327"/>
+          </a:xfrm>
+          <a:prstGeom prst="rect">
+            <a:avLst/>
+          </a:prstGeom>
+          <a:noFill/>
+        </p:spPr>
+        <p:txBody>
+          <a:bodyPr wrap="none" rtlCol="0">
+            <a:spAutoFit/>
+          </a:bodyPr>
+          <a:lstStyle/>
+          <a:p>
+            <a:pPr marL="285750" indent="-285750">
+              <a:buFont typeface="Arial"/>
+              <a:buChar char="•"/>
+            </a:pPr>
+            <a:r>
+              <a:rPr lang="ja-JP" altLang="en-US" dirty="0" smtClean="0">
+                <a:latin typeface="メイリオ"/>
+                <a:ea typeface="メイリオ"/>
+                <a:cs typeface="メイリオ"/>
+              </a:rPr>
+              <a:t>家計簿情報を入力後、登録ボタンを押すと家計簿が登録される</a:t>
+            </a:r>
+            <a:endParaRPr lang="en-US" altLang="ja-JP" dirty="0" smtClean="0">
+              <a:latin typeface="メイリオ"/>
+              <a:ea typeface="メイリオ"/>
+              <a:cs typeface="メイリオ"/>
+            </a:endParaRPr>
+          </a:p>
+          <a:p>
+            <a:pPr marL="742950" lvl="1" indent="-285750">
+              <a:buFont typeface="Arial"/>
+              <a:buChar char="•"/>
+            </a:pPr>
+            <a:r>
+              <a:rPr lang="ja-JP" altLang="en-US" dirty="0" smtClean="0">
+                <a:latin typeface="メイリオ"/>
+                <a:ea typeface="メイリオ"/>
+                <a:cs typeface="メイリオ"/>
+              </a:rPr>
+              <a:t>登録成功時、画面遷移なしで家計簿表の上部に表示される</a:t>
+            </a:r>
+            <a:endParaRPr lang="en-US" altLang="ja-JP" dirty="0" smtClean="0">
+              <a:latin typeface="メイリオ"/>
+              <a:ea typeface="メイリオ"/>
+              <a:cs typeface="メイリオ"/>
+            </a:endParaRPr>
+          </a:p>
+          <a:p>
+            <a:pPr marL="285750" indent="-285750">
+              <a:buFont typeface="Arial"/>
+              <a:buChar char="•"/>
+            </a:pPr>
+            <a:endParaRPr lang="en-US" altLang="ja-JP" dirty="0">
+              <a:latin typeface="メイリオ"/>
+              <a:ea typeface="メイリオ"/>
+              <a:cs typeface="メイリオ"/>
+            </a:endParaRPr>
+          </a:p>
+          <a:p>
+            <a:pPr marL="285750" indent="-285750">
+              <a:buFont typeface="Arial"/>
+              <a:buChar char="•"/>
+            </a:pPr>
+            <a:r>
+              <a:rPr lang="ja-JP" altLang="en-US" dirty="0" smtClean="0">
+                <a:latin typeface="メイリオ"/>
+                <a:ea typeface="メイリオ"/>
+                <a:cs typeface="メイリオ"/>
+              </a:rPr>
+              <a:t>１ページ</a:t>
+            </a:r>
+            <a:r>
+              <a:rPr lang="ja-JP" altLang="en-US" dirty="0">
+                <a:latin typeface="メイリオ"/>
+                <a:ea typeface="メイリオ"/>
+                <a:cs typeface="メイリオ"/>
+              </a:rPr>
+              <a:t>に</a:t>
+            </a:r>
+            <a:r>
+              <a:rPr lang="en-US" altLang="ja-JP" dirty="0">
+                <a:latin typeface="メイリオ"/>
+                <a:ea typeface="メイリオ"/>
+                <a:cs typeface="メイリオ"/>
+              </a:rPr>
+              <a:t>50</a:t>
+            </a:r>
+            <a:r>
+              <a:rPr lang="ja-JP" altLang="en-US" dirty="0">
+                <a:latin typeface="メイリオ"/>
+                <a:ea typeface="メイリオ"/>
+                <a:cs typeface="メイリオ"/>
+              </a:rPr>
+              <a:t>件の家計簿が表示</a:t>
+            </a:r>
+            <a:r>
+              <a:rPr lang="ja-JP" altLang="en-US" dirty="0" smtClean="0">
+                <a:latin typeface="メイリオ"/>
+                <a:ea typeface="メイリオ"/>
+                <a:cs typeface="メイリオ"/>
+              </a:rPr>
+              <a:t>される</a:t>
+            </a:r>
+            <a:endParaRPr lang="en-US" altLang="ja-JP" dirty="0" smtClean="0">
+              <a:latin typeface="メイリオ"/>
+              <a:ea typeface="メイリオ"/>
+              <a:cs typeface="メイリオ"/>
+            </a:endParaRPr>
+          </a:p>
+          <a:p>
+            <a:pPr marL="285750" indent="-285750">
+              <a:buFont typeface="Arial"/>
+              <a:buChar char="•"/>
+            </a:pPr>
+            <a:endParaRPr lang="en-US" altLang="ja-JP" dirty="0">
+              <a:latin typeface="メイリオ"/>
+              <a:ea typeface="メイリオ"/>
+              <a:cs typeface="メイリオ"/>
+            </a:endParaRPr>
+          </a:p>
+          <a:p>
+            <a:pPr marL="285750" indent="-285750">
+              <a:buFont typeface="Arial"/>
+              <a:buChar char="•"/>
+            </a:pPr>
+            <a:r>
+              <a:rPr lang="ja-JP" altLang="en-US" dirty="0">
+                <a:latin typeface="メイリオ"/>
+                <a:ea typeface="メイリオ"/>
+                <a:cs typeface="メイリオ"/>
+              </a:rPr>
+              <a:t>最新から順番に表示される</a:t>
+            </a:r>
+            <a:endParaRPr lang="ja-JP" altLang="en-US" dirty="0">
+              <a:latin typeface="メイリオ"/>
+              <a:ea typeface="メイリオ"/>
+              <a:cs typeface="メイリオ"/>
+            </a:endParaRPr>
+          </a:p>
+        </p:txBody>
+      </p:sp>
+    </p:spTree>
+    <p:extLst>
+      <p:ext uri="{BB962C8B-B14F-4D97-AF65-F5344CB8AC3E}">
+        <p14:creationId xmlns:p14="http://schemas.microsoft.com/office/powerpoint/2010/main" val="1574216287"/>
+      </p:ext>
+    </p:extLst>
+  </p:cSld>
+  <p:clrMapOvr>
+    <a:masterClrMapping/>
+  </p:clrMapOvr>
+</p:sld>
+</file>
+
+<file path=ppt/slides/slide3.xml><?xml version="1.0" encoding="utf-8"?>
 <p:sld xmlns:a="http://schemas.openxmlformats.org/drawingml/2006/main" xmlns:r="http://schemas.openxmlformats.org/officeDocument/2006/relationships" xmlns:p="http://schemas.openxmlformats.org/presentationml/2006/main">
   <p:cSld>
     <p:spTree>
@@ -4525,14 +4851,14 @@
           <p:nvPr>
             <p:extLst>
               <p:ext uri="{D42A27DB-BD31-4B8C-83A1-F6EECF244321}">
-                <p14:modId xmlns:p14="http://schemas.microsoft.com/office/powerpoint/2010/main" val="3657698948"/>
+                <p14:modId xmlns:p14="http://schemas.microsoft.com/office/powerpoint/2010/main" val="3124747706"/>
               </p:ext>
             </p:extLst>
           </p:nvPr>
         </p:nvGraphicFramePr>
         <p:xfrm>
-          <a:off x="993905" y="1789546"/>
-          <a:ext cx="7180276" cy="4583546"/>
+          <a:off x="993905" y="2020446"/>
+          <a:ext cx="7180276" cy="4341095"/>
         </p:xfrm>
         <a:graphic>
           <a:graphicData uri="http://schemas.openxmlformats.org/drawingml/2006/table">
@@ -4546,7 +4872,7 @@
                 <a:gridCol w="1795069"/>
                 <a:gridCol w="1795069"/>
               </a:tblGrid>
-              <a:tr h="416686">
+              <a:tr h="394645">
                 <a:tc>
                   <a:txBody>
                     <a:bodyPr/>
@@ -4636,7 +4962,7 @@
                   <a:tcPr/>
                 </a:tc>
               </a:tr>
-              <a:tr h="416686">
+              <a:tr h="394645">
                 <a:tc>
                   <a:txBody>
                     <a:bodyPr/>
@@ -4678,7 +5004,7 @@
                   <a:tcPr/>
                 </a:tc>
               </a:tr>
-              <a:tr h="416686">
+              <a:tr h="394645">
                 <a:tc>
                   <a:txBody>
                     <a:bodyPr/>
@@ -4720,7 +5046,7 @@
                   <a:tcPr/>
                 </a:tc>
               </a:tr>
-              <a:tr h="416686">
+              <a:tr h="394645">
                 <a:tc>
                   <a:txBody>
                     <a:bodyPr/>
@@ -4762,7 +5088,7 @@
                   <a:tcPr/>
                 </a:tc>
               </a:tr>
-              <a:tr h="416686">
+              <a:tr h="394645">
                 <a:tc>
                   <a:txBody>
                     <a:bodyPr/>
@@ -4804,7 +5130,7 @@
                   <a:tcPr/>
                 </a:tc>
               </a:tr>
-              <a:tr h="416686">
+              <a:tr h="394645">
                 <a:tc>
                   <a:txBody>
                     <a:bodyPr/>
@@ -4846,7 +5172,7 @@
                   <a:tcPr/>
                 </a:tc>
               </a:tr>
-              <a:tr h="416686">
+              <a:tr h="394645">
                 <a:tc>
                   <a:txBody>
                     <a:bodyPr/>
@@ -4888,7 +5214,7 @@
                   <a:tcPr/>
                 </a:tc>
               </a:tr>
-              <a:tr h="416686">
+              <a:tr h="394645">
                 <a:tc>
                   <a:txBody>
                     <a:bodyPr/>
@@ -4930,7 +5256,7 @@
                   <a:tcPr/>
                 </a:tc>
               </a:tr>
-              <a:tr h="416686">
+              <a:tr h="394645">
                 <a:tc>
                   <a:txBody>
                     <a:bodyPr/>
@@ -4972,7 +5298,7 @@
                   <a:tcPr/>
                 </a:tc>
               </a:tr>
-              <a:tr h="416686">
+              <a:tr h="394645">
                 <a:tc>
                   <a:txBody>
                     <a:bodyPr/>
@@ -5014,7 +5340,7 @@
                   <a:tcPr/>
                 </a:tc>
               </a:tr>
-              <a:tr h="416686">
+              <a:tr h="394645">
                 <a:tc>
                   <a:txBody>
                     <a:bodyPr/>
@@ -5060,10 +5386,252 @@
           </a:graphicData>
         </a:graphic>
       </p:graphicFrame>
+      <p:sp>
+        <p:nvSpPr>
+          <p:cNvPr id="15" name="テキスト ボックス 14"/>
+          <p:cNvSpPr txBox="1"/>
+          <p:nvPr/>
+        </p:nvSpPr>
+        <p:spPr>
+          <a:xfrm>
+            <a:off x="1249506" y="1630084"/>
+            <a:ext cx="296175" cy="307777"/>
+          </a:xfrm>
+          <a:prstGeom prst="rect">
+            <a:avLst/>
+          </a:prstGeom>
+          <a:noFill/>
+        </p:spPr>
+        <p:txBody>
+          <a:bodyPr wrap="none" rtlCol="0">
+            <a:spAutoFit/>
+          </a:bodyPr>
+          <a:lstStyle/>
+          <a:p>
+            <a:r>
+              <a:rPr lang="en-US" altLang="ja-JP" sz="1400" dirty="0">
+                <a:latin typeface="メイリオ"/>
+                <a:ea typeface="メイリオ"/>
+                <a:cs typeface="メイリオ"/>
+              </a:rPr>
+              <a:t>1</a:t>
+            </a:r>
+            <a:endParaRPr kumimoji="1" lang="ja-JP" altLang="en-US" sz="1400" dirty="0">
+              <a:latin typeface="メイリオ"/>
+              <a:ea typeface="メイリオ"/>
+              <a:cs typeface="メイリオ"/>
+            </a:endParaRPr>
+          </a:p>
+        </p:txBody>
+      </p:sp>
+      <p:sp>
+        <p:nvSpPr>
+          <p:cNvPr id="16" name="テキスト ボックス 15"/>
+          <p:cNvSpPr txBox="1"/>
+          <p:nvPr/>
+        </p:nvSpPr>
+        <p:spPr>
+          <a:xfrm>
+            <a:off x="1481453" y="1632399"/>
+            <a:ext cx="296175" cy="307777"/>
+          </a:xfrm>
+          <a:prstGeom prst="rect">
+            <a:avLst/>
+          </a:prstGeom>
+          <a:noFill/>
+        </p:spPr>
+        <p:txBody>
+          <a:bodyPr wrap="none" rtlCol="0">
+            <a:spAutoFit/>
+          </a:bodyPr>
+          <a:lstStyle/>
+          <a:p>
+            <a:r>
+              <a:rPr lang="en-US" altLang="ja-JP" sz="1400" dirty="0" smtClean="0">
+                <a:latin typeface="メイリオ"/>
+                <a:ea typeface="メイリオ"/>
+                <a:cs typeface="メイリオ"/>
+              </a:rPr>
+              <a:t>2</a:t>
+            </a:r>
+            <a:endParaRPr kumimoji="1" lang="ja-JP" altLang="en-US" sz="1400" dirty="0">
+              <a:latin typeface="メイリオ"/>
+              <a:ea typeface="メイリオ"/>
+              <a:cs typeface="メイリオ"/>
+            </a:endParaRPr>
+          </a:p>
+        </p:txBody>
+      </p:sp>
+      <p:sp>
+        <p:nvSpPr>
+          <p:cNvPr id="17" name="テキスト ボックス 16"/>
+          <p:cNvSpPr txBox="1"/>
+          <p:nvPr/>
+        </p:nvSpPr>
+        <p:spPr>
+          <a:xfrm>
+            <a:off x="1722420" y="1632399"/>
+            <a:ext cx="494734" cy="307777"/>
+          </a:xfrm>
+          <a:prstGeom prst="rect">
+            <a:avLst/>
+          </a:prstGeom>
+          <a:noFill/>
+        </p:spPr>
+        <p:txBody>
+          <a:bodyPr wrap="none" rtlCol="0">
+            <a:spAutoFit/>
+          </a:bodyPr>
+          <a:lstStyle/>
+          <a:p>
+            <a:r>
+              <a:rPr lang="en-US" altLang="ja-JP" sz="1400" dirty="0" smtClean="0">
+                <a:latin typeface="メイリオ"/>
+                <a:ea typeface="メイリオ"/>
+                <a:cs typeface="メイリオ"/>
+              </a:rPr>
+              <a:t>. . .</a:t>
+            </a:r>
+            <a:endParaRPr kumimoji="1" lang="ja-JP" altLang="en-US" sz="1400" dirty="0">
+              <a:latin typeface="メイリオ"/>
+              <a:ea typeface="メイリオ"/>
+              <a:cs typeface="メイリオ"/>
+            </a:endParaRPr>
+          </a:p>
+        </p:txBody>
+      </p:sp>
+      <p:sp>
+        <p:nvSpPr>
+          <p:cNvPr id="2" name="二等辺三角形 1"/>
+          <p:cNvSpPr/>
+          <p:nvPr/>
+        </p:nvSpPr>
+        <p:spPr>
+          <a:xfrm rot="5400000">
+            <a:off x="2564425" y="1683849"/>
+            <a:ext cx="179370" cy="181212"/>
+          </a:xfrm>
+          <a:prstGeom prst="triangle">
+            <a:avLst/>
+          </a:prstGeom>
+          <a:solidFill>
+            <a:srgbClr val="F75D31"/>
+          </a:solidFill>
+          <a:ln>
+            <a:noFill/>
+          </a:ln>
+          <a:effectLst/>
+        </p:spPr>
+        <p:style>
+          <a:lnRef idx="1">
+            <a:schemeClr val="accent1"/>
+          </a:lnRef>
+          <a:fillRef idx="3">
+            <a:schemeClr val="accent1"/>
+          </a:fillRef>
+          <a:effectRef idx="2">
+            <a:schemeClr val="accent1"/>
+          </a:effectRef>
+          <a:fontRef idx="minor">
+            <a:schemeClr val="lt1"/>
+          </a:fontRef>
+        </p:style>
+        <p:txBody>
+          <a:bodyPr rtlCol="0" anchor="ctr"/>
+          <a:lstStyle/>
+          <a:p>
+            <a:pPr algn="ctr"/>
+            <a:endParaRPr kumimoji="1" lang="ja-JP" altLang="en-US"/>
+          </a:p>
+        </p:txBody>
+      </p:sp>
+      <p:sp>
+        <p:nvSpPr>
+          <p:cNvPr id="20" name="二等辺三角形 19"/>
+          <p:cNvSpPr/>
+          <p:nvPr/>
+        </p:nvSpPr>
+        <p:spPr>
+          <a:xfrm rot="16200000">
+            <a:off x="1048815" y="1684770"/>
+            <a:ext cx="180000" cy="180000"/>
+          </a:xfrm>
+          <a:prstGeom prst="triangle">
+            <a:avLst/>
+          </a:prstGeom>
+          <a:solidFill>
+            <a:srgbClr val="F75D31"/>
+          </a:solidFill>
+          <a:ln>
+            <a:noFill/>
+          </a:ln>
+          <a:effectLst/>
+        </p:spPr>
+        <p:style>
+          <a:lnRef idx="1">
+            <a:schemeClr val="accent1"/>
+          </a:lnRef>
+          <a:fillRef idx="3">
+            <a:schemeClr val="accent1"/>
+          </a:fillRef>
+          <a:effectRef idx="2">
+            <a:schemeClr val="accent1"/>
+          </a:effectRef>
+          <a:fontRef idx="minor">
+            <a:schemeClr val="lt1"/>
+          </a:fontRef>
+        </p:style>
+        <p:txBody>
+          <a:bodyPr rtlCol="0" anchor="ctr"/>
+          <a:lstStyle/>
+          <a:p>
+            <a:pPr algn="ctr"/>
+            <a:endParaRPr kumimoji="1" lang="ja-JP" altLang="en-US"/>
+          </a:p>
+        </p:txBody>
+      </p:sp>
+      <p:sp>
+        <p:nvSpPr>
+          <p:cNvPr id="22" name="テキスト ボックス 21"/>
+          <p:cNvSpPr txBox="1"/>
+          <p:nvPr/>
+        </p:nvSpPr>
+        <p:spPr>
+          <a:xfrm>
+            <a:off x="2139180" y="1632399"/>
+            <a:ext cx="407684" cy="307777"/>
+          </a:xfrm>
+          <a:prstGeom prst="rect">
+            <a:avLst/>
+          </a:prstGeom>
+          <a:noFill/>
+        </p:spPr>
+        <p:txBody>
+          <a:bodyPr wrap="none" rtlCol="0">
+            <a:spAutoFit/>
+          </a:bodyPr>
+          <a:lstStyle/>
+          <a:p>
+            <a:r>
+              <a:rPr lang="en-US" altLang="ja-JP" sz="1400" dirty="0" smtClean="0">
+                <a:latin typeface="メイリオ"/>
+                <a:ea typeface="メイリオ"/>
+                <a:cs typeface="メイリオ"/>
+              </a:rPr>
+              <a:t>20</a:t>
+            </a:r>
+            <a:endParaRPr kumimoji="1" lang="ja-JP" altLang="en-US" sz="1400" dirty="0">
+              <a:latin typeface="メイリオ"/>
+              <a:ea typeface="メイリオ"/>
+              <a:cs typeface="メイリオ"/>
+            </a:endParaRPr>
+          </a:p>
+        </p:txBody>
+      </p:sp>
     </p:spTree>
     <p:extLst>
       <p:ext uri="{BB962C8B-B14F-4D97-AF65-F5344CB8AC3E}">
-        <p14:creationId xmlns:p14="http://schemas.microsoft.com/office/powerpoint/2010/main" val="1574216287"/>
+        <p14:creationId xmlns:p14="http://schemas.microsoft.com/office/powerpoint/2010/main" val="376941403"/>
       </p:ext>
     </p:extLst>
   </p:cSld>

--- a/algieba/interface/ui.pptx
+++ b/algieba/interface/ui.pptx
@@ -4333,532 +4333,23 @@
           </a:p>
         </p:txBody>
       </p:sp>
-      <p:sp>
-        <p:nvSpPr>
-          <p:cNvPr id="5" name="正方形/長方形 4"/>
-          <p:cNvSpPr/>
-          <p:nvPr/>
-        </p:nvSpPr>
-        <p:spPr>
-          <a:xfrm>
-            <a:off x="783269" y="935182"/>
-            <a:ext cx="7575640" cy="5541817"/>
-          </a:xfrm>
-          <a:prstGeom prst="rect">
-            <a:avLst/>
-          </a:prstGeom>
-          <a:noFill/>
-          <a:ln w="25400">
-            <a:solidFill>
-              <a:schemeClr val="tx1"/>
-            </a:solidFill>
-          </a:ln>
-          <a:effectLst/>
-        </p:spPr>
-        <p:style>
-          <a:lnRef idx="1">
-            <a:schemeClr val="accent1"/>
-          </a:lnRef>
-          <a:fillRef idx="3">
-            <a:schemeClr val="accent1"/>
-          </a:fillRef>
-          <a:effectRef idx="2">
-            <a:schemeClr val="accent1"/>
-          </a:effectRef>
-          <a:fontRef idx="minor">
-            <a:schemeClr val="lt1"/>
-          </a:fontRef>
-        </p:style>
-        <p:txBody>
-          <a:bodyPr rtlCol="0" anchor="ctr"/>
-          <a:lstStyle/>
-          <a:p>
-            <a:pPr algn="ctr"/>
-            <a:endParaRPr kumimoji="1" lang="ja-JP" altLang="en-US" sz="2800" dirty="0">
-              <a:solidFill>
-                <a:schemeClr val="tx1"/>
-              </a:solidFill>
-              <a:latin typeface="メイリオ"/>
-              <a:ea typeface="メイリオ"/>
-              <a:cs typeface="メイリオ"/>
-            </a:endParaRPr>
-          </a:p>
-        </p:txBody>
-      </p:sp>
-      <p:sp>
-        <p:nvSpPr>
-          <p:cNvPr id="3" name="角丸四角形 2"/>
-          <p:cNvSpPr/>
-          <p:nvPr/>
-        </p:nvSpPr>
-        <p:spPr>
-          <a:xfrm>
-            <a:off x="1569818" y="1188941"/>
-            <a:ext cx="797002" cy="165946"/>
-          </a:xfrm>
-          <a:prstGeom prst="roundRect">
-            <a:avLst/>
-          </a:prstGeom>
-          <a:noFill/>
-          <a:ln w="25400">
-            <a:solidFill>
-              <a:schemeClr val="tx1"/>
-            </a:solidFill>
-          </a:ln>
-          <a:effectLst/>
-        </p:spPr>
-        <p:style>
-          <a:lnRef idx="1">
-            <a:schemeClr val="accent1"/>
-          </a:lnRef>
-          <a:fillRef idx="3">
-            <a:schemeClr val="accent1"/>
-          </a:fillRef>
-          <a:effectRef idx="2">
-            <a:schemeClr val="accent1"/>
-          </a:effectRef>
-          <a:fontRef idx="minor">
-            <a:schemeClr val="lt1"/>
-          </a:fontRef>
-        </p:style>
-        <p:txBody>
-          <a:bodyPr rtlCol="0" anchor="ctr"/>
-          <a:lstStyle/>
-          <a:p>
-            <a:pPr algn="ctr"/>
-            <a:endParaRPr kumimoji="1" lang="ja-JP" altLang="en-US"/>
-          </a:p>
-        </p:txBody>
-      </p:sp>
-      <p:sp>
-        <p:nvSpPr>
-          <p:cNvPr id="6" name="テキスト ボックス 5"/>
-          <p:cNvSpPr txBox="1"/>
-          <p:nvPr/>
-        </p:nvSpPr>
-        <p:spPr>
-          <a:xfrm>
-            <a:off x="923931" y="1108244"/>
-            <a:ext cx="723275" cy="307777"/>
-          </a:xfrm>
-          <a:prstGeom prst="rect">
-            <a:avLst/>
-          </a:prstGeom>
-          <a:noFill/>
-        </p:spPr>
-        <p:txBody>
-          <a:bodyPr wrap="none" rtlCol="0">
-            <a:spAutoFit/>
-          </a:bodyPr>
-          <a:lstStyle/>
-          <a:p>
-            <a:r>
-              <a:rPr kumimoji="1" lang="ja-JP" altLang="en-US" sz="1400" dirty="0" smtClean="0">
-                <a:latin typeface="メイリオ"/>
-                <a:ea typeface="メイリオ"/>
-                <a:cs typeface="メイリオ"/>
-              </a:rPr>
-              <a:t>日付：</a:t>
-            </a:r>
-            <a:endParaRPr kumimoji="1" lang="ja-JP" altLang="en-US" sz="1400" dirty="0">
-              <a:latin typeface="メイリオ"/>
-              <a:ea typeface="メイリオ"/>
-              <a:cs typeface="メイリオ"/>
-            </a:endParaRPr>
-          </a:p>
-        </p:txBody>
-      </p:sp>
-      <p:sp>
-        <p:nvSpPr>
-          <p:cNvPr id="30" name="角丸四角形 29"/>
-          <p:cNvSpPr/>
-          <p:nvPr/>
-        </p:nvSpPr>
-        <p:spPr>
-          <a:xfrm>
-            <a:off x="3139341" y="1188941"/>
-            <a:ext cx="797002" cy="165946"/>
-          </a:xfrm>
-          <a:prstGeom prst="roundRect">
-            <a:avLst/>
-          </a:prstGeom>
-          <a:noFill/>
-          <a:ln w="25400">
-            <a:solidFill>
-              <a:schemeClr val="tx1"/>
-            </a:solidFill>
-          </a:ln>
-          <a:effectLst/>
-        </p:spPr>
-        <p:style>
-          <a:lnRef idx="1">
-            <a:schemeClr val="accent1"/>
-          </a:lnRef>
-          <a:fillRef idx="3">
-            <a:schemeClr val="accent1"/>
-          </a:fillRef>
-          <a:effectRef idx="2">
-            <a:schemeClr val="accent1"/>
-          </a:effectRef>
-          <a:fontRef idx="minor">
-            <a:schemeClr val="lt1"/>
-          </a:fontRef>
-        </p:style>
-        <p:txBody>
-          <a:bodyPr rtlCol="0" anchor="ctr"/>
-          <a:lstStyle/>
-          <a:p>
-            <a:pPr algn="ctr"/>
-            <a:endParaRPr kumimoji="1" lang="ja-JP" altLang="en-US"/>
-          </a:p>
-        </p:txBody>
-      </p:sp>
-      <p:sp>
-        <p:nvSpPr>
-          <p:cNvPr id="31" name="テキスト ボックス 30"/>
-          <p:cNvSpPr txBox="1"/>
-          <p:nvPr/>
-        </p:nvSpPr>
-        <p:spPr>
-          <a:xfrm>
-            <a:off x="2493454" y="1108244"/>
-            <a:ext cx="723275" cy="307777"/>
-          </a:xfrm>
-          <a:prstGeom prst="rect">
-            <a:avLst/>
-          </a:prstGeom>
-          <a:noFill/>
-        </p:spPr>
-        <p:txBody>
-          <a:bodyPr wrap="none" rtlCol="0">
-            <a:spAutoFit/>
-          </a:bodyPr>
-          <a:lstStyle/>
-          <a:p>
-            <a:r>
-              <a:rPr lang="ja-JP" altLang="en-US" sz="1400" dirty="0" smtClean="0">
-                <a:latin typeface="メイリオ"/>
-                <a:ea typeface="メイリオ"/>
-                <a:cs typeface="メイリオ"/>
-              </a:rPr>
-              <a:t>内容</a:t>
-            </a:r>
-            <a:r>
-              <a:rPr kumimoji="1" lang="ja-JP" altLang="en-US" sz="1400" dirty="0" smtClean="0">
-                <a:latin typeface="メイリオ"/>
-                <a:ea typeface="メイリオ"/>
-                <a:cs typeface="メイリオ"/>
-              </a:rPr>
-              <a:t>：</a:t>
-            </a:r>
-            <a:endParaRPr kumimoji="1" lang="ja-JP" altLang="en-US" sz="1400" dirty="0">
-              <a:latin typeface="メイリオ"/>
-              <a:ea typeface="メイリオ"/>
-              <a:cs typeface="メイリオ"/>
-            </a:endParaRPr>
-          </a:p>
-        </p:txBody>
-      </p:sp>
-      <p:sp>
-        <p:nvSpPr>
-          <p:cNvPr id="32" name="角丸四角形 31"/>
-          <p:cNvSpPr/>
-          <p:nvPr/>
-        </p:nvSpPr>
-        <p:spPr>
-          <a:xfrm>
-            <a:off x="5057232" y="1188941"/>
-            <a:ext cx="797002" cy="165946"/>
-          </a:xfrm>
-          <a:prstGeom prst="roundRect">
-            <a:avLst/>
-          </a:prstGeom>
-          <a:noFill/>
-          <a:ln w="25400">
-            <a:solidFill>
-              <a:schemeClr val="tx1"/>
-            </a:solidFill>
-          </a:ln>
-          <a:effectLst/>
-        </p:spPr>
-        <p:style>
-          <a:lnRef idx="1">
-            <a:schemeClr val="accent1"/>
-          </a:lnRef>
-          <a:fillRef idx="3">
-            <a:schemeClr val="accent1"/>
-          </a:fillRef>
-          <a:effectRef idx="2">
-            <a:schemeClr val="accent1"/>
-          </a:effectRef>
-          <a:fontRef idx="minor">
-            <a:schemeClr val="lt1"/>
-          </a:fontRef>
-        </p:style>
-        <p:txBody>
-          <a:bodyPr rtlCol="0" anchor="ctr"/>
-          <a:lstStyle/>
-          <a:p>
-            <a:pPr algn="ctr"/>
-            <a:endParaRPr kumimoji="1" lang="ja-JP" altLang="en-US"/>
-          </a:p>
-        </p:txBody>
-      </p:sp>
-      <p:sp>
-        <p:nvSpPr>
-          <p:cNvPr id="33" name="テキスト ボックス 32"/>
-          <p:cNvSpPr txBox="1"/>
-          <p:nvPr/>
-        </p:nvSpPr>
-        <p:spPr>
-          <a:xfrm>
-            <a:off x="4041905" y="1108244"/>
-            <a:ext cx="1082348" cy="307777"/>
-          </a:xfrm>
-          <a:prstGeom prst="rect">
-            <a:avLst/>
-          </a:prstGeom>
-          <a:noFill/>
-        </p:spPr>
-        <p:txBody>
-          <a:bodyPr wrap="none" rtlCol="0">
-            <a:spAutoFit/>
-          </a:bodyPr>
-          <a:lstStyle/>
-          <a:p>
-            <a:r>
-              <a:rPr lang="ja-JP" altLang="en-US" sz="1400" dirty="0" smtClean="0">
-                <a:latin typeface="メイリオ"/>
-                <a:ea typeface="メイリオ"/>
-                <a:cs typeface="メイリオ"/>
-              </a:rPr>
-              <a:t>カテゴリ</a:t>
-            </a:r>
-            <a:r>
-              <a:rPr kumimoji="1" lang="ja-JP" altLang="en-US" sz="1400" dirty="0" smtClean="0">
-                <a:latin typeface="メイリオ"/>
-                <a:ea typeface="メイリオ"/>
-                <a:cs typeface="メイリオ"/>
-              </a:rPr>
-              <a:t>：</a:t>
-            </a:r>
-            <a:endParaRPr kumimoji="1" lang="ja-JP" altLang="en-US" sz="1400" dirty="0">
-              <a:latin typeface="メイリオ"/>
-              <a:ea typeface="メイリオ"/>
-              <a:cs typeface="メイリオ"/>
-            </a:endParaRPr>
-          </a:p>
-        </p:txBody>
-      </p:sp>
-      <p:sp>
-        <p:nvSpPr>
-          <p:cNvPr id="34" name="角丸四角形 33"/>
-          <p:cNvSpPr/>
-          <p:nvPr/>
-        </p:nvSpPr>
-        <p:spPr>
-          <a:xfrm>
-            <a:off x="6582196" y="1187842"/>
-            <a:ext cx="797002" cy="165946"/>
-          </a:xfrm>
-          <a:prstGeom prst="roundRect">
-            <a:avLst/>
-          </a:prstGeom>
-          <a:noFill/>
-          <a:ln w="25400">
-            <a:solidFill>
-              <a:schemeClr val="tx1"/>
-            </a:solidFill>
-          </a:ln>
-          <a:effectLst/>
-        </p:spPr>
-        <p:style>
-          <a:lnRef idx="1">
-            <a:schemeClr val="accent1"/>
-          </a:lnRef>
-          <a:fillRef idx="3">
-            <a:schemeClr val="accent1"/>
-          </a:fillRef>
-          <a:effectRef idx="2">
-            <a:schemeClr val="accent1"/>
-          </a:effectRef>
-          <a:fontRef idx="minor">
-            <a:schemeClr val="lt1"/>
-          </a:fontRef>
-        </p:style>
-        <p:txBody>
-          <a:bodyPr rtlCol="0" anchor="ctr"/>
-          <a:lstStyle/>
-          <a:p>
-            <a:pPr algn="ctr"/>
-            <a:endParaRPr kumimoji="1" lang="ja-JP" altLang="en-US"/>
-          </a:p>
-        </p:txBody>
-      </p:sp>
-      <p:sp>
-        <p:nvSpPr>
-          <p:cNvPr id="35" name="テキスト ボックス 34"/>
-          <p:cNvSpPr txBox="1"/>
-          <p:nvPr/>
-        </p:nvSpPr>
-        <p:spPr>
-          <a:xfrm>
-            <a:off x="5936309" y="1107145"/>
-            <a:ext cx="723275" cy="307777"/>
-          </a:xfrm>
-          <a:prstGeom prst="rect">
-            <a:avLst/>
-          </a:prstGeom>
-          <a:noFill/>
-        </p:spPr>
-        <p:txBody>
-          <a:bodyPr wrap="none" rtlCol="0">
-            <a:spAutoFit/>
-          </a:bodyPr>
-          <a:lstStyle/>
-          <a:p>
-            <a:r>
-              <a:rPr lang="ja-JP" altLang="en-US" sz="1400" dirty="0" smtClean="0">
-                <a:latin typeface="メイリオ"/>
-                <a:ea typeface="メイリオ"/>
-                <a:cs typeface="メイリオ"/>
-              </a:rPr>
-              <a:t>金額</a:t>
-            </a:r>
-            <a:r>
-              <a:rPr kumimoji="1" lang="ja-JP" altLang="en-US" sz="1400" dirty="0" smtClean="0">
-                <a:latin typeface="メイリオ"/>
-                <a:ea typeface="メイリオ"/>
-                <a:cs typeface="メイリオ"/>
-              </a:rPr>
-              <a:t>：</a:t>
-            </a:r>
-            <a:endParaRPr kumimoji="1" lang="ja-JP" altLang="en-US" sz="1400" dirty="0">
-              <a:latin typeface="メイリオ"/>
-              <a:ea typeface="メイリオ"/>
-              <a:cs typeface="メイリオ"/>
-            </a:endParaRPr>
-          </a:p>
-        </p:txBody>
-      </p:sp>
-      <p:sp>
-        <p:nvSpPr>
-          <p:cNvPr id="36" name="角丸四角形 35"/>
-          <p:cNvSpPr/>
-          <p:nvPr/>
-        </p:nvSpPr>
-        <p:spPr>
-          <a:xfrm>
-            <a:off x="7623593" y="1118689"/>
-            <a:ext cx="550589" cy="299213"/>
-          </a:xfrm>
-          <a:prstGeom prst="roundRect">
-            <a:avLst/>
-          </a:prstGeom>
-          <a:noFill/>
-          <a:ln w="25400">
-            <a:solidFill>
-              <a:schemeClr val="tx1"/>
-            </a:solidFill>
-          </a:ln>
-          <a:effectLst/>
-        </p:spPr>
-        <p:style>
-          <a:lnRef idx="1">
-            <a:schemeClr val="accent1"/>
-          </a:lnRef>
-          <a:fillRef idx="3">
-            <a:schemeClr val="accent1"/>
-          </a:fillRef>
-          <a:effectRef idx="2">
-            <a:schemeClr val="accent1"/>
-          </a:effectRef>
-          <a:fontRef idx="minor">
-            <a:schemeClr val="lt1"/>
-          </a:fontRef>
-        </p:style>
-        <p:txBody>
-          <a:bodyPr rtlCol="0" anchor="ctr"/>
-          <a:lstStyle/>
-          <a:p>
-            <a:pPr algn="ctr"/>
-            <a:r>
-              <a:rPr kumimoji="1" lang="ja-JP" altLang="en-US" sz="1200" dirty="0" smtClean="0">
-                <a:solidFill>
-                  <a:schemeClr val="tx1"/>
-                </a:solidFill>
-                <a:latin typeface="メイリオ"/>
-                <a:ea typeface="メイリオ"/>
-                <a:cs typeface="メイリオ"/>
-              </a:rPr>
-              <a:t>登録</a:t>
-            </a:r>
-            <a:endParaRPr kumimoji="1" lang="ja-JP" altLang="en-US" sz="1200" dirty="0">
-              <a:solidFill>
-                <a:schemeClr val="tx1"/>
-              </a:solidFill>
-              <a:latin typeface="メイリオ"/>
-              <a:ea typeface="メイリオ"/>
-              <a:cs typeface="メイリオ"/>
-            </a:endParaRPr>
-          </a:p>
-        </p:txBody>
-      </p:sp>
-      <p:cxnSp>
-        <p:nvCxnSpPr>
-          <p:cNvPr id="8" name="直線コネクタ 7"/>
-          <p:cNvCxnSpPr/>
-          <p:nvPr/>
-        </p:nvCxnSpPr>
-        <p:spPr>
-          <a:xfrm>
-            <a:off x="923931" y="1547091"/>
-            <a:ext cx="7250251" cy="0"/>
-          </a:xfrm>
-          <a:prstGeom prst="line">
-            <a:avLst/>
-          </a:prstGeom>
-          <a:ln>
-            <a:solidFill>
-              <a:schemeClr val="bg1">
-                <a:lumMod val="65000"/>
-              </a:schemeClr>
-            </a:solidFill>
-          </a:ln>
-          <a:effectLst/>
-        </p:spPr>
-        <p:style>
-          <a:lnRef idx="2">
-            <a:schemeClr val="accent1"/>
-          </a:lnRef>
-          <a:fillRef idx="0">
-            <a:schemeClr val="accent1"/>
-          </a:fillRef>
-          <a:effectRef idx="1">
-            <a:schemeClr val="accent1"/>
-          </a:effectRef>
-          <a:fontRef idx="minor">
-            <a:schemeClr val="tx1"/>
-          </a:fontRef>
-        </p:style>
-      </p:cxnSp>
       <p:graphicFrame>
         <p:nvGraphicFramePr>
-          <p:cNvPr id="12" name="表 11"/>
+          <p:cNvPr id="52" name="表 51"/>
           <p:cNvGraphicFramePr>
             <a:graphicFrameLocks noGrp="1"/>
           </p:cNvGraphicFramePr>
           <p:nvPr>
             <p:extLst>
               <p:ext uri="{D42A27DB-BD31-4B8C-83A1-F6EECF244321}">
-                <p14:modId xmlns:p14="http://schemas.microsoft.com/office/powerpoint/2010/main" val="3124747706"/>
+                <p14:modId xmlns:p14="http://schemas.microsoft.com/office/powerpoint/2010/main" val="841783986"/>
               </p:ext>
             </p:extLst>
           </p:nvPr>
         </p:nvGraphicFramePr>
         <p:xfrm>
-          <a:off x="993905" y="2020446"/>
-          <a:ext cx="7180276" cy="4341095"/>
+          <a:off x="993905" y="2031998"/>
+          <a:ext cx="7180276" cy="4248728"/>
         </p:xfrm>
         <a:graphic>
           <a:graphicData uri="http://schemas.openxmlformats.org/drawingml/2006/table">
@@ -4872,7 +4363,7 @@
                 <a:gridCol w="1795069"/>
                 <a:gridCol w="1795069"/>
               </a:tblGrid>
-              <a:tr h="394645">
+              <a:tr h="386248">
                 <a:tc>
                   <a:txBody>
                     <a:bodyPr/>
@@ -4962,7 +4453,7 @@
                   <a:tcPr/>
                 </a:tc>
               </a:tr>
-              <a:tr h="394645">
+              <a:tr h="386248">
                 <a:tc>
                   <a:txBody>
                     <a:bodyPr/>
@@ -5004,7 +4495,7 @@
                   <a:tcPr/>
                 </a:tc>
               </a:tr>
-              <a:tr h="394645">
+              <a:tr h="386248">
                 <a:tc>
                   <a:txBody>
                     <a:bodyPr/>
@@ -5046,7 +4537,7 @@
                   <a:tcPr/>
                 </a:tc>
               </a:tr>
-              <a:tr h="394645">
+              <a:tr h="386248">
                 <a:tc>
                   <a:txBody>
                     <a:bodyPr/>
@@ -5088,7 +4579,7 @@
                   <a:tcPr/>
                 </a:tc>
               </a:tr>
-              <a:tr h="394645">
+              <a:tr h="386248">
                 <a:tc>
                   <a:txBody>
                     <a:bodyPr/>
@@ -5130,7 +4621,7 @@
                   <a:tcPr/>
                 </a:tc>
               </a:tr>
-              <a:tr h="394645">
+              <a:tr h="386248">
                 <a:tc>
                   <a:txBody>
                     <a:bodyPr/>
@@ -5172,7 +4663,7 @@
                   <a:tcPr/>
                 </a:tc>
               </a:tr>
-              <a:tr h="394645">
+              <a:tr h="386248">
                 <a:tc>
                   <a:txBody>
                     <a:bodyPr/>
@@ -5214,7 +4705,7 @@
                   <a:tcPr/>
                 </a:tc>
               </a:tr>
-              <a:tr h="394645">
+              <a:tr h="386248">
                 <a:tc>
                   <a:txBody>
                     <a:bodyPr/>
@@ -5256,7 +4747,7 @@
                   <a:tcPr/>
                 </a:tc>
               </a:tr>
-              <a:tr h="394645">
+              <a:tr h="386248">
                 <a:tc>
                   <a:txBody>
                     <a:bodyPr/>
@@ -5298,7 +4789,7 @@
                   <a:tcPr/>
                 </a:tc>
               </a:tr>
-              <a:tr h="394645">
+              <a:tr h="386248">
                 <a:tc>
                   <a:txBody>
                     <a:bodyPr/>
@@ -5340,27 +4831,7 @@
                   <a:tcPr/>
                 </a:tc>
               </a:tr>
-              <a:tr h="394645">
-                <a:tc>
-                  <a:txBody>
-                    <a:bodyPr/>
-                    <a:lstStyle/>
-                    <a:p>
-                      <a:endParaRPr kumimoji="1" lang="ja-JP" altLang="en-US"/>
-                    </a:p>
-                  </a:txBody>
-                  <a:tcPr/>
-                </a:tc>
-                <a:tc>
-                  <a:txBody>
-                    <a:bodyPr/>
-                    <a:lstStyle/>
-                    <a:p>
-                      <a:endParaRPr kumimoji="1" lang="ja-JP" altLang="en-US"/>
-                    </a:p>
-                  </a:txBody>
-                  <a:tcPr/>
-                </a:tc>
+              <a:tr h="386248">
                 <a:tc>
                   <a:txBody>
                     <a:bodyPr/>
@@ -5381,6 +4852,26 @@
                   </a:txBody>
                   <a:tcPr/>
                 </a:tc>
+                <a:tc>
+                  <a:txBody>
+                    <a:bodyPr/>
+                    <a:lstStyle/>
+                    <a:p>
+                      <a:endParaRPr kumimoji="1" lang="ja-JP" altLang="en-US" dirty="0"/>
+                    </a:p>
+                  </a:txBody>
+                  <a:tcPr/>
+                </a:tc>
+                <a:tc>
+                  <a:txBody>
+                    <a:bodyPr/>
+                    <a:lstStyle/>
+                    <a:p>
+                      <a:endParaRPr kumimoji="1" lang="ja-JP" altLang="en-US" dirty="0"/>
+                    </a:p>
+                  </a:txBody>
+                  <a:tcPr/>
+                </a:tc>
               </a:tr>
             </a:tbl>
           </a:graphicData>
@@ -5388,7 +4879,516 @@
       </p:graphicFrame>
       <p:sp>
         <p:nvSpPr>
-          <p:cNvPr id="15" name="テキスト ボックス 14"/>
+          <p:cNvPr id="53" name="正方形/長方形 52"/>
+          <p:cNvSpPr/>
+          <p:nvPr/>
+        </p:nvSpPr>
+        <p:spPr>
+          <a:xfrm>
+            <a:off x="783269" y="935182"/>
+            <a:ext cx="7575640" cy="5541817"/>
+          </a:xfrm>
+          <a:prstGeom prst="rect">
+            <a:avLst/>
+          </a:prstGeom>
+          <a:noFill/>
+          <a:ln w="25400">
+            <a:solidFill>
+              <a:schemeClr val="tx1"/>
+            </a:solidFill>
+          </a:ln>
+          <a:effectLst/>
+        </p:spPr>
+        <p:style>
+          <a:lnRef idx="1">
+            <a:schemeClr val="accent1"/>
+          </a:lnRef>
+          <a:fillRef idx="3">
+            <a:schemeClr val="accent1"/>
+          </a:fillRef>
+          <a:effectRef idx="2">
+            <a:schemeClr val="accent1"/>
+          </a:effectRef>
+          <a:fontRef idx="minor">
+            <a:schemeClr val="lt1"/>
+          </a:fontRef>
+        </p:style>
+        <p:txBody>
+          <a:bodyPr rtlCol="0" anchor="ctr"/>
+          <a:lstStyle/>
+          <a:p>
+            <a:pPr algn="ctr"/>
+            <a:endParaRPr kumimoji="1" lang="ja-JP" altLang="en-US" sz="2800" dirty="0">
+              <a:solidFill>
+                <a:schemeClr val="tx1"/>
+              </a:solidFill>
+              <a:latin typeface="メイリオ"/>
+              <a:ea typeface="メイリオ"/>
+              <a:cs typeface="メイリオ"/>
+            </a:endParaRPr>
+          </a:p>
+        </p:txBody>
+      </p:sp>
+      <p:sp>
+        <p:nvSpPr>
+          <p:cNvPr id="54" name="角丸四角形 53"/>
+          <p:cNvSpPr/>
+          <p:nvPr/>
+        </p:nvSpPr>
+        <p:spPr>
+          <a:xfrm>
+            <a:off x="1569818" y="1188941"/>
+            <a:ext cx="797002" cy="165946"/>
+          </a:xfrm>
+          <a:prstGeom prst="roundRect">
+            <a:avLst/>
+          </a:prstGeom>
+          <a:noFill/>
+          <a:ln w="25400">
+            <a:solidFill>
+              <a:schemeClr val="tx1"/>
+            </a:solidFill>
+          </a:ln>
+          <a:effectLst/>
+        </p:spPr>
+        <p:style>
+          <a:lnRef idx="1">
+            <a:schemeClr val="accent1"/>
+          </a:lnRef>
+          <a:fillRef idx="3">
+            <a:schemeClr val="accent1"/>
+          </a:fillRef>
+          <a:effectRef idx="2">
+            <a:schemeClr val="accent1"/>
+          </a:effectRef>
+          <a:fontRef idx="minor">
+            <a:schemeClr val="lt1"/>
+          </a:fontRef>
+        </p:style>
+        <p:txBody>
+          <a:bodyPr rtlCol="0" anchor="ctr"/>
+          <a:lstStyle/>
+          <a:p>
+            <a:pPr algn="ctr"/>
+            <a:endParaRPr kumimoji="1" lang="ja-JP" altLang="en-US"/>
+          </a:p>
+        </p:txBody>
+      </p:sp>
+      <p:sp>
+        <p:nvSpPr>
+          <p:cNvPr id="55" name="テキスト ボックス 54"/>
+          <p:cNvSpPr txBox="1"/>
+          <p:nvPr/>
+        </p:nvSpPr>
+        <p:spPr>
+          <a:xfrm>
+            <a:off x="923931" y="1108244"/>
+            <a:ext cx="723275" cy="307777"/>
+          </a:xfrm>
+          <a:prstGeom prst="rect">
+            <a:avLst/>
+          </a:prstGeom>
+          <a:noFill/>
+        </p:spPr>
+        <p:txBody>
+          <a:bodyPr wrap="none" rtlCol="0">
+            <a:spAutoFit/>
+          </a:bodyPr>
+          <a:lstStyle/>
+          <a:p>
+            <a:r>
+              <a:rPr kumimoji="1" lang="ja-JP" altLang="en-US" sz="1400" dirty="0" smtClean="0">
+                <a:latin typeface="メイリオ"/>
+                <a:ea typeface="メイリオ"/>
+                <a:cs typeface="メイリオ"/>
+              </a:rPr>
+              <a:t>日付：</a:t>
+            </a:r>
+            <a:endParaRPr kumimoji="1" lang="ja-JP" altLang="en-US" sz="1400" dirty="0">
+              <a:latin typeface="メイリオ"/>
+              <a:ea typeface="メイリオ"/>
+              <a:cs typeface="メイリオ"/>
+            </a:endParaRPr>
+          </a:p>
+        </p:txBody>
+      </p:sp>
+      <p:sp>
+        <p:nvSpPr>
+          <p:cNvPr id="56" name="角丸四角形 55"/>
+          <p:cNvSpPr/>
+          <p:nvPr/>
+        </p:nvSpPr>
+        <p:spPr>
+          <a:xfrm>
+            <a:off x="3139341" y="1188941"/>
+            <a:ext cx="797002" cy="165946"/>
+          </a:xfrm>
+          <a:prstGeom prst="roundRect">
+            <a:avLst/>
+          </a:prstGeom>
+          <a:noFill/>
+          <a:ln w="25400">
+            <a:solidFill>
+              <a:schemeClr val="tx1"/>
+            </a:solidFill>
+          </a:ln>
+          <a:effectLst/>
+        </p:spPr>
+        <p:style>
+          <a:lnRef idx="1">
+            <a:schemeClr val="accent1"/>
+          </a:lnRef>
+          <a:fillRef idx="3">
+            <a:schemeClr val="accent1"/>
+          </a:fillRef>
+          <a:effectRef idx="2">
+            <a:schemeClr val="accent1"/>
+          </a:effectRef>
+          <a:fontRef idx="minor">
+            <a:schemeClr val="lt1"/>
+          </a:fontRef>
+        </p:style>
+        <p:txBody>
+          <a:bodyPr rtlCol="0" anchor="ctr"/>
+          <a:lstStyle/>
+          <a:p>
+            <a:pPr algn="ctr"/>
+            <a:endParaRPr kumimoji="1" lang="ja-JP" altLang="en-US"/>
+          </a:p>
+        </p:txBody>
+      </p:sp>
+      <p:sp>
+        <p:nvSpPr>
+          <p:cNvPr id="57" name="テキスト ボックス 56"/>
+          <p:cNvSpPr txBox="1"/>
+          <p:nvPr/>
+        </p:nvSpPr>
+        <p:spPr>
+          <a:xfrm>
+            <a:off x="2493454" y="1108244"/>
+            <a:ext cx="723275" cy="307777"/>
+          </a:xfrm>
+          <a:prstGeom prst="rect">
+            <a:avLst/>
+          </a:prstGeom>
+          <a:noFill/>
+        </p:spPr>
+        <p:txBody>
+          <a:bodyPr wrap="none" rtlCol="0">
+            <a:spAutoFit/>
+          </a:bodyPr>
+          <a:lstStyle/>
+          <a:p>
+            <a:r>
+              <a:rPr lang="ja-JP" altLang="en-US" sz="1400" dirty="0" smtClean="0">
+                <a:latin typeface="メイリオ"/>
+                <a:ea typeface="メイリオ"/>
+                <a:cs typeface="メイリオ"/>
+              </a:rPr>
+              <a:t>内容</a:t>
+            </a:r>
+            <a:r>
+              <a:rPr kumimoji="1" lang="ja-JP" altLang="en-US" sz="1400" dirty="0" smtClean="0">
+                <a:latin typeface="メイリオ"/>
+                <a:ea typeface="メイリオ"/>
+                <a:cs typeface="メイリオ"/>
+              </a:rPr>
+              <a:t>：</a:t>
+            </a:r>
+            <a:endParaRPr kumimoji="1" lang="ja-JP" altLang="en-US" sz="1400" dirty="0">
+              <a:latin typeface="メイリオ"/>
+              <a:ea typeface="メイリオ"/>
+              <a:cs typeface="メイリオ"/>
+            </a:endParaRPr>
+          </a:p>
+        </p:txBody>
+      </p:sp>
+      <p:sp>
+        <p:nvSpPr>
+          <p:cNvPr id="58" name="角丸四角形 57"/>
+          <p:cNvSpPr/>
+          <p:nvPr/>
+        </p:nvSpPr>
+        <p:spPr>
+          <a:xfrm>
+            <a:off x="5057232" y="1188941"/>
+            <a:ext cx="797002" cy="165946"/>
+          </a:xfrm>
+          <a:prstGeom prst="roundRect">
+            <a:avLst/>
+          </a:prstGeom>
+          <a:noFill/>
+          <a:ln w="25400">
+            <a:solidFill>
+              <a:schemeClr val="tx1"/>
+            </a:solidFill>
+          </a:ln>
+          <a:effectLst/>
+        </p:spPr>
+        <p:style>
+          <a:lnRef idx="1">
+            <a:schemeClr val="accent1"/>
+          </a:lnRef>
+          <a:fillRef idx="3">
+            <a:schemeClr val="accent1"/>
+          </a:fillRef>
+          <a:effectRef idx="2">
+            <a:schemeClr val="accent1"/>
+          </a:effectRef>
+          <a:fontRef idx="minor">
+            <a:schemeClr val="lt1"/>
+          </a:fontRef>
+        </p:style>
+        <p:txBody>
+          <a:bodyPr rtlCol="0" anchor="ctr"/>
+          <a:lstStyle/>
+          <a:p>
+            <a:pPr algn="ctr"/>
+            <a:endParaRPr kumimoji="1" lang="ja-JP" altLang="en-US"/>
+          </a:p>
+        </p:txBody>
+      </p:sp>
+      <p:sp>
+        <p:nvSpPr>
+          <p:cNvPr id="59" name="テキスト ボックス 58"/>
+          <p:cNvSpPr txBox="1"/>
+          <p:nvPr/>
+        </p:nvSpPr>
+        <p:spPr>
+          <a:xfrm>
+            <a:off x="4041905" y="1108244"/>
+            <a:ext cx="1082348" cy="307777"/>
+          </a:xfrm>
+          <a:prstGeom prst="rect">
+            <a:avLst/>
+          </a:prstGeom>
+          <a:noFill/>
+        </p:spPr>
+        <p:txBody>
+          <a:bodyPr wrap="none" rtlCol="0">
+            <a:spAutoFit/>
+          </a:bodyPr>
+          <a:lstStyle/>
+          <a:p>
+            <a:r>
+              <a:rPr lang="ja-JP" altLang="en-US" sz="1400" dirty="0" smtClean="0">
+                <a:latin typeface="メイリオ"/>
+                <a:ea typeface="メイリオ"/>
+                <a:cs typeface="メイリオ"/>
+              </a:rPr>
+              <a:t>カテゴリ</a:t>
+            </a:r>
+            <a:r>
+              <a:rPr kumimoji="1" lang="ja-JP" altLang="en-US" sz="1400" dirty="0" smtClean="0">
+                <a:latin typeface="メイリオ"/>
+                <a:ea typeface="メイリオ"/>
+                <a:cs typeface="メイリオ"/>
+              </a:rPr>
+              <a:t>：</a:t>
+            </a:r>
+            <a:endParaRPr kumimoji="1" lang="ja-JP" altLang="en-US" sz="1400" dirty="0">
+              <a:latin typeface="メイリオ"/>
+              <a:ea typeface="メイリオ"/>
+              <a:cs typeface="メイリオ"/>
+            </a:endParaRPr>
+          </a:p>
+        </p:txBody>
+      </p:sp>
+      <p:sp>
+        <p:nvSpPr>
+          <p:cNvPr id="60" name="角丸四角形 59"/>
+          <p:cNvSpPr/>
+          <p:nvPr/>
+        </p:nvSpPr>
+        <p:spPr>
+          <a:xfrm>
+            <a:off x="6582196" y="1187842"/>
+            <a:ext cx="797002" cy="165946"/>
+          </a:xfrm>
+          <a:prstGeom prst="roundRect">
+            <a:avLst/>
+          </a:prstGeom>
+          <a:noFill/>
+          <a:ln w="25400">
+            <a:solidFill>
+              <a:schemeClr val="tx1"/>
+            </a:solidFill>
+          </a:ln>
+          <a:effectLst/>
+        </p:spPr>
+        <p:style>
+          <a:lnRef idx="1">
+            <a:schemeClr val="accent1"/>
+          </a:lnRef>
+          <a:fillRef idx="3">
+            <a:schemeClr val="accent1"/>
+          </a:fillRef>
+          <a:effectRef idx="2">
+            <a:schemeClr val="accent1"/>
+          </a:effectRef>
+          <a:fontRef idx="minor">
+            <a:schemeClr val="lt1"/>
+          </a:fontRef>
+        </p:style>
+        <p:txBody>
+          <a:bodyPr rtlCol="0" anchor="ctr"/>
+          <a:lstStyle/>
+          <a:p>
+            <a:pPr algn="ctr"/>
+            <a:endParaRPr kumimoji="1" lang="ja-JP" altLang="en-US"/>
+          </a:p>
+        </p:txBody>
+      </p:sp>
+      <p:sp>
+        <p:nvSpPr>
+          <p:cNvPr id="61" name="テキスト ボックス 60"/>
+          <p:cNvSpPr txBox="1"/>
+          <p:nvPr/>
+        </p:nvSpPr>
+        <p:spPr>
+          <a:xfrm>
+            <a:off x="5936309" y="1107145"/>
+            <a:ext cx="723275" cy="307777"/>
+          </a:xfrm>
+          <a:prstGeom prst="rect">
+            <a:avLst/>
+          </a:prstGeom>
+          <a:noFill/>
+        </p:spPr>
+        <p:txBody>
+          <a:bodyPr wrap="none" rtlCol="0">
+            <a:spAutoFit/>
+          </a:bodyPr>
+          <a:lstStyle/>
+          <a:p>
+            <a:r>
+              <a:rPr lang="ja-JP" altLang="en-US" sz="1400" dirty="0" smtClean="0">
+                <a:latin typeface="メイリオ"/>
+                <a:ea typeface="メイリオ"/>
+                <a:cs typeface="メイリオ"/>
+              </a:rPr>
+              <a:t>金額</a:t>
+            </a:r>
+            <a:r>
+              <a:rPr kumimoji="1" lang="ja-JP" altLang="en-US" sz="1400" dirty="0" smtClean="0">
+                <a:latin typeface="メイリオ"/>
+                <a:ea typeface="メイリオ"/>
+                <a:cs typeface="メイリオ"/>
+              </a:rPr>
+              <a:t>：</a:t>
+            </a:r>
+            <a:endParaRPr kumimoji="1" lang="ja-JP" altLang="en-US" sz="1400" dirty="0">
+              <a:latin typeface="メイリオ"/>
+              <a:ea typeface="メイリオ"/>
+              <a:cs typeface="メイリオ"/>
+            </a:endParaRPr>
+          </a:p>
+        </p:txBody>
+      </p:sp>
+      <p:sp>
+        <p:nvSpPr>
+          <p:cNvPr id="62" name="角丸四角形 61"/>
+          <p:cNvSpPr/>
+          <p:nvPr/>
+        </p:nvSpPr>
+        <p:spPr>
+          <a:xfrm>
+            <a:off x="7623593" y="1118689"/>
+            <a:ext cx="550589" cy="299213"/>
+          </a:xfrm>
+          <a:prstGeom prst="roundRect">
+            <a:avLst/>
+          </a:prstGeom>
+          <a:noFill/>
+          <a:ln w="25400">
+            <a:solidFill>
+              <a:schemeClr val="tx1"/>
+            </a:solidFill>
+          </a:ln>
+          <a:effectLst/>
+        </p:spPr>
+        <p:style>
+          <a:lnRef idx="1">
+            <a:schemeClr val="accent1"/>
+          </a:lnRef>
+          <a:fillRef idx="3">
+            <a:schemeClr val="accent1"/>
+          </a:fillRef>
+          <a:effectRef idx="2">
+            <a:schemeClr val="accent1"/>
+          </a:effectRef>
+          <a:fontRef idx="minor">
+            <a:schemeClr val="lt1"/>
+          </a:fontRef>
+        </p:style>
+        <p:txBody>
+          <a:bodyPr rtlCol="0" anchor="ctr"/>
+          <a:lstStyle/>
+          <a:p>
+            <a:pPr algn="ctr"/>
+            <a:r>
+              <a:rPr kumimoji="1" lang="ja-JP" altLang="en-US" sz="1200" dirty="0" smtClean="0">
+                <a:solidFill>
+                  <a:schemeClr val="tx1"/>
+                </a:solidFill>
+                <a:latin typeface="メイリオ"/>
+                <a:ea typeface="メイリオ"/>
+                <a:cs typeface="メイリオ"/>
+              </a:rPr>
+              <a:t>登録</a:t>
+            </a:r>
+            <a:endParaRPr kumimoji="1" lang="ja-JP" altLang="en-US" sz="1200" dirty="0">
+              <a:solidFill>
+                <a:schemeClr val="tx1"/>
+              </a:solidFill>
+              <a:latin typeface="メイリオ"/>
+              <a:ea typeface="メイリオ"/>
+              <a:cs typeface="メイリオ"/>
+            </a:endParaRPr>
+          </a:p>
+        </p:txBody>
+      </p:sp>
+      <p:cxnSp>
+        <p:nvCxnSpPr>
+          <p:cNvPr id="63" name="直線コネクタ 62"/>
+          <p:cNvCxnSpPr/>
+          <p:nvPr/>
+        </p:nvCxnSpPr>
+        <p:spPr>
+          <a:xfrm>
+            <a:off x="923931" y="1547091"/>
+            <a:ext cx="7250251" cy="0"/>
+          </a:xfrm>
+          <a:prstGeom prst="line">
+            <a:avLst/>
+          </a:prstGeom>
+          <a:ln>
+            <a:solidFill>
+              <a:schemeClr val="bg1">
+                <a:lumMod val="65000"/>
+              </a:schemeClr>
+            </a:solidFill>
+          </a:ln>
+          <a:effectLst/>
+        </p:spPr>
+        <p:style>
+          <a:lnRef idx="2">
+            <a:schemeClr val="accent1"/>
+          </a:lnRef>
+          <a:fillRef idx="0">
+            <a:schemeClr val="accent1"/>
+          </a:fillRef>
+          <a:effectRef idx="1">
+            <a:schemeClr val="accent1"/>
+          </a:effectRef>
+          <a:fontRef idx="minor">
+            <a:schemeClr val="tx1"/>
+          </a:fontRef>
+        </p:style>
+      </p:cxnSp>
+      <p:sp>
+        <p:nvSpPr>
+          <p:cNvPr id="64" name="テキスト ボックス 63"/>
           <p:cNvSpPr txBox="1"/>
           <p:nvPr/>
         </p:nvSpPr>
@@ -5426,7 +5426,7 @@
       </p:sp>
       <p:sp>
         <p:nvSpPr>
-          <p:cNvPr id="16" name="テキスト ボックス 15"/>
+          <p:cNvPr id="65" name="テキスト ボックス 64"/>
           <p:cNvSpPr txBox="1"/>
           <p:nvPr/>
         </p:nvSpPr>
@@ -5464,7 +5464,7 @@
       </p:sp>
       <p:sp>
         <p:nvSpPr>
-          <p:cNvPr id="17" name="テキスト ボックス 16"/>
+          <p:cNvPr id="66" name="テキスト ボックス 65"/>
           <p:cNvSpPr txBox="1"/>
           <p:nvPr/>
         </p:nvSpPr>
@@ -5502,7 +5502,7 @@
       </p:sp>
       <p:sp>
         <p:nvSpPr>
-          <p:cNvPr id="2" name="二等辺三角形 1"/>
+          <p:cNvPr id="67" name="二等辺三角形 66"/>
           <p:cNvSpPr/>
           <p:nvPr/>
         </p:nvSpPr>
@@ -5547,7 +5547,7 @@
       </p:sp>
       <p:sp>
         <p:nvSpPr>
-          <p:cNvPr id="20" name="二等辺三角形 19"/>
+          <p:cNvPr id="68" name="二等辺三角形 67"/>
           <p:cNvSpPr/>
           <p:nvPr/>
         </p:nvSpPr>
@@ -5592,7 +5592,7 @@
       </p:sp>
       <p:sp>
         <p:nvSpPr>
-          <p:cNvPr id="22" name="テキスト ボックス 21"/>
+          <p:cNvPr id="69" name="テキスト ボックス 68"/>
           <p:cNvSpPr txBox="1"/>
           <p:nvPr/>
         </p:nvSpPr>

--- a/algieba/interface/ui.pptx
+++ b/algieba/interface/ui.pptx
@@ -5,11 +5,12 @@
     <p:sldMasterId id="2147483648" r:id="rId1"/>
   </p:sldMasterIdLst>
   <p:notesMasterIdLst>
-    <p:notesMasterId r:id="rId4"/>
+    <p:notesMasterId r:id="rId5"/>
   </p:notesMasterIdLst>
   <p:sldIdLst>
     <p:sldId id="256" r:id="rId2"/>
     <p:sldId id="263" r:id="rId3"/>
+    <p:sldId id="265" r:id="rId4"/>
   </p:sldIdLst>
   <p:sldSz cx="9144000" cy="6858000" type="screen4x3"/>
   <p:notesSz cx="6858000" cy="9144000"/>
@@ -193,7 +194,7 @@
           <a:p>
             <a:fld id="{EE82FEE5-269B-9B49-A8C4-823C45BE6055}" type="datetimeFigureOut">
               <a:rPr kumimoji="1" lang="ja-JP" altLang="en-US" smtClean="0"/>
-              <a:t>16/04/12</a:t>
+              <a:t>16/07/17</a:t>
             </a:fld>
             <a:endParaRPr kumimoji="1" lang="ja-JP" altLang="en-US"/>
           </a:p>
@@ -577,6 +578,90 @@
 </p:notes>
 </file>
 
+<file path=ppt/notesSlides/notesSlide2.xml><?xml version="1.0" encoding="utf-8"?>
+<p:notes xmlns:a="http://schemas.openxmlformats.org/drawingml/2006/main" xmlns:r="http://schemas.openxmlformats.org/officeDocument/2006/relationships" xmlns:p="http://schemas.openxmlformats.org/presentationml/2006/main">
+  <p:cSld>
+    <p:spTree>
+      <p:nvGrpSpPr>
+        <p:cNvPr id="1" name=""/>
+        <p:cNvGrpSpPr/>
+        <p:nvPr/>
+      </p:nvGrpSpPr>
+      <p:grpSpPr>
+        <a:xfrm>
+          <a:off x="0" y="0"/>
+          <a:ext cx="0" cy="0"/>
+          <a:chOff x="0" y="0"/>
+          <a:chExt cx="0" cy="0"/>
+        </a:xfrm>
+      </p:grpSpPr>
+      <p:sp>
+        <p:nvSpPr>
+          <p:cNvPr id="2" name="スライド イメージ プレースホルダー 1"/>
+          <p:cNvSpPr>
+            <a:spLocks noGrp="1" noRot="1" noChangeAspect="1"/>
+          </p:cNvSpPr>
+          <p:nvPr>
+            <p:ph type="sldImg"/>
+          </p:nvPr>
+        </p:nvSpPr>
+        <p:spPr/>
+      </p:sp>
+      <p:sp>
+        <p:nvSpPr>
+          <p:cNvPr id="3" name="ノート プレースホルダー 2"/>
+          <p:cNvSpPr>
+            <a:spLocks noGrp="1"/>
+          </p:cNvSpPr>
+          <p:nvPr>
+            <p:ph type="body" idx="1"/>
+          </p:nvPr>
+        </p:nvSpPr>
+        <p:spPr/>
+        <p:txBody>
+          <a:bodyPr/>
+          <a:lstStyle/>
+          <a:p>
+            <a:endParaRPr kumimoji="1" lang="ja-JP" altLang="en-US" dirty="0"/>
+          </a:p>
+        </p:txBody>
+      </p:sp>
+      <p:sp>
+        <p:nvSpPr>
+          <p:cNvPr id="4" name="スライド番号プレースホルダー 3"/>
+          <p:cNvSpPr>
+            <a:spLocks noGrp="1"/>
+          </p:cNvSpPr>
+          <p:nvPr>
+            <p:ph type="sldNum" sz="quarter" idx="10"/>
+          </p:nvPr>
+        </p:nvSpPr>
+        <p:spPr/>
+        <p:txBody>
+          <a:bodyPr/>
+          <a:lstStyle/>
+          <a:p>
+            <a:fld id="{A9E1B25B-30E5-7A42-A56A-DF1A6F86BC06}" type="slidenum">
+              <a:rPr kumimoji="1" lang="ja-JP" altLang="en-US" smtClean="0"/>
+              <a:t>3</a:t>
+            </a:fld>
+            <a:endParaRPr kumimoji="1" lang="ja-JP" altLang="en-US"/>
+          </a:p>
+        </p:txBody>
+      </p:sp>
+    </p:spTree>
+    <p:extLst>
+      <p:ext uri="{BB962C8B-B14F-4D97-AF65-F5344CB8AC3E}">
+        <p14:creationId xmlns:p14="http://schemas.microsoft.com/office/powerpoint/2010/main" val="3631066132"/>
+      </p:ext>
+    </p:extLst>
+  </p:cSld>
+  <p:clrMapOvr>
+    <a:masterClrMapping/>
+  </p:clrMapOvr>
+</p:notes>
+</file>
+
 <file path=ppt/slideLayouts/slideLayout1.xml><?xml version="1.0" encoding="utf-8"?>
 <p:sldLayout xmlns:a="http://schemas.openxmlformats.org/drawingml/2006/main" xmlns:r="http://schemas.openxmlformats.org/officeDocument/2006/relationships" xmlns:p="http://schemas.openxmlformats.org/presentationml/2006/main" type="title" preserve="1">
   <p:cSld name="タイトル スライド">
@@ -758,7 +843,7 @@
           <a:p>
             <a:fld id="{3ABA01A1-4899-9944-833D-6A66CDE659CB}" type="datetimeFigureOut">
               <a:rPr kumimoji="1" lang="ja-JP" altLang="en-US" smtClean="0"/>
-              <a:t>16/04/12</a:t>
+              <a:t>16/07/17</a:t>
             </a:fld>
             <a:endParaRPr kumimoji="1" lang="ja-JP" altLang="en-US"/>
           </a:p>
@@ -960,7 +1045,7 @@
           <a:p>
             <a:fld id="{3ABA01A1-4899-9944-833D-6A66CDE659CB}" type="datetimeFigureOut">
               <a:rPr kumimoji="1" lang="ja-JP" altLang="en-US" smtClean="0"/>
-              <a:t>16/04/12</a:t>
+              <a:t>16/07/17</a:t>
             </a:fld>
             <a:endParaRPr kumimoji="1" lang="ja-JP" altLang="en-US"/>
           </a:p>
@@ -1172,7 +1257,7 @@
           <a:p>
             <a:fld id="{3ABA01A1-4899-9944-833D-6A66CDE659CB}" type="datetimeFigureOut">
               <a:rPr kumimoji="1" lang="ja-JP" altLang="en-US" smtClean="0"/>
-              <a:t>16/04/12</a:t>
+              <a:t>16/07/17</a:t>
             </a:fld>
             <a:endParaRPr kumimoji="1" lang="ja-JP" altLang="en-US"/>
           </a:p>
@@ -1374,7 +1459,7 @@
           <a:p>
             <a:fld id="{3ABA01A1-4899-9944-833D-6A66CDE659CB}" type="datetimeFigureOut">
               <a:rPr kumimoji="1" lang="ja-JP" altLang="en-US" smtClean="0"/>
-              <a:t>16/04/12</a:t>
+              <a:t>16/07/17</a:t>
             </a:fld>
             <a:endParaRPr kumimoji="1" lang="ja-JP" altLang="en-US"/>
           </a:p>
@@ -1620,7 +1705,7 @@
           <a:p>
             <a:fld id="{3ABA01A1-4899-9944-833D-6A66CDE659CB}" type="datetimeFigureOut">
               <a:rPr kumimoji="1" lang="ja-JP" altLang="en-US" smtClean="0"/>
-              <a:t>16/04/12</a:t>
+              <a:t>16/07/17</a:t>
             </a:fld>
             <a:endParaRPr kumimoji="1" lang="ja-JP" altLang="en-US"/>
           </a:p>
@@ -1972,7 +2057,7 @@
           <a:p>
             <a:fld id="{3ABA01A1-4899-9944-833D-6A66CDE659CB}" type="datetimeFigureOut">
               <a:rPr kumimoji="1" lang="ja-JP" altLang="en-US" smtClean="0"/>
-              <a:t>16/04/12</a:t>
+              <a:t>16/07/17</a:t>
             </a:fld>
             <a:endParaRPr kumimoji="1" lang="ja-JP" altLang="en-US"/>
           </a:p>
@@ -2458,7 +2543,7 @@
           <a:p>
             <a:fld id="{3ABA01A1-4899-9944-833D-6A66CDE659CB}" type="datetimeFigureOut">
               <a:rPr kumimoji="1" lang="ja-JP" altLang="en-US" smtClean="0"/>
-              <a:t>16/04/12</a:t>
+              <a:t>16/07/17</a:t>
             </a:fld>
             <a:endParaRPr kumimoji="1" lang="ja-JP" altLang="en-US"/>
           </a:p>
@@ -2576,7 +2661,7 @@
           <a:p>
             <a:fld id="{3ABA01A1-4899-9944-833D-6A66CDE659CB}" type="datetimeFigureOut">
               <a:rPr kumimoji="1" lang="ja-JP" altLang="en-US" smtClean="0"/>
-              <a:t>16/04/12</a:t>
+              <a:t>16/07/17</a:t>
             </a:fld>
             <a:endParaRPr kumimoji="1" lang="ja-JP" altLang="en-US"/>
           </a:p>
@@ -2671,7 +2756,7 @@
           <a:p>
             <a:fld id="{3ABA01A1-4899-9944-833D-6A66CDE659CB}" type="datetimeFigureOut">
               <a:rPr kumimoji="1" lang="ja-JP" altLang="en-US" smtClean="0"/>
-              <a:t>16/04/12</a:t>
+              <a:t>16/07/17</a:t>
             </a:fld>
             <a:endParaRPr kumimoji="1" lang="ja-JP" altLang="en-US"/>
           </a:p>
@@ -2980,7 +3065,7 @@
           <a:p>
             <a:fld id="{3ABA01A1-4899-9944-833D-6A66CDE659CB}" type="datetimeFigureOut">
               <a:rPr kumimoji="1" lang="ja-JP" altLang="en-US" smtClean="0"/>
-              <a:t>16/04/12</a:t>
+              <a:t>16/07/17</a:t>
             </a:fld>
             <a:endParaRPr kumimoji="1" lang="ja-JP" altLang="en-US"/>
           </a:p>
@@ -3233,7 +3318,7 @@
           <a:p>
             <a:fld id="{3ABA01A1-4899-9944-833D-6A66CDE659CB}" type="datetimeFigureOut">
               <a:rPr kumimoji="1" lang="ja-JP" altLang="en-US" smtClean="0"/>
-              <a:t>16/04/12</a:t>
+              <a:t>16/07/17</a:t>
             </a:fld>
             <a:endParaRPr kumimoji="1" lang="ja-JP" altLang="en-US"/>
           </a:p>
@@ -3478,7 +3563,7 @@
           <a:p>
             <a:fld id="{3ABA01A1-4899-9944-833D-6A66CDE659CB}" type="datetimeFigureOut">
               <a:rPr kumimoji="1" lang="ja-JP" altLang="en-US" smtClean="0"/>
-              <a:t>16/04/12</a:t>
+              <a:t>16/07/17</a:t>
             </a:fld>
             <a:endParaRPr kumimoji="1" lang="ja-JP" altLang="en-US"/>
           </a:p>
@@ -3922,7 +4007,15 @@
             </a:r>
             <a:r>
               <a:rPr lang="en-US" altLang="ja-JP" sz="2800" dirty="0" smtClean="0"/>
-              <a:t>2016/04/12</a:t>
+              <a:t>2016/</a:t>
+            </a:r>
+            <a:r>
+              <a:rPr lang="en-US" altLang="ja-JP" sz="2800" dirty="0" smtClean="0"/>
+              <a:t>07/17</a:t>
+            </a:r>
+            <a:r>
+              <a:rPr lang="en-US" altLang="ja-JP" sz="2800" dirty="0" smtClean="0"/>
+              <a:t/>
             </a:r>
             <a:br>
               <a:rPr lang="en-US" altLang="ja-JP" sz="2800" dirty="0" smtClean="0"/>
@@ -3933,7 +4026,11 @@
             </a:r>
             <a:r>
               <a:rPr lang="en-US" altLang="ja-JP" sz="2800" dirty="0" smtClean="0"/>
-              <a:t> 1.1.0</a:t>
+              <a:t> </a:t>
+            </a:r>
+            <a:r>
+              <a:rPr lang="en-US" altLang="ja-JP" sz="2800" dirty="0" smtClean="0"/>
+              <a:t>2.1.0</a:t>
             </a:r>
             <a:endParaRPr kumimoji="1" lang="ja-JP" altLang="en-US" dirty="0"/>
           </a:p>
@@ -3978,6 +4075,235 @@
         <p:spPr>
           <a:xfrm>
             <a:off x="200532" y="187161"/>
+            <a:ext cx="1620957" cy="523220"/>
+          </a:xfrm>
+          <a:prstGeom prst="rect">
+            <a:avLst/>
+          </a:prstGeom>
+          <a:noFill/>
+        </p:spPr>
+        <p:txBody>
+          <a:bodyPr wrap="none" rtlCol="0">
+            <a:spAutoFit/>
+          </a:bodyPr>
+          <a:lstStyle/>
+          <a:p>
+            <a:r>
+              <a:rPr lang="ja-JP" altLang="en-US" sz="2800" dirty="0" smtClean="0">
+                <a:latin typeface="メイリオ"/>
+                <a:ea typeface="メイリオ"/>
+                <a:cs typeface="メイリオ"/>
+              </a:rPr>
+              <a:t>画面</a:t>
+            </a:r>
+            <a:r>
+              <a:rPr lang="ja-JP" altLang="en-US" sz="2800" dirty="0" smtClean="0">
+                <a:latin typeface="メイリオ"/>
+                <a:ea typeface="メイリオ"/>
+                <a:cs typeface="メイリオ"/>
+              </a:rPr>
+              <a:t>仕様</a:t>
+            </a:r>
+            <a:endParaRPr kumimoji="1" lang="ja-JP" altLang="en-US" sz="2000" dirty="0">
+              <a:latin typeface="メイリオ"/>
+              <a:ea typeface="メイリオ"/>
+              <a:cs typeface="メイリオ"/>
+            </a:endParaRPr>
+          </a:p>
+        </p:txBody>
+      </p:sp>
+      <p:sp>
+        <p:nvSpPr>
+          <p:cNvPr id="11" name="テキスト ボックス 10"/>
+          <p:cNvSpPr txBox="1"/>
+          <p:nvPr/>
+        </p:nvSpPr>
+        <p:spPr>
+          <a:xfrm>
+            <a:off x="646545" y="969818"/>
+            <a:ext cx="7148111" cy="1754327"/>
+          </a:xfrm>
+          <a:prstGeom prst="rect">
+            <a:avLst/>
+          </a:prstGeom>
+          <a:noFill/>
+        </p:spPr>
+        <p:txBody>
+          <a:bodyPr wrap="none" rtlCol="0">
+            <a:spAutoFit/>
+          </a:bodyPr>
+          <a:lstStyle/>
+          <a:p>
+            <a:pPr marL="285750" indent="-285750">
+              <a:buFont typeface="Arial"/>
+              <a:buChar char="•"/>
+            </a:pPr>
+            <a:r>
+              <a:rPr lang="ja-JP" altLang="en-US" dirty="0" smtClean="0">
+                <a:latin typeface="メイリオ"/>
+                <a:ea typeface="メイリオ"/>
+                <a:cs typeface="メイリオ"/>
+              </a:rPr>
+              <a:t>家計簿情報を入力後、登録ボタンを押すと家計簿が登録される</a:t>
+            </a:r>
+            <a:endParaRPr lang="en-US" altLang="ja-JP" dirty="0" smtClean="0">
+              <a:latin typeface="メイリオ"/>
+              <a:ea typeface="メイリオ"/>
+              <a:cs typeface="メイリオ"/>
+            </a:endParaRPr>
+          </a:p>
+          <a:p>
+            <a:pPr marL="742950" lvl="1" indent="-285750">
+              <a:buFont typeface="Arial"/>
+              <a:buChar char="•"/>
+            </a:pPr>
+            <a:r>
+              <a:rPr lang="ja-JP" altLang="en-US" dirty="0" smtClean="0">
+                <a:latin typeface="メイリオ"/>
+                <a:ea typeface="メイリオ"/>
+                <a:cs typeface="メイリオ"/>
+              </a:rPr>
+              <a:t>登録成功時、画面遷移なしで家計簿表の上部に表示される</a:t>
+            </a:r>
+            <a:endParaRPr lang="en-US" altLang="ja-JP" dirty="0" smtClean="0">
+              <a:latin typeface="メイリオ"/>
+              <a:ea typeface="メイリオ"/>
+              <a:cs typeface="メイリオ"/>
+            </a:endParaRPr>
+          </a:p>
+          <a:p>
+            <a:pPr marL="285750" indent="-285750">
+              <a:buFont typeface="Arial"/>
+              <a:buChar char="•"/>
+            </a:pPr>
+            <a:endParaRPr lang="en-US" altLang="ja-JP" dirty="0">
+              <a:latin typeface="メイリオ"/>
+              <a:ea typeface="メイリオ"/>
+              <a:cs typeface="メイリオ"/>
+            </a:endParaRPr>
+          </a:p>
+          <a:p>
+            <a:pPr marL="285750" indent="-285750">
+              <a:buFont typeface="Arial"/>
+              <a:buChar char="•"/>
+            </a:pPr>
+            <a:r>
+              <a:rPr lang="ja-JP" altLang="en-US" dirty="0" smtClean="0">
+                <a:latin typeface="メイリオ"/>
+                <a:ea typeface="メイリオ"/>
+                <a:cs typeface="メイリオ"/>
+              </a:rPr>
+              <a:t>１ページ</a:t>
+            </a:r>
+            <a:r>
+              <a:rPr lang="ja-JP" altLang="en-US" dirty="0">
+                <a:latin typeface="メイリオ"/>
+                <a:ea typeface="メイリオ"/>
+                <a:cs typeface="メイリオ"/>
+              </a:rPr>
+              <a:t>に</a:t>
+            </a:r>
+            <a:r>
+              <a:rPr lang="en-US" altLang="ja-JP" dirty="0">
+                <a:latin typeface="メイリオ"/>
+                <a:ea typeface="メイリオ"/>
+                <a:cs typeface="メイリオ"/>
+              </a:rPr>
+              <a:t>50</a:t>
+            </a:r>
+            <a:r>
+              <a:rPr lang="ja-JP" altLang="en-US" dirty="0">
+                <a:latin typeface="メイリオ"/>
+                <a:ea typeface="メイリオ"/>
+                <a:cs typeface="メイリオ"/>
+              </a:rPr>
+              <a:t>件の家計簿が表示</a:t>
+            </a:r>
+            <a:r>
+              <a:rPr lang="ja-JP" altLang="en-US" dirty="0" smtClean="0">
+                <a:latin typeface="メイリオ"/>
+                <a:ea typeface="メイリオ"/>
+                <a:cs typeface="メイリオ"/>
+              </a:rPr>
+              <a:t>される</a:t>
+            </a:r>
+            <a:endParaRPr lang="en-US" altLang="ja-JP" dirty="0" smtClean="0">
+              <a:latin typeface="メイリオ"/>
+              <a:ea typeface="メイリオ"/>
+              <a:cs typeface="メイリオ"/>
+            </a:endParaRPr>
+          </a:p>
+          <a:p>
+            <a:pPr marL="285750" indent="-285750">
+              <a:buFont typeface="Arial"/>
+              <a:buChar char="•"/>
+            </a:pPr>
+            <a:endParaRPr lang="en-US" altLang="ja-JP" dirty="0">
+              <a:latin typeface="メイリオ"/>
+              <a:ea typeface="メイリオ"/>
+              <a:cs typeface="メイリオ"/>
+            </a:endParaRPr>
+          </a:p>
+          <a:p>
+            <a:pPr marL="285750" indent="-285750">
+              <a:buFont typeface="Arial"/>
+              <a:buChar char="•"/>
+            </a:pPr>
+            <a:r>
+              <a:rPr lang="ja-JP" altLang="en-US" dirty="0">
+                <a:latin typeface="メイリオ"/>
+                <a:ea typeface="メイリオ"/>
+                <a:cs typeface="メイリオ"/>
+              </a:rPr>
+              <a:t>最新から順番に表示される</a:t>
+            </a:r>
+            <a:endParaRPr lang="ja-JP" altLang="en-US" dirty="0">
+              <a:latin typeface="メイリオ"/>
+              <a:ea typeface="メイリオ"/>
+              <a:cs typeface="メイリオ"/>
+            </a:endParaRPr>
+          </a:p>
+        </p:txBody>
+      </p:sp>
+    </p:spTree>
+    <p:extLst>
+      <p:ext uri="{BB962C8B-B14F-4D97-AF65-F5344CB8AC3E}">
+        <p14:creationId xmlns:p14="http://schemas.microsoft.com/office/powerpoint/2010/main" val="1574216287"/>
+      </p:ext>
+    </p:extLst>
+  </p:cSld>
+  <p:clrMapOvr>
+    <a:masterClrMapping/>
+  </p:clrMapOvr>
+</p:sld>
+</file>
+
+<file path=ppt/slides/slide3.xml><?xml version="1.0" encoding="utf-8"?>
+<p:sld xmlns:a="http://schemas.openxmlformats.org/drawingml/2006/main" xmlns:r="http://schemas.openxmlformats.org/officeDocument/2006/relationships" xmlns:p="http://schemas.openxmlformats.org/presentationml/2006/main">
+  <p:cSld>
+    <p:spTree>
+      <p:nvGrpSpPr>
+        <p:cNvPr id="1" name=""/>
+        <p:cNvGrpSpPr/>
+        <p:nvPr/>
+      </p:nvGrpSpPr>
+      <p:grpSpPr>
+        <a:xfrm>
+          <a:off x="0" y="0"/>
+          <a:ext cx="0" cy="0"/>
+          <a:chOff x="0" y="0"/>
+          <a:chExt cx="0" cy="0"/>
+        </a:xfrm>
+      </p:grpSpPr>
+      <p:sp>
+        <p:nvSpPr>
+          <p:cNvPr id="4" name="テキスト ボックス 3"/>
+          <p:cNvSpPr txBox="1"/>
+          <p:nvPr/>
+        </p:nvSpPr>
+        <p:spPr>
+          <a:xfrm>
+            <a:off x="200532" y="187161"/>
             <a:ext cx="2339102" cy="523220"/>
           </a:xfrm>
           <a:prstGeom prst="rect">
@@ -4007,532 +4333,23 @@
           </a:p>
         </p:txBody>
       </p:sp>
-      <p:sp>
-        <p:nvSpPr>
-          <p:cNvPr id="5" name="正方形/長方形 4"/>
-          <p:cNvSpPr/>
-          <p:nvPr/>
-        </p:nvSpPr>
-        <p:spPr>
-          <a:xfrm>
-            <a:off x="783269" y="935182"/>
-            <a:ext cx="7575640" cy="5541817"/>
-          </a:xfrm>
-          <a:prstGeom prst="rect">
-            <a:avLst/>
-          </a:prstGeom>
-          <a:noFill/>
-          <a:ln w="25400">
-            <a:solidFill>
-              <a:schemeClr val="tx1"/>
-            </a:solidFill>
-          </a:ln>
-          <a:effectLst/>
-        </p:spPr>
-        <p:style>
-          <a:lnRef idx="1">
-            <a:schemeClr val="accent1"/>
-          </a:lnRef>
-          <a:fillRef idx="3">
-            <a:schemeClr val="accent1"/>
-          </a:fillRef>
-          <a:effectRef idx="2">
-            <a:schemeClr val="accent1"/>
-          </a:effectRef>
-          <a:fontRef idx="minor">
-            <a:schemeClr val="lt1"/>
-          </a:fontRef>
-        </p:style>
-        <p:txBody>
-          <a:bodyPr rtlCol="0" anchor="ctr"/>
-          <a:lstStyle/>
-          <a:p>
-            <a:pPr algn="ctr"/>
-            <a:endParaRPr kumimoji="1" lang="ja-JP" altLang="en-US" sz="2800" dirty="0">
-              <a:solidFill>
-                <a:schemeClr val="tx1"/>
-              </a:solidFill>
-              <a:latin typeface="メイリオ"/>
-              <a:ea typeface="メイリオ"/>
-              <a:cs typeface="メイリオ"/>
-            </a:endParaRPr>
-          </a:p>
-        </p:txBody>
-      </p:sp>
-      <p:sp>
-        <p:nvSpPr>
-          <p:cNvPr id="3" name="角丸四角形 2"/>
-          <p:cNvSpPr/>
-          <p:nvPr/>
-        </p:nvSpPr>
-        <p:spPr>
-          <a:xfrm>
-            <a:off x="1569818" y="1188941"/>
-            <a:ext cx="797002" cy="165946"/>
-          </a:xfrm>
-          <a:prstGeom prst="roundRect">
-            <a:avLst/>
-          </a:prstGeom>
-          <a:noFill/>
-          <a:ln w="25400">
-            <a:solidFill>
-              <a:schemeClr val="tx1"/>
-            </a:solidFill>
-          </a:ln>
-          <a:effectLst/>
-        </p:spPr>
-        <p:style>
-          <a:lnRef idx="1">
-            <a:schemeClr val="accent1"/>
-          </a:lnRef>
-          <a:fillRef idx="3">
-            <a:schemeClr val="accent1"/>
-          </a:fillRef>
-          <a:effectRef idx="2">
-            <a:schemeClr val="accent1"/>
-          </a:effectRef>
-          <a:fontRef idx="minor">
-            <a:schemeClr val="lt1"/>
-          </a:fontRef>
-        </p:style>
-        <p:txBody>
-          <a:bodyPr rtlCol="0" anchor="ctr"/>
-          <a:lstStyle/>
-          <a:p>
-            <a:pPr algn="ctr"/>
-            <a:endParaRPr kumimoji="1" lang="ja-JP" altLang="en-US"/>
-          </a:p>
-        </p:txBody>
-      </p:sp>
-      <p:sp>
-        <p:nvSpPr>
-          <p:cNvPr id="6" name="テキスト ボックス 5"/>
-          <p:cNvSpPr txBox="1"/>
-          <p:nvPr/>
-        </p:nvSpPr>
-        <p:spPr>
-          <a:xfrm>
-            <a:off x="923931" y="1108244"/>
-            <a:ext cx="723275" cy="307777"/>
-          </a:xfrm>
-          <a:prstGeom prst="rect">
-            <a:avLst/>
-          </a:prstGeom>
-          <a:noFill/>
-        </p:spPr>
-        <p:txBody>
-          <a:bodyPr wrap="none" rtlCol="0">
-            <a:spAutoFit/>
-          </a:bodyPr>
-          <a:lstStyle/>
-          <a:p>
-            <a:r>
-              <a:rPr kumimoji="1" lang="ja-JP" altLang="en-US" sz="1400" dirty="0" smtClean="0">
-                <a:latin typeface="メイリオ"/>
-                <a:ea typeface="メイリオ"/>
-                <a:cs typeface="メイリオ"/>
-              </a:rPr>
-              <a:t>日付：</a:t>
-            </a:r>
-            <a:endParaRPr kumimoji="1" lang="ja-JP" altLang="en-US" sz="1400" dirty="0">
-              <a:latin typeface="メイリオ"/>
-              <a:ea typeface="メイリオ"/>
-              <a:cs typeface="メイリオ"/>
-            </a:endParaRPr>
-          </a:p>
-        </p:txBody>
-      </p:sp>
-      <p:sp>
-        <p:nvSpPr>
-          <p:cNvPr id="30" name="角丸四角形 29"/>
-          <p:cNvSpPr/>
-          <p:nvPr/>
-        </p:nvSpPr>
-        <p:spPr>
-          <a:xfrm>
-            <a:off x="3139341" y="1188941"/>
-            <a:ext cx="797002" cy="165946"/>
-          </a:xfrm>
-          <a:prstGeom prst="roundRect">
-            <a:avLst/>
-          </a:prstGeom>
-          <a:noFill/>
-          <a:ln w="25400">
-            <a:solidFill>
-              <a:schemeClr val="tx1"/>
-            </a:solidFill>
-          </a:ln>
-          <a:effectLst/>
-        </p:spPr>
-        <p:style>
-          <a:lnRef idx="1">
-            <a:schemeClr val="accent1"/>
-          </a:lnRef>
-          <a:fillRef idx="3">
-            <a:schemeClr val="accent1"/>
-          </a:fillRef>
-          <a:effectRef idx="2">
-            <a:schemeClr val="accent1"/>
-          </a:effectRef>
-          <a:fontRef idx="minor">
-            <a:schemeClr val="lt1"/>
-          </a:fontRef>
-        </p:style>
-        <p:txBody>
-          <a:bodyPr rtlCol="0" anchor="ctr"/>
-          <a:lstStyle/>
-          <a:p>
-            <a:pPr algn="ctr"/>
-            <a:endParaRPr kumimoji="1" lang="ja-JP" altLang="en-US"/>
-          </a:p>
-        </p:txBody>
-      </p:sp>
-      <p:sp>
-        <p:nvSpPr>
-          <p:cNvPr id="31" name="テキスト ボックス 30"/>
-          <p:cNvSpPr txBox="1"/>
-          <p:nvPr/>
-        </p:nvSpPr>
-        <p:spPr>
-          <a:xfrm>
-            <a:off x="2493454" y="1108244"/>
-            <a:ext cx="723275" cy="307777"/>
-          </a:xfrm>
-          <a:prstGeom prst="rect">
-            <a:avLst/>
-          </a:prstGeom>
-          <a:noFill/>
-        </p:spPr>
-        <p:txBody>
-          <a:bodyPr wrap="none" rtlCol="0">
-            <a:spAutoFit/>
-          </a:bodyPr>
-          <a:lstStyle/>
-          <a:p>
-            <a:r>
-              <a:rPr lang="ja-JP" altLang="en-US" sz="1400" dirty="0" smtClean="0">
-                <a:latin typeface="メイリオ"/>
-                <a:ea typeface="メイリオ"/>
-                <a:cs typeface="メイリオ"/>
-              </a:rPr>
-              <a:t>内容</a:t>
-            </a:r>
-            <a:r>
-              <a:rPr kumimoji="1" lang="ja-JP" altLang="en-US" sz="1400" dirty="0" smtClean="0">
-                <a:latin typeface="メイリオ"/>
-                <a:ea typeface="メイリオ"/>
-                <a:cs typeface="メイリオ"/>
-              </a:rPr>
-              <a:t>：</a:t>
-            </a:r>
-            <a:endParaRPr kumimoji="1" lang="ja-JP" altLang="en-US" sz="1400" dirty="0">
-              <a:latin typeface="メイリオ"/>
-              <a:ea typeface="メイリオ"/>
-              <a:cs typeface="メイリオ"/>
-            </a:endParaRPr>
-          </a:p>
-        </p:txBody>
-      </p:sp>
-      <p:sp>
-        <p:nvSpPr>
-          <p:cNvPr id="32" name="角丸四角形 31"/>
-          <p:cNvSpPr/>
-          <p:nvPr/>
-        </p:nvSpPr>
-        <p:spPr>
-          <a:xfrm>
-            <a:off x="5057232" y="1188941"/>
-            <a:ext cx="797002" cy="165946"/>
-          </a:xfrm>
-          <a:prstGeom prst="roundRect">
-            <a:avLst/>
-          </a:prstGeom>
-          <a:noFill/>
-          <a:ln w="25400">
-            <a:solidFill>
-              <a:schemeClr val="tx1"/>
-            </a:solidFill>
-          </a:ln>
-          <a:effectLst/>
-        </p:spPr>
-        <p:style>
-          <a:lnRef idx="1">
-            <a:schemeClr val="accent1"/>
-          </a:lnRef>
-          <a:fillRef idx="3">
-            <a:schemeClr val="accent1"/>
-          </a:fillRef>
-          <a:effectRef idx="2">
-            <a:schemeClr val="accent1"/>
-          </a:effectRef>
-          <a:fontRef idx="minor">
-            <a:schemeClr val="lt1"/>
-          </a:fontRef>
-        </p:style>
-        <p:txBody>
-          <a:bodyPr rtlCol="0" anchor="ctr"/>
-          <a:lstStyle/>
-          <a:p>
-            <a:pPr algn="ctr"/>
-            <a:endParaRPr kumimoji="1" lang="ja-JP" altLang="en-US"/>
-          </a:p>
-        </p:txBody>
-      </p:sp>
-      <p:sp>
-        <p:nvSpPr>
-          <p:cNvPr id="33" name="テキスト ボックス 32"/>
-          <p:cNvSpPr txBox="1"/>
-          <p:nvPr/>
-        </p:nvSpPr>
-        <p:spPr>
-          <a:xfrm>
-            <a:off x="4041905" y="1108244"/>
-            <a:ext cx="1082348" cy="307777"/>
-          </a:xfrm>
-          <a:prstGeom prst="rect">
-            <a:avLst/>
-          </a:prstGeom>
-          <a:noFill/>
-        </p:spPr>
-        <p:txBody>
-          <a:bodyPr wrap="none" rtlCol="0">
-            <a:spAutoFit/>
-          </a:bodyPr>
-          <a:lstStyle/>
-          <a:p>
-            <a:r>
-              <a:rPr lang="ja-JP" altLang="en-US" sz="1400" dirty="0" smtClean="0">
-                <a:latin typeface="メイリオ"/>
-                <a:ea typeface="メイリオ"/>
-                <a:cs typeface="メイリオ"/>
-              </a:rPr>
-              <a:t>カテゴリ</a:t>
-            </a:r>
-            <a:r>
-              <a:rPr kumimoji="1" lang="ja-JP" altLang="en-US" sz="1400" dirty="0" smtClean="0">
-                <a:latin typeface="メイリオ"/>
-                <a:ea typeface="メイリオ"/>
-                <a:cs typeface="メイリオ"/>
-              </a:rPr>
-              <a:t>：</a:t>
-            </a:r>
-            <a:endParaRPr kumimoji="1" lang="ja-JP" altLang="en-US" sz="1400" dirty="0">
-              <a:latin typeface="メイリオ"/>
-              <a:ea typeface="メイリオ"/>
-              <a:cs typeface="メイリオ"/>
-            </a:endParaRPr>
-          </a:p>
-        </p:txBody>
-      </p:sp>
-      <p:sp>
-        <p:nvSpPr>
-          <p:cNvPr id="34" name="角丸四角形 33"/>
-          <p:cNvSpPr/>
-          <p:nvPr/>
-        </p:nvSpPr>
-        <p:spPr>
-          <a:xfrm>
-            <a:off x="6582196" y="1187842"/>
-            <a:ext cx="797002" cy="165946"/>
-          </a:xfrm>
-          <a:prstGeom prst="roundRect">
-            <a:avLst/>
-          </a:prstGeom>
-          <a:noFill/>
-          <a:ln w="25400">
-            <a:solidFill>
-              <a:schemeClr val="tx1"/>
-            </a:solidFill>
-          </a:ln>
-          <a:effectLst/>
-        </p:spPr>
-        <p:style>
-          <a:lnRef idx="1">
-            <a:schemeClr val="accent1"/>
-          </a:lnRef>
-          <a:fillRef idx="3">
-            <a:schemeClr val="accent1"/>
-          </a:fillRef>
-          <a:effectRef idx="2">
-            <a:schemeClr val="accent1"/>
-          </a:effectRef>
-          <a:fontRef idx="minor">
-            <a:schemeClr val="lt1"/>
-          </a:fontRef>
-        </p:style>
-        <p:txBody>
-          <a:bodyPr rtlCol="0" anchor="ctr"/>
-          <a:lstStyle/>
-          <a:p>
-            <a:pPr algn="ctr"/>
-            <a:endParaRPr kumimoji="1" lang="ja-JP" altLang="en-US"/>
-          </a:p>
-        </p:txBody>
-      </p:sp>
-      <p:sp>
-        <p:nvSpPr>
-          <p:cNvPr id="35" name="テキスト ボックス 34"/>
-          <p:cNvSpPr txBox="1"/>
-          <p:nvPr/>
-        </p:nvSpPr>
-        <p:spPr>
-          <a:xfrm>
-            <a:off x="5936309" y="1107145"/>
-            <a:ext cx="723275" cy="307777"/>
-          </a:xfrm>
-          <a:prstGeom prst="rect">
-            <a:avLst/>
-          </a:prstGeom>
-          <a:noFill/>
-        </p:spPr>
-        <p:txBody>
-          <a:bodyPr wrap="none" rtlCol="0">
-            <a:spAutoFit/>
-          </a:bodyPr>
-          <a:lstStyle/>
-          <a:p>
-            <a:r>
-              <a:rPr lang="ja-JP" altLang="en-US" sz="1400" dirty="0" smtClean="0">
-                <a:latin typeface="メイリオ"/>
-                <a:ea typeface="メイリオ"/>
-                <a:cs typeface="メイリオ"/>
-              </a:rPr>
-              <a:t>金額</a:t>
-            </a:r>
-            <a:r>
-              <a:rPr kumimoji="1" lang="ja-JP" altLang="en-US" sz="1400" dirty="0" smtClean="0">
-                <a:latin typeface="メイリオ"/>
-                <a:ea typeface="メイリオ"/>
-                <a:cs typeface="メイリオ"/>
-              </a:rPr>
-              <a:t>：</a:t>
-            </a:r>
-            <a:endParaRPr kumimoji="1" lang="ja-JP" altLang="en-US" sz="1400" dirty="0">
-              <a:latin typeface="メイリオ"/>
-              <a:ea typeface="メイリオ"/>
-              <a:cs typeface="メイリオ"/>
-            </a:endParaRPr>
-          </a:p>
-        </p:txBody>
-      </p:sp>
-      <p:sp>
-        <p:nvSpPr>
-          <p:cNvPr id="36" name="角丸四角形 35"/>
-          <p:cNvSpPr/>
-          <p:nvPr/>
-        </p:nvSpPr>
-        <p:spPr>
-          <a:xfrm>
-            <a:off x="7623593" y="1118689"/>
-            <a:ext cx="550589" cy="299213"/>
-          </a:xfrm>
-          <a:prstGeom prst="roundRect">
-            <a:avLst/>
-          </a:prstGeom>
-          <a:noFill/>
-          <a:ln w="25400">
-            <a:solidFill>
-              <a:schemeClr val="tx1"/>
-            </a:solidFill>
-          </a:ln>
-          <a:effectLst/>
-        </p:spPr>
-        <p:style>
-          <a:lnRef idx="1">
-            <a:schemeClr val="accent1"/>
-          </a:lnRef>
-          <a:fillRef idx="3">
-            <a:schemeClr val="accent1"/>
-          </a:fillRef>
-          <a:effectRef idx="2">
-            <a:schemeClr val="accent1"/>
-          </a:effectRef>
-          <a:fontRef idx="minor">
-            <a:schemeClr val="lt1"/>
-          </a:fontRef>
-        </p:style>
-        <p:txBody>
-          <a:bodyPr rtlCol="0" anchor="ctr"/>
-          <a:lstStyle/>
-          <a:p>
-            <a:pPr algn="ctr"/>
-            <a:r>
-              <a:rPr kumimoji="1" lang="ja-JP" altLang="en-US" sz="1200" dirty="0" smtClean="0">
-                <a:solidFill>
-                  <a:schemeClr val="tx1"/>
-                </a:solidFill>
-                <a:latin typeface="メイリオ"/>
-                <a:ea typeface="メイリオ"/>
-                <a:cs typeface="メイリオ"/>
-              </a:rPr>
-              <a:t>登録</a:t>
-            </a:r>
-            <a:endParaRPr kumimoji="1" lang="ja-JP" altLang="en-US" sz="1200" dirty="0">
-              <a:solidFill>
-                <a:schemeClr val="tx1"/>
-              </a:solidFill>
-              <a:latin typeface="メイリオ"/>
-              <a:ea typeface="メイリオ"/>
-              <a:cs typeface="メイリオ"/>
-            </a:endParaRPr>
-          </a:p>
-        </p:txBody>
-      </p:sp>
-      <p:cxnSp>
-        <p:nvCxnSpPr>
-          <p:cNvPr id="8" name="直線コネクタ 7"/>
-          <p:cNvCxnSpPr/>
-          <p:nvPr/>
-        </p:nvCxnSpPr>
-        <p:spPr>
-          <a:xfrm>
-            <a:off x="923931" y="1547091"/>
-            <a:ext cx="7250251" cy="0"/>
-          </a:xfrm>
-          <a:prstGeom prst="line">
-            <a:avLst/>
-          </a:prstGeom>
-          <a:ln>
-            <a:solidFill>
-              <a:schemeClr val="bg1">
-                <a:lumMod val="65000"/>
-              </a:schemeClr>
-            </a:solidFill>
-          </a:ln>
-          <a:effectLst/>
-        </p:spPr>
-        <p:style>
-          <a:lnRef idx="2">
-            <a:schemeClr val="accent1"/>
-          </a:lnRef>
-          <a:fillRef idx="0">
-            <a:schemeClr val="accent1"/>
-          </a:fillRef>
-          <a:effectRef idx="1">
-            <a:schemeClr val="accent1"/>
-          </a:effectRef>
-          <a:fontRef idx="minor">
-            <a:schemeClr val="tx1"/>
-          </a:fontRef>
-        </p:style>
-      </p:cxnSp>
       <p:graphicFrame>
         <p:nvGraphicFramePr>
-          <p:cNvPr id="12" name="表 11"/>
+          <p:cNvPr id="52" name="表 51"/>
           <p:cNvGraphicFramePr>
             <a:graphicFrameLocks noGrp="1"/>
           </p:cNvGraphicFramePr>
           <p:nvPr>
             <p:extLst>
               <p:ext uri="{D42A27DB-BD31-4B8C-83A1-F6EECF244321}">
-                <p14:modId xmlns:p14="http://schemas.microsoft.com/office/powerpoint/2010/main" val="3657698948"/>
+                <p14:modId xmlns:p14="http://schemas.microsoft.com/office/powerpoint/2010/main" val="841783986"/>
               </p:ext>
             </p:extLst>
           </p:nvPr>
         </p:nvGraphicFramePr>
         <p:xfrm>
-          <a:off x="993905" y="1789546"/>
-          <a:ext cx="7180276" cy="4583546"/>
+          <a:off x="993905" y="2031998"/>
+          <a:ext cx="7180276" cy="4248728"/>
         </p:xfrm>
         <a:graphic>
           <a:graphicData uri="http://schemas.openxmlformats.org/drawingml/2006/table">
@@ -4546,7 +4363,7 @@
                 <a:gridCol w="1795069"/>
                 <a:gridCol w="1795069"/>
               </a:tblGrid>
-              <a:tr h="416686">
+              <a:tr h="386248">
                 <a:tc>
                   <a:txBody>
                     <a:bodyPr/>
@@ -4636,7 +4453,7 @@
                   <a:tcPr/>
                 </a:tc>
               </a:tr>
-              <a:tr h="416686">
+              <a:tr h="386248">
                 <a:tc>
                   <a:txBody>
                     <a:bodyPr/>
@@ -4678,7 +4495,7 @@
                   <a:tcPr/>
                 </a:tc>
               </a:tr>
-              <a:tr h="416686">
+              <a:tr h="386248">
                 <a:tc>
                   <a:txBody>
                     <a:bodyPr/>
@@ -4720,7 +4537,7 @@
                   <a:tcPr/>
                 </a:tc>
               </a:tr>
-              <a:tr h="416686">
+              <a:tr h="386248">
                 <a:tc>
                   <a:txBody>
                     <a:bodyPr/>
@@ -4762,7 +4579,7 @@
                   <a:tcPr/>
                 </a:tc>
               </a:tr>
-              <a:tr h="416686">
+              <a:tr h="386248">
                 <a:tc>
                   <a:txBody>
                     <a:bodyPr/>
@@ -4804,7 +4621,7 @@
                   <a:tcPr/>
                 </a:tc>
               </a:tr>
-              <a:tr h="416686">
+              <a:tr h="386248">
                 <a:tc>
                   <a:txBody>
                     <a:bodyPr/>
@@ -4846,7 +4663,7 @@
                   <a:tcPr/>
                 </a:tc>
               </a:tr>
-              <a:tr h="416686">
+              <a:tr h="386248">
                 <a:tc>
                   <a:txBody>
                     <a:bodyPr/>
@@ -4888,7 +4705,7 @@
                   <a:tcPr/>
                 </a:tc>
               </a:tr>
-              <a:tr h="416686">
+              <a:tr h="386248">
                 <a:tc>
                   <a:txBody>
                     <a:bodyPr/>
@@ -4930,7 +4747,7 @@
                   <a:tcPr/>
                 </a:tc>
               </a:tr>
-              <a:tr h="416686">
+              <a:tr h="386248">
                 <a:tc>
                   <a:txBody>
                     <a:bodyPr/>
@@ -4972,7 +4789,7 @@
                   <a:tcPr/>
                 </a:tc>
               </a:tr>
-              <a:tr h="416686">
+              <a:tr h="386248">
                 <a:tc>
                   <a:txBody>
                     <a:bodyPr/>
@@ -5014,27 +4831,7 @@
                   <a:tcPr/>
                 </a:tc>
               </a:tr>
-              <a:tr h="416686">
-                <a:tc>
-                  <a:txBody>
-                    <a:bodyPr/>
-                    <a:lstStyle/>
-                    <a:p>
-                      <a:endParaRPr kumimoji="1" lang="ja-JP" altLang="en-US"/>
-                    </a:p>
-                  </a:txBody>
-                  <a:tcPr/>
-                </a:tc>
-                <a:tc>
-                  <a:txBody>
-                    <a:bodyPr/>
-                    <a:lstStyle/>
-                    <a:p>
-                      <a:endParaRPr kumimoji="1" lang="ja-JP" altLang="en-US"/>
-                    </a:p>
-                  </a:txBody>
-                  <a:tcPr/>
-                </a:tc>
+              <a:tr h="386248">
                 <a:tc>
                   <a:txBody>
                     <a:bodyPr/>
@@ -5055,15 +4852,786 @@
                   </a:txBody>
                   <a:tcPr/>
                 </a:tc>
+                <a:tc>
+                  <a:txBody>
+                    <a:bodyPr/>
+                    <a:lstStyle/>
+                    <a:p>
+                      <a:endParaRPr kumimoji="1" lang="ja-JP" altLang="en-US" dirty="0"/>
+                    </a:p>
+                  </a:txBody>
+                  <a:tcPr/>
+                </a:tc>
+                <a:tc>
+                  <a:txBody>
+                    <a:bodyPr/>
+                    <a:lstStyle/>
+                    <a:p>
+                      <a:endParaRPr kumimoji="1" lang="ja-JP" altLang="en-US" dirty="0"/>
+                    </a:p>
+                  </a:txBody>
+                  <a:tcPr/>
+                </a:tc>
               </a:tr>
             </a:tbl>
           </a:graphicData>
         </a:graphic>
       </p:graphicFrame>
+      <p:sp>
+        <p:nvSpPr>
+          <p:cNvPr id="53" name="正方形/長方形 52"/>
+          <p:cNvSpPr/>
+          <p:nvPr/>
+        </p:nvSpPr>
+        <p:spPr>
+          <a:xfrm>
+            <a:off x="783269" y="935182"/>
+            <a:ext cx="7575640" cy="5541817"/>
+          </a:xfrm>
+          <a:prstGeom prst="rect">
+            <a:avLst/>
+          </a:prstGeom>
+          <a:noFill/>
+          <a:ln w="25400">
+            <a:solidFill>
+              <a:schemeClr val="tx1"/>
+            </a:solidFill>
+          </a:ln>
+          <a:effectLst/>
+        </p:spPr>
+        <p:style>
+          <a:lnRef idx="1">
+            <a:schemeClr val="accent1"/>
+          </a:lnRef>
+          <a:fillRef idx="3">
+            <a:schemeClr val="accent1"/>
+          </a:fillRef>
+          <a:effectRef idx="2">
+            <a:schemeClr val="accent1"/>
+          </a:effectRef>
+          <a:fontRef idx="minor">
+            <a:schemeClr val="lt1"/>
+          </a:fontRef>
+        </p:style>
+        <p:txBody>
+          <a:bodyPr rtlCol="0" anchor="ctr"/>
+          <a:lstStyle/>
+          <a:p>
+            <a:pPr algn="ctr"/>
+            <a:endParaRPr kumimoji="1" lang="ja-JP" altLang="en-US" sz="2800" dirty="0">
+              <a:solidFill>
+                <a:schemeClr val="tx1"/>
+              </a:solidFill>
+              <a:latin typeface="メイリオ"/>
+              <a:ea typeface="メイリオ"/>
+              <a:cs typeface="メイリオ"/>
+            </a:endParaRPr>
+          </a:p>
+        </p:txBody>
+      </p:sp>
+      <p:sp>
+        <p:nvSpPr>
+          <p:cNvPr id="54" name="角丸四角形 53"/>
+          <p:cNvSpPr/>
+          <p:nvPr/>
+        </p:nvSpPr>
+        <p:spPr>
+          <a:xfrm>
+            <a:off x="1569818" y="1188941"/>
+            <a:ext cx="797002" cy="165946"/>
+          </a:xfrm>
+          <a:prstGeom prst="roundRect">
+            <a:avLst/>
+          </a:prstGeom>
+          <a:noFill/>
+          <a:ln w="25400">
+            <a:solidFill>
+              <a:schemeClr val="tx1"/>
+            </a:solidFill>
+          </a:ln>
+          <a:effectLst/>
+        </p:spPr>
+        <p:style>
+          <a:lnRef idx="1">
+            <a:schemeClr val="accent1"/>
+          </a:lnRef>
+          <a:fillRef idx="3">
+            <a:schemeClr val="accent1"/>
+          </a:fillRef>
+          <a:effectRef idx="2">
+            <a:schemeClr val="accent1"/>
+          </a:effectRef>
+          <a:fontRef idx="minor">
+            <a:schemeClr val="lt1"/>
+          </a:fontRef>
+        </p:style>
+        <p:txBody>
+          <a:bodyPr rtlCol="0" anchor="ctr"/>
+          <a:lstStyle/>
+          <a:p>
+            <a:pPr algn="ctr"/>
+            <a:endParaRPr kumimoji="1" lang="ja-JP" altLang="en-US"/>
+          </a:p>
+        </p:txBody>
+      </p:sp>
+      <p:sp>
+        <p:nvSpPr>
+          <p:cNvPr id="55" name="テキスト ボックス 54"/>
+          <p:cNvSpPr txBox="1"/>
+          <p:nvPr/>
+        </p:nvSpPr>
+        <p:spPr>
+          <a:xfrm>
+            <a:off x="923931" y="1108244"/>
+            <a:ext cx="723275" cy="307777"/>
+          </a:xfrm>
+          <a:prstGeom prst="rect">
+            <a:avLst/>
+          </a:prstGeom>
+          <a:noFill/>
+        </p:spPr>
+        <p:txBody>
+          <a:bodyPr wrap="none" rtlCol="0">
+            <a:spAutoFit/>
+          </a:bodyPr>
+          <a:lstStyle/>
+          <a:p>
+            <a:r>
+              <a:rPr kumimoji="1" lang="ja-JP" altLang="en-US" sz="1400" dirty="0" smtClean="0">
+                <a:latin typeface="メイリオ"/>
+                <a:ea typeface="メイリオ"/>
+                <a:cs typeface="メイリオ"/>
+              </a:rPr>
+              <a:t>日付：</a:t>
+            </a:r>
+            <a:endParaRPr kumimoji="1" lang="ja-JP" altLang="en-US" sz="1400" dirty="0">
+              <a:latin typeface="メイリオ"/>
+              <a:ea typeface="メイリオ"/>
+              <a:cs typeface="メイリオ"/>
+            </a:endParaRPr>
+          </a:p>
+        </p:txBody>
+      </p:sp>
+      <p:sp>
+        <p:nvSpPr>
+          <p:cNvPr id="56" name="角丸四角形 55"/>
+          <p:cNvSpPr/>
+          <p:nvPr/>
+        </p:nvSpPr>
+        <p:spPr>
+          <a:xfrm>
+            <a:off x="3139341" y="1188941"/>
+            <a:ext cx="797002" cy="165946"/>
+          </a:xfrm>
+          <a:prstGeom prst="roundRect">
+            <a:avLst/>
+          </a:prstGeom>
+          <a:noFill/>
+          <a:ln w="25400">
+            <a:solidFill>
+              <a:schemeClr val="tx1"/>
+            </a:solidFill>
+          </a:ln>
+          <a:effectLst/>
+        </p:spPr>
+        <p:style>
+          <a:lnRef idx="1">
+            <a:schemeClr val="accent1"/>
+          </a:lnRef>
+          <a:fillRef idx="3">
+            <a:schemeClr val="accent1"/>
+          </a:fillRef>
+          <a:effectRef idx="2">
+            <a:schemeClr val="accent1"/>
+          </a:effectRef>
+          <a:fontRef idx="minor">
+            <a:schemeClr val="lt1"/>
+          </a:fontRef>
+        </p:style>
+        <p:txBody>
+          <a:bodyPr rtlCol="0" anchor="ctr"/>
+          <a:lstStyle/>
+          <a:p>
+            <a:pPr algn="ctr"/>
+            <a:endParaRPr kumimoji="1" lang="ja-JP" altLang="en-US"/>
+          </a:p>
+        </p:txBody>
+      </p:sp>
+      <p:sp>
+        <p:nvSpPr>
+          <p:cNvPr id="57" name="テキスト ボックス 56"/>
+          <p:cNvSpPr txBox="1"/>
+          <p:nvPr/>
+        </p:nvSpPr>
+        <p:spPr>
+          <a:xfrm>
+            <a:off x="2493454" y="1108244"/>
+            <a:ext cx="723275" cy="307777"/>
+          </a:xfrm>
+          <a:prstGeom prst="rect">
+            <a:avLst/>
+          </a:prstGeom>
+          <a:noFill/>
+        </p:spPr>
+        <p:txBody>
+          <a:bodyPr wrap="none" rtlCol="0">
+            <a:spAutoFit/>
+          </a:bodyPr>
+          <a:lstStyle/>
+          <a:p>
+            <a:r>
+              <a:rPr lang="ja-JP" altLang="en-US" sz="1400" dirty="0" smtClean="0">
+                <a:latin typeface="メイリオ"/>
+                <a:ea typeface="メイリオ"/>
+                <a:cs typeface="メイリオ"/>
+              </a:rPr>
+              <a:t>内容</a:t>
+            </a:r>
+            <a:r>
+              <a:rPr kumimoji="1" lang="ja-JP" altLang="en-US" sz="1400" dirty="0" smtClean="0">
+                <a:latin typeface="メイリオ"/>
+                <a:ea typeface="メイリオ"/>
+                <a:cs typeface="メイリオ"/>
+              </a:rPr>
+              <a:t>：</a:t>
+            </a:r>
+            <a:endParaRPr kumimoji="1" lang="ja-JP" altLang="en-US" sz="1400" dirty="0">
+              <a:latin typeface="メイリオ"/>
+              <a:ea typeface="メイリオ"/>
+              <a:cs typeface="メイリオ"/>
+            </a:endParaRPr>
+          </a:p>
+        </p:txBody>
+      </p:sp>
+      <p:sp>
+        <p:nvSpPr>
+          <p:cNvPr id="58" name="角丸四角形 57"/>
+          <p:cNvSpPr/>
+          <p:nvPr/>
+        </p:nvSpPr>
+        <p:spPr>
+          <a:xfrm>
+            <a:off x="5057232" y="1188941"/>
+            <a:ext cx="797002" cy="165946"/>
+          </a:xfrm>
+          <a:prstGeom prst="roundRect">
+            <a:avLst/>
+          </a:prstGeom>
+          <a:noFill/>
+          <a:ln w="25400">
+            <a:solidFill>
+              <a:schemeClr val="tx1"/>
+            </a:solidFill>
+          </a:ln>
+          <a:effectLst/>
+        </p:spPr>
+        <p:style>
+          <a:lnRef idx="1">
+            <a:schemeClr val="accent1"/>
+          </a:lnRef>
+          <a:fillRef idx="3">
+            <a:schemeClr val="accent1"/>
+          </a:fillRef>
+          <a:effectRef idx="2">
+            <a:schemeClr val="accent1"/>
+          </a:effectRef>
+          <a:fontRef idx="minor">
+            <a:schemeClr val="lt1"/>
+          </a:fontRef>
+        </p:style>
+        <p:txBody>
+          <a:bodyPr rtlCol="0" anchor="ctr"/>
+          <a:lstStyle/>
+          <a:p>
+            <a:pPr algn="ctr"/>
+            <a:endParaRPr kumimoji="1" lang="ja-JP" altLang="en-US"/>
+          </a:p>
+        </p:txBody>
+      </p:sp>
+      <p:sp>
+        <p:nvSpPr>
+          <p:cNvPr id="59" name="テキスト ボックス 58"/>
+          <p:cNvSpPr txBox="1"/>
+          <p:nvPr/>
+        </p:nvSpPr>
+        <p:spPr>
+          <a:xfrm>
+            <a:off x="4041905" y="1108244"/>
+            <a:ext cx="1082348" cy="307777"/>
+          </a:xfrm>
+          <a:prstGeom prst="rect">
+            <a:avLst/>
+          </a:prstGeom>
+          <a:noFill/>
+        </p:spPr>
+        <p:txBody>
+          <a:bodyPr wrap="none" rtlCol="0">
+            <a:spAutoFit/>
+          </a:bodyPr>
+          <a:lstStyle/>
+          <a:p>
+            <a:r>
+              <a:rPr lang="ja-JP" altLang="en-US" sz="1400" dirty="0" smtClean="0">
+                <a:latin typeface="メイリオ"/>
+                <a:ea typeface="メイリオ"/>
+                <a:cs typeface="メイリオ"/>
+              </a:rPr>
+              <a:t>カテゴリ</a:t>
+            </a:r>
+            <a:r>
+              <a:rPr kumimoji="1" lang="ja-JP" altLang="en-US" sz="1400" dirty="0" smtClean="0">
+                <a:latin typeface="メイリオ"/>
+                <a:ea typeface="メイリオ"/>
+                <a:cs typeface="メイリオ"/>
+              </a:rPr>
+              <a:t>：</a:t>
+            </a:r>
+            <a:endParaRPr kumimoji="1" lang="ja-JP" altLang="en-US" sz="1400" dirty="0">
+              <a:latin typeface="メイリオ"/>
+              <a:ea typeface="メイリオ"/>
+              <a:cs typeface="メイリオ"/>
+            </a:endParaRPr>
+          </a:p>
+        </p:txBody>
+      </p:sp>
+      <p:sp>
+        <p:nvSpPr>
+          <p:cNvPr id="60" name="角丸四角形 59"/>
+          <p:cNvSpPr/>
+          <p:nvPr/>
+        </p:nvSpPr>
+        <p:spPr>
+          <a:xfrm>
+            <a:off x="6582196" y="1187842"/>
+            <a:ext cx="797002" cy="165946"/>
+          </a:xfrm>
+          <a:prstGeom prst="roundRect">
+            <a:avLst/>
+          </a:prstGeom>
+          <a:noFill/>
+          <a:ln w="25400">
+            <a:solidFill>
+              <a:schemeClr val="tx1"/>
+            </a:solidFill>
+          </a:ln>
+          <a:effectLst/>
+        </p:spPr>
+        <p:style>
+          <a:lnRef idx="1">
+            <a:schemeClr val="accent1"/>
+          </a:lnRef>
+          <a:fillRef idx="3">
+            <a:schemeClr val="accent1"/>
+          </a:fillRef>
+          <a:effectRef idx="2">
+            <a:schemeClr val="accent1"/>
+          </a:effectRef>
+          <a:fontRef idx="minor">
+            <a:schemeClr val="lt1"/>
+          </a:fontRef>
+        </p:style>
+        <p:txBody>
+          <a:bodyPr rtlCol="0" anchor="ctr"/>
+          <a:lstStyle/>
+          <a:p>
+            <a:pPr algn="ctr"/>
+            <a:endParaRPr kumimoji="1" lang="ja-JP" altLang="en-US"/>
+          </a:p>
+        </p:txBody>
+      </p:sp>
+      <p:sp>
+        <p:nvSpPr>
+          <p:cNvPr id="61" name="テキスト ボックス 60"/>
+          <p:cNvSpPr txBox="1"/>
+          <p:nvPr/>
+        </p:nvSpPr>
+        <p:spPr>
+          <a:xfrm>
+            <a:off x="5936309" y="1107145"/>
+            <a:ext cx="723275" cy="307777"/>
+          </a:xfrm>
+          <a:prstGeom prst="rect">
+            <a:avLst/>
+          </a:prstGeom>
+          <a:noFill/>
+        </p:spPr>
+        <p:txBody>
+          <a:bodyPr wrap="none" rtlCol="0">
+            <a:spAutoFit/>
+          </a:bodyPr>
+          <a:lstStyle/>
+          <a:p>
+            <a:r>
+              <a:rPr lang="ja-JP" altLang="en-US" sz="1400" dirty="0" smtClean="0">
+                <a:latin typeface="メイリオ"/>
+                <a:ea typeface="メイリオ"/>
+                <a:cs typeface="メイリオ"/>
+              </a:rPr>
+              <a:t>金額</a:t>
+            </a:r>
+            <a:r>
+              <a:rPr kumimoji="1" lang="ja-JP" altLang="en-US" sz="1400" dirty="0" smtClean="0">
+                <a:latin typeface="メイリオ"/>
+                <a:ea typeface="メイリオ"/>
+                <a:cs typeface="メイリオ"/>
+              </a:rPr>
+              <a:t>：</a:t>
+            </a:r>
+            <a:endParaRPr kumimoji="1" lang="ja-JP" altLang="en-US" sz="1400" dirty="0">
+              <a:latin typeface="メイリオ"/>
+              <a:ea typeface="メイリオ"/>
+              <a:cs typeface="メイリオ"/>
+            </a:endParaRPr>
+          </a:p>
+        </p:txBody>
+      </p:sp>
+      <p:sp>
+        <p:nvSpPr>
+          <p:cNvPr id="62" name="角丸四角形 61"/>
+          <p:cNvSpPr/>
+          <p:nvPr/>
+        </p:nvSpPr>
+        <p:spPr>
+          <a:xfrm>
+            <a:off x="7623593" y="1118689"/>
+            <a:ext cx="550589" cy="299213"/>
+          </a:xfrm>
+          <a:prstGeom prst="roundRect">
+            <a:avLst/>
+          </a:prstGeom>
+          <a:noFill/>
+          <a:ln w="25400">
+            <a:solidFill>
+              <a:schemeClr val="tx1"/>
+            </a:solidFill>
+          </a:ln>
+          <a:effectLst/>
+        </p:spPr>
+        <p:style>
+          <a:lnRef idx="1">
+            <a:schemeClr val="accent1"/>
+          </a:lnRef>
+          <a:fillRef idx="3">
+            <a:schemeClr val="accent1"/>
+          </a:fillRef>
+          <a:effectRef idx="2">
+            <a:schemeClr val="accent1"/>
+          </a:effectRef>
+          <a:fontRef idx="minor">
+            <a:schemeClr val="lt1"/>
+          </a:fontRef>
+        </p:style>
+        <p:txBody>
+          <a:bodyPr rtlCol="0" anchor="ctr"/>
+          <a:lstStyle/>
+          <a:p>
+            <a:pPr algn="ctr"/>
+            <a:r>
+              <a:rPr kumimoji="1" lang="ja-JP" altLang="en-US" sz="1200" dirty="0" smtClean="0">
+                <a:solidFill>
+                  <a:schemeClr val="tx1"/>
+                </a:solidFill>
+                <a:latin typeface="メイリオ"/>
+                <a:ea typeface="メイリオ"/>
+                <a:cs typeface="メイリオ"/>
+              </a:rPr>
+              <a:t>登録</a:t>
+            </a:r>
+            <a:endParaRPr kumimoji="1" lang="ja-JP" altLang="en-US" sz="1200" dirty="0">
+              <a:solidFill>
+                <a:schemeClr val="tx1"/>
+              </a:solidFill>
+              <a:latin typeface="メイリオ"/>
+              <a:ea typeface="メイリオ"/>
+              <a:cs typeface="メイリオ"/>
+            </a:endParaRPr>
+          </a:p>
+        </p:txBody>
+      </p:sp>
+      <p:cxnSp>
+        <p:nvCxnSpPr>
+          <p:cNvPr id="63" name="直線コネクタ 62"/>
+          <p:cNvCxnSpPr/>
+          <p:nvPr/>
+        </p:nvCxnSpPr>
+        <p:spPr>
+          <a:xfrm>
+            <a:off x="923931" y="1547091"/>
+            <a:ext cx="7250251" cy="0"/>
+          </a:xfrm>
+          <a:prstGeom prst="line">
+            <a:avLst/>
+          </a:prstGeom>
+          <a:ln>
+            <a:solidFill>
+              <a:schemeClr val="bg1">
+                <a:lumMod val="65000"/>
+              </a:schemeClr>
+            </a:solidFill>
+          </a:ln>
+          <a:effectLst/>
+        </p:spPr>
+        <p:style>
+          <a:lnRef idx="2">
+            <a:schemeClr val="accent1"/>
+          </a:lnRef>
+          <a:fillRef idx="0">
+            <a:schemeClr val="accent1"/>
+          </a:fillRef>
+          <a:effectRef idx="1">
+            <a:schemeClr val="accent1"/>
+          </a:effectRef>
+          <a:fontRef idx="minor">
+            <a:schemeClr val="tx1"/>
+          </a:fontRef>
+        </p:style>
+      </p:cxnSp>
+      <p:sp>
+        <p:nvSpPr>
+          <p:cNvPr id="64" name="テキスト ボックス 63"/>
+          <p:cNvSpPr txBox="1"/>
+          <p:nvPr/>
+        </p:nvSpPr>
+        <p:spPr>
+          <a:xfrm>
+            <a:off x="1249506" y="1630084"/>
+            <a:ext cx="296175" cy="307777"/>
+          </a:xfrm>
+          <a:prstGeom prst="rect">
+            <a:avLst/>
+          </a:prstGeom>
+          <a:noFill/>
+        </p:spPr>
+        <p:txBody>
+          <a:bodyPr wrap="none" rtlCol="0">
+            <a:spAutoFit/>
+          </a:bodyPr>
+          <a:lstStyle/>
+          <a:p>
+            <a:r>
+              <a:rPr lang="en-US" altLang="ja-JP" sz="1400" dirty="0">
+                <a:latin typeface="メイリオ"/>
+                <a:ea typeface="メイリオ"/>
+                <a:cs typeface="メイリオ"/>
+              </a:rPr>
+              <a:t>1</a:t>
+            </a:r>
+            <a:endParaRPr kumimoji="1" lang="ja-JP" altLang="en-US" sz="1400" dirty="0">
+              <a:latin typeface="メイリオ"/>
+              <a:ea typeface="メイリオ"/>
+              <a:cs typeface="メイリオ"/>
+            </a:endParaRPr>
+          </a:p>
+        </p:txBody>
+      </p:sp>
+      <p:sp>
+        <p:nvSpPr>
+          <p:cNvPr id="65" name="テキスト ボックス 64"/>
+          <p:cNvSpPr txBox="1"/>
+          <p:nvPr/>
+        </p:nvSpPr>
+        <p:spPr>
+          <a:xfrm>
+            <a:off x="1481453" y="1632399"/>
+            <a:ext cx="296175" cy="307777"/>
+          </a:xfrm>
+          <a:prstGeom prst="rect">
+            <a:avLst/>
+          </a:prstGeom>
+          <a:noFill/>
+        </p:spPr>
+        <p:txBody>
+          <a:bodyPr wrap="none" rtlCol="0">
+            <a:spAutoFit/>
+          </a:bodyPr>
+          <a:lstStyle/>
+          <a:p>
+            <a:r>
+              <a:rPr lang="en-US" altLang="ja-JP" sz="1400" dirty="0" smtClean="0">
+                <a:latin typeface="メイリオ"/>
+                <a:ea typeface="メイリオ"/>
+                <a:cs typeface="メイリオ"/>
+              </a:rPr>
+              <a:t>2</a:t>
+            </a:r>
+            <a:endParaRPr kumimoji="1" lang="ja-JP" altLang="en-US" sz="1400" dirty="0">
+              <a:latin typeface="メイリオ"/>
+              <a:ea typeface="メイリオ"/>
+              <a:cs typeface="メイリオ"/>
+            </a:endParaRPr>
+          </a:p>
+        </p:txBody>
+      </p:sp>
+      <p:sp>
+        <p:nvSpPr>
+          <p:cNvPr id="66" name="テキスト ボックス 65"/>
+          <p:cNvSpPr txBox="1"/>
+          <p:nvPr/>
+        </p:nvSpPr>
+        <p:spPr>
+          <a:xfrm>
+            <a:off x="1722420" y="1632399"/>
+            <a:ext cx="494734" cy="307777"/>
+          </a:xfrm>
+          <a:prstGeom prst="rect">
+            <a:avLst/>
+          </a:prstGeom>
+          <a:noFill/>
+        </p:spPr>
+        <p:txBody>
+          <a:bodyPr wrap="none" rtlCol="0">
+            <a:spAutoFit/>
+          </a:bodyPr>
+          <a:lstStyle/>
+          <a:p>
+            <a:r>
+              <a:rPr lang="en-US" altLang="ja-JP" sz="1400" dirty="0" smtClean="0">
+                <a:latin typeface="メイリオ"/>
+                <a:ea typeface="メイリオ"/>
+                <a:cs typeface="メイリオ"/>
+              </a:rPr>
+              <a:t>. . .</a:t>
+            </a:r>
+            <a:endParaRPr kumimoji="1" lang="ja-JP" altLang="en-US" sz="1400" dirty="0">
+              <a:latin typeface="メイリオ"/>
+              <a:ea typeface="メイリオ"/>
+              <a:cs typeface="メイリオ"/>
+            </a:endParaRPr>
+          </a:p>
+        </p:txBody>
+      </p:sp>
+      <p:sp>
+        <p:nvSpPr>
+          <p:cNvPr id="67" name="二等辺三角形 66"/>
+          <p:cNvSpPr/>
+          <p:nvPr/>
+        </p:nvSpPr>
+        <p:spPr>
+          <a:xfrm rot="5400000">
+            <a:off x="2564425" y="1683849"/>
+            <a:ext cx="179370" cy="181212"/>
+          </a:xfrm>
+          <a:prstGeom prst="triangle">
+            <a:avLst/>
+          </a:prstGeom>
+          <a:solidFill>
+            <a:srgbClr val="F75D31"/>
+          </a:solidFill>
+          <a:ln>
+            <a:noFill/>
+          </a:ln>
+          <a:effectLst/>
+        </p:spPr>
+        <p:style>
+          <a:lnRef idx="1">
+            <a:schemeClr val="accent1"/>
+          </a:lnRef>
+          <a:fillRef idx="3">
+            <a:schemeClr val="accent1"/>
+          </a:fillRef>
+          <a:effectRef idx="2">
+            <a:schemeClr val="accent1"/>
+          </a:effectRef>
+          <a:fontRef idx="minor">
+            <a:schemeClr val="lt1"/>
+          </a:fontRef>
+        </p:style>
+        <p:txBody>
+          <a:bodyPr rtlCol="0" anchor="ctr"/>
+          <a:lstStyle/>
+          <a:p>
+            <a:pPr algn="ctr"/>
+            <a:endParaRPr kumimoji="1" lang="ja-JP" altLang="en-US"/>
+          </a:p>
+        </p:txBody>
+      </p:sp>
+      <p:sp>
+        <p:nvSpPr>
+          <p:cNvPr id="68" name="二等辺三角形 67"/>
+          <p:cNvSpPr/>
+          <p:nvPr/>
+        </p:nvSpPr>
+        <p:spPr>
+          <a:xfrm rot="16200000">
+            <a:off x="1048815" y="1684770"/>
+            <a:ext cx="180000" cy="180000"/>
+          </a:xfrm>
+          <a:prstGeom prst="triangle">
+            <a:avLst/>
+          </a:prstGeom>
+          <a:solidFill>
+            <a:srgbClr val="F75D31"/>
+          </a:solidFill>
+          <a:ln>
+            <a:noFill/>
+          </a:ln>
+          <a:effectLst/>
+        </p:spPr>
+        <p:style>
+          <a:lnRef idx="1">
+            <a:schemeClr val="accent1"/>
+          </a:lnRef>
+          <a:fillRef idx="3">
+            <a:schemeClr val="accent1"/>
+          </a:fillRef>
+          <a:effectRef idx="2">
+            <a:schemeClr val="accent1"/>
+          </a:effectRef>
+          <a:fontRef idx="minor">
+            <a:schemeClr val="lt1"/>
+          </a:fontRef>
+        </p:style>
+        <p:txBody>
+          <a:bodyPr rtlCol="0" anchor="ctr"/>
+          <a:lstStyle/>
+          <a:p>
+            <a:pPr algn="ctr"/>
+            <a:endParaRPr kumimoji="1" lang="ja-JP" altLang="en-US"/>
+          </a:p>
+        </p:txBody>
+      </p:sp>
+      <p:sp>
+        <p:nvSpPr>
+          <p:cNvPr id="69" name="テキスト ボックス 68"/>
+          <p:cNvSpPr txBox="1"/>
+          <p:nvPr/>
+        </p:nvSpPr>
+        <p:spPr>
+          <a:xfrm>
+            <a:off x="2139180" y="1632399"/>
+            <a:ext cx="407684" cy="307777"/>
+          </a:xfrm>
+          <a:prstGeom prst="rect">
+            <a:avLst/>
+          </a:prstGeom>
+          <a:noFill/>
+        </p:spPr>
+        <p:txBody>
+          <a:bodyPr wrap="none" rtlCol="0">
+            <a:spAutoFit/>
+          </a:bodyPr>
+          <a:lstStyle/>
+          <a:p>
+            <a:r>
+              <a:rPr lang="en-US" altLang="ja-JP" sz="1400" dirty="0" smtClean="0">
+                <a:latin typeface="メイリオ"/>
+                <a:ea typeface="メイリオ"/>
+                <a:cs typeface="メイリオ"/>
+              </a:rPr>
+              <a:t>20</a:t>
+            </a:r>
+            <a:endParaRPr kumimoji="1" lang="ja-JP" altLang="en-US" sz="1400" dirty="0">
+              <a:latin typeface="メイリオ"/>
+              <a:ea typeface="メイリオ"/>
+              <a:cs typeface="メイリオ"/>
+            </a:endParaRPr>
+          </a:p>
+        </p:txBody>
+      </p:sp>
     </p:spTree>
     <p:extLst>
       <p:ext uri="{BB962C8B-B14F-4D97-AF65-F5344CB8AC3E}">
-        <p14:creationId xmlns:p14="http://schemas.microsoft.com/office/powerpoint/2010/main" val="1574216287"/>
+        <p14:creationId xmlns:p14="http://schemas.microsoft.com/office/powerpoint/2010/main" val="376941403"/>
       </p:ext>
     </p:extLst>
   </p:cSld>

--- a/algieba/interface/ui.pptx
+++ b/algieba/interface/ui.pptx
@@ -5,12 +5,13 @@
     <p:sldMasterId id="2147483648" r:id="rId1"/>
   </p:sldMasterIdLst>
   <p:notesMasterIdLst>
-    <p:notesMasterId r:id="rId5"/>
+    <p:notesMasterId r:id="rId6"/>
   </p:notesMasterIdLst>
   <p:sldIdLst>
     <p:sldId id="256" r:id="rId2"/>
     <p:sldId id="263" r:id="rId3"/>
-    <p:sldId id="265" r:id="rId4"/>
+    <p:sldId id="266" r:id="rId4"/>
+    <p:sldId id="265" r:id="rId5"/>
   </p:sldIdLst>
   <p:sldSz cx="9144000" cy="6858000" type="screen4x3"/>
   <p:notesSz cx="6858000" cy="9144000"/>
@@ -194,7 +195,7 @@
           <a:p>
             <a:fld id="{EE82FEE5-269B-9B49-A8C4-823C45BE6055}" type="datetimeFigureOut">
               <a:rPr kumimoji="1" lang="ja-JP" altLang="en-US" smtClean="0"/>
-              <a:t>16/07/17</a:t>
+              <a:t>16/11/04</a:t>
             </a:fld>
             <a:endParaRPr kumimoji="1" lang="ja-JP" altLang="en-US"/>
           </a:p>
@@ -662,6 +663,90 @@
 </p:notes>
 </file>
 
+<file path=ppt/notesSlides/notesSlide3.xml><?xml version="1.0" encoding="utf-8"?>
+<p:notes xmlns:a="http://schemas.openxmlformats.org/drawingml/2006/main" xmlns:r="http://schemas.openxmlformats.org/officeDocument/2006/relationships" xmlns:p="http://schemas.openxmlformats.org/presentationml/2006/main">
+  <p:cSld>
+    <p:spTree>
+      <p:nvGrpSpPr>
+        <p:cNvPr id="1" name=""/>
+        <p:cNvGrpSpPr/>
+        <p:nvPr/>
+      </p:nvGrpSpPr>
+      <p:grpSpPr>
+        <a:xfrm>
+          <a:off x="0" y="0"/>
+          <a:ext cx="0" cy="0"/>
+          <a:chOff x="0" y="0"/>
+          <a:chExt cx="0" cy="0"/>
+        </a:xfrm>
+      </p:grpSpPr>
+      <p:sp>
+        <p:nvSpPr>
+          <p:cNvPr id="2" name="スライド イメージ プレースホルダー 1"/>
+          <p:cNvSpPr>
+            <a:spLocks noGrp="1" noRot="1" noChangeAspect="1"/>
+          </p:cNvSpPr>
+          <p:nvPr>
+            <p:ph type="sldImg"/>
+          </p:nvPr>
+        </p:nvSpPr>
+        <p:spPr/>
+      </p:sp>
+      <p:sp>
+        <p:nvSpPr>
+          <p:cNvPr id="3" name="ノート プレースホルダー 2"/>
+          <p:cNvSpPr>
+            <a:spLocks noGrp="1"/>
+          </p:cNvSpPr>
+          <p:nvPr>
+            <p:ph type="body" idx="1"/>
+          </p:nvPr>
+        </p:nvSpPr>
+        <p:spPr/>
+        <p:txBody>
+          <a:bodyPr/>
+          <a:lstStyle/>
+          <a:p>
+            <a:endParaRPr kumimoji="1" lang="ja-JP" altLang="en-US" dirty="0"/>
+          </a:p>
+        </p:txBody>
+      </p:sp>
+      <p:sp>
+        <p:nvSpPr>
+          <p:cNvPr id="4" name="スライド番号プレースホルダー 3"/>
+          <p:cNvSpPr>
+            <a:spLocks noGrp="1"/>
+          </p:cNvSpPr>
+          <p:nvPr>
+            <p:ph type="sldNum" sz="quarter" idx="10"/>
+          </p:nvPr>
+        </p:nvSpPr>
+        <p:spPr/>
+        <p:txBody>
+          <a:bodyPr/>
+          <a:lstStyle/>
+          <a:p>
+            <a:fld id="{A9E1B25B-30E5-7A42-A56A-DF1A6F86BC06}" type="slidenum">
+              <a:rPr kumimoji="1" lang="ja-JP" altLang="en-US" smtClean="0"/>
+              <a:t>4</a:t>
+            </a:fld>
+            <a:endParaRPr kumimoji="1" lang="ja-JP" altLang="en-US"/>
+          </a:p>
+        </p:txBody>
+      </p:sp>
+    </p:spTree>
+    <p:extLst>
+      <p:ext uri="{BB962C8B-B14F-4D97-AF65-F5344CB8AC3E}">
+        <p14:creationId xmlns:p14="http://schemas.microsoft.com/office/powerpoint/2010/main" val="3631066132"/>
+      </p:ext>
+    </p:extLst>
+  </p:cSld>
+  <p:clrMapOvr>
+    <a:masterClrMapping/>
+  </p:clrMapOvr>
+</p:notes>
+</file>
+
 <file path=ppt/slideLayouts/slideLayout1.xml><?xml version="1.0" encoding="utf-8"?>
 <p:sldLayout xmlns:a="http://schemas.openxmlformats.org/drawingml/2006/main" xmlns:r="http://schemas.openxmlformats.org/officeDocument/2006/relationships" xmlns:p="http://schemas.openxmlformats.org/presentationml/2006/main" type="title" preserve="1">
   <p:cSld name="タイトル スライド">
@@ -843,7 +928,7 @@
           <a:p>
             <a:fld id="{3ABA01A1-4899-9944-833D-6A66CDE659CB}" type="datetimeFigureOut">
               <a:rPr kumimoji="1" lang="ja-JP" altLang="en-US" smtClean="0"/>
-              <a:t>16/07/17</a:t>
+              <a:t>16/11/04</a:t>
             </a:fld>
             <a:endParaRPr kumimoji="1" lang="ja-JP" altLang="en-US"/>
           </a:p>
@@ -1045,7 +1130,7 @@
           <a:p>
             <a:fld id="{3ABA01A1-4899-9944-833D-6A66CDE659CB}" type="datetimeFigureOut">
               <a:rPr kumimoji="1" lang="ja-JP" altLang="en-US" smtClean="0"/>
-              <a:t>16/07/17</a:t>
+              <a:t>16/11/04</a:t>
             </a:fld>
             <a:endParaRPr kumimoji="1" lang="ja-JP" altLang="en-US"/>
           </a:p>
@@ -1257,7 +1342,7 @@
           <a:p>
             <a:fld id="{3ABA01A1-4899-9944-833D-6A66CDE659CB}" type="datetimeFigureOut">
               <a:rPr kumimoji="1" lang="ja-JP" altLang="en-US" smtClean="0"/>
-              <a:t>16/07/17</a:t>
+              <a:t>16/11/04</a:t>
             </a:fld>
             <a:endParaRPr kumimoji="1" lang="ja-JP" altLang="en-US"/>
           </a:p>
@@ -1459,7 +1544,7 @@
           <a:p>
             <a:fld id="{3ABA01A1-4899-9944-833D-6A66CDE659CB}" type="datetimeFigureOut">
               <a:rPr kumimoji="1" lang="ja-JP" altLang="en-US" smtClean="0"/>
-              <a:t>16/07/17</a:t>
+              <a:t>16/11/04</a:t>
             </a:fld>
             <a:endParaRPr kumimoji="1" lang="ja-JP" altLang="en-US"/>
           </a:p>
@@ -1705,7 +1790,7 @@
           <a:p>
             <a:fld id="{3ABA01A1-4899-9944-833D-6A66CDE659CB}" type="datetimeFigureOut">
               <a:rPr kumimoji="1" lang="ja-JP" altLang="en-US" smtClean="0"/>
-              <a:t>16/07/17</a:t>
+              <a:t>16/11/04</a:t>
             </a:fld>
             <a:endParaRPr kumimoji="1" lang="ja-JP" altLang="en-US"/>
           </a:p>
@@ -2057,7 +2142,7 @@
           <a:p>
             <a:fld id="{3ABA01A1-4899-9944-833D-6A66CDE659CB}" type="datetimeFigureOut">
               <a:rPr kumimoji="1" lang="ja-JP" altLang="en-US" smtClean="0"/>
-              <a:t>16/07/17</a:t>
+              <a:t>16/11/04</a:t>
             </a:fld>
             <a:endParaRPr kumimoji="1" lang="ja-JP" altLang="en-US"/>
           </a:p>
@@ -2543,7 +2628,7 @@
           <a:p>
             <a:fld id="{3ABA01A1-4899-9944-833D-6A66CDE659CB}" type="datetimeFigureOut">
               <a:rPr kumimoji="1" lang="ja-JP" altLang="en-US" smtClean="0"/>
-              <a:t>16/07/17</a:t>
+              <a:t>16/11/04</a:t>
             </a:fld>
             <a:endParaRPr kumimoji="1" lang="ja-JP" altLang="en-US"/>
           </a:p>
@@ -2661,7 +2746,7 @@
           <a:p>
             <a:fld id="{3ABA01A1-4899-9944-833D-6A66CDE659CB}" type="datetimeFigureOut">
               <a:rPr kumimoji="1" lang="ja-JP" altLang="en-US" smtClean="0"/>
-              <a:t>16/07/17</a:t>
+              <a:t>16/11/04</a:t>
             </a:fld>
             <a:endParaRPr kumimoji="1" lang="ja-JP" altLang="en-US"/>
           </a:p>
@@ -2756,7 +2841,7 @@
           <a:p>
             <a:fld id="{3ABA01A1-4899-9944-833D-6A66CDE659CB}" type="datetimeFigureOut">
               <a:rPr kumimoji="1" lang="ja-JP" altLang="en-US" smtClean="0"/>
-              <a:t>16/07/17</a:t>
+              <a:t>16/11/04</a:t>
             </a:fld>
             <a:endParaRPr kumimoji="1" lang="ja-JP" altLang="en-US"/>
           </a:p>
@@ -3065,7 +3150,7 @@
           <a:p>
             <a:fld id="{3ABA01A1-4899-9944-833D-6A66CDE659CB}" type="datetimeFigureOut">
               <a:rPr kumimoji="1" lang="ja-JP" altLang="en-US" smtClean="0"/>
-              <a:t>16/07/17</a:t>
+              <a:t>16/11/04</a:t>
             </a:fld>
             <a:endParaRPr kumimoji="1" lang="ja-JP" altLang="en-US"/>
           </a:p>
@@ -3318,7 +3403,7 @@
           <a:p>
             <a:fld id="{3ABA01A1-4899-9944-833D-6A66CDE659CB}" type="datetimeFigureOut">
               <a:rPr kumimoji="1" lang="ja-JP" altLang="en-US" smtClean="0"/>
-              <a:t>16/07/17</a:t>
+              <a:t>16/11/04</a:t>
             </a:fld>
             <a:endParaRPr kumimoji="1" lang="ja-JP" altLang="en-US"/>
           </a:p>
@@ -3563,7 +3648,7 @@
           <a:p>
             <a:fld id="{3ABA01A1-4899-9944-833D-6A66CDE659CB}" type="datetimeFigureOut">
               <a:rPr kumimoji="1" lang="ja-JP" altLang="en-US" smtClean="0"/>
-              <a:t>16/07/17</a:t>
+              <a:t>16/11/04</a:t>
             </a:fld>
             <a:endParaRPr kumimoji="1" lang="ja-JP" altLang="en-US"/>
           </a:p>
@@ -4007,11 +4092,19 @@
             </a:r>
             <a:r>
               <a:rPr lang="en-US" altLang="ja-JP" sz="2800" dirty="0" smtClean="0"/>
-              <a:t>2016/</a:t>
+              <a:t>2016</a:t>
             </a:r>
             <a:r>
               <a:rPr lang="en-US" altLang="ja-JP" sz="2800" dirty="0" smtClean="0"/>
-              <a:t>07/17</a:t>
+              <a:t>/</a:t>
+            </a:r>
+            <a:r>
+              <a:rPr lang="en-US" altLang="ja-JP" sz="2800" dirty="0" smtClean="0"/>
+              <a:t>11</a:t>
+            </a:r>
+            <a:r>
+              <a:rPr lang="en-US" altLang="ja-JP" sz="2800" dirty="0" smtClean="0"/>
+              <a:t>/04</a:t>
             </a:r>
             <a:r>
               <a:rPr lang="en-US" altLang="ja-JP" sz="2800" dirty="0" smtClean="0"/>
@@ -4030,7 +4123,7 @@
             </a:r>
             <a:r>
               <a:rPr lang="en-US" altLang="ja-JP" sz="2800" dirty="0" smtClean="0"/>
-              <a:t>2.1.0</a:t>
+              <a:t>2.2.0</a:t>
             </a:r>
             <a:endParaRPr kumimoji="1" lang="ja-JP" altLang="en-US" dirty="0"/>
           </a:p>
@@ -4094,15 +4187,7 @@
                 <a:ea typeface="メイリオ"/>
                 <a:cs typeface="メイリオ"/>
               </a:rPr>
-              <a:t>画面</a:t>
-            </a:r>
-            <a:r>
-              <a:rPr lang="ja-JP" altLang="en-US" sz="2800" dirty="0" smtClean="0">
-                <a:latin typeface="メイリオ"/>
-                <a:ea typeface="メイリオ"/>
-                <a:cs typeface="メイリオ"/>
-              </a:rPr>
-              <a:t>仕様</a:t>
+              <a:t>画面仕様</a:t>
             </a:r>
             <a:endParaRPr kumimoji="1" lang="ja-JP" altLang="en-US" sz="2000" dirty="0">
               <a:latin typeface="メイリオ"/>
@@ -4121,7 +4206,7 @@
         <p:spPr>
           <a:xfrm>
             <a:off x="646545" y="969818"/>
-            <a:ext cx="7148111" cy="1754327"/>
+            <a:ext cx="7378943" cy="3416320"/>
           </a:xfrm>
           <a:prstGeom prst="rect">
             <a:avLst/>
@@ -4144,7 +4229,7 @@
                 <a:ea typeface="メイリオ"/>
                 <a:cs typeface="メイリオ"/>
               </a:rPr>
-              <a:t>家計簿情報を入力後、登録ボタンを押すと家計簿が登録される</a:t>
+              <a:t>認証画面と管理画面がある</a:t>
             </a:r>
             <a:endParaRPr lang="en-US" altLang="ja-JP" dirty="0" smtClean="0">
               <a:latin typeface="メイリオ"/>
@@ -4153,7 +4238,18 @@
             </a:endParaRPr>
           </a:p>
           <a:p>
-            <a:pPr marL="742950" lvl="1" indent="-285750">
+            <a:pPr marL="285750" indent="-285750">
+              <a:buFont typeface="Arial"/>
+              <a:buChar char="•"/>
+            </a:pPr>
+            <a:endParaRPr lang="en-US" altLang="ja-JP" dirty="0" smtClean="0">
+              <a:latin typeface="メイリオ"/>
+              <a:ea typeface="メイリオ"/>
+              <a:cs typeface="メイリオ"/>
+            </a:endParaRPr>
+          </a:p>
+          <a:p>
+            <a:pPr marL="285750" indent="-285750">
               <a:buFont typeface="Arial"/>
               <a:buChar char="•"/>
             </a:pPr>
@@ -4163,7 +4259,7 @@
                 <a:ea typeface="メイリオ"/>
                 <a:cs typeface="メイリオ"/>
               </a:rPr>
-              <a:t>登録成功時、画面遷移なしで家計簿表の上部に表示される</a:t>
+              <a:t>認証画面</a:t>
             </a:r>
             <a:endParaRPr lang="en-US" altLang="ja-JP" dirty="0" smtClean="0">
               <a:latin typeface="メイリオ"/>
@@ -4172,10 +4268,86 @@
             </a:endParaRPr>
           </a:p>
           <a:p>
+            <a:pPr marL="742950" lvl="1" indent="-285750">
+              <a:buFont typeface="Arial"/>
+              <a:buChar char="•"/>
+            </a:pPr>
+            <a:r>
+              <a:rPr lang="ja-JP" altLang="en-US" dirty="0" smtClean="0">
+                <a:latin typeface="メイリオ"/>
+                <a:ea typeface="メイリオ"/>
+                <a:cs typeface="メイリオ"/>
+              </a:rPr>
+              <a:t>未認証時は認証画面にリダイレクトされる</a:t>
+            </a:r>
+            <a:endParaRPr lang="en-US" altLang="ja-JP" dirty="0" smtClean="0">
+              <a:latin typeface="メイリオ"/>
+              <a:ea typeface="メイリオ"/>
+              <a:cs typeface="メイリオ"/>
+            </a:endParaRPr>
+          </a:p>
+          <a:p>
+            <a:pPr marL="742950" lvl="1" indent="-285750">
+              <a:buFont typeface="Arial"/>
+              <a:buChar char="•"/>
+            </a:pPr>
+            <a:r>
+              <a:rPr lang="ja-JP" altLang="en-US" dirty="0" smtClean="0">
+                <a:latin typeface="メイリオ"/>
+                <a:ea typeface="メイリオ"/>
+                <a:cs typeface="メイリオ"/>
+              </a:rPr>
+              <a:t>認証に成功すると管理画面にアクセスできる</a:t>
+            </a:r>
+            <a:endParaRPr lang="en-US" altLang="ja-JP" dirty="0" smtClean="0">
+              <a:latin typeface="メイリオ"/>
+              <a:ea typeface="メイリオ"/>
+              <a:cs typeface="メイリオ"/>
+            </a:endParaRPr>
+          </a:p>
+          <a:p>
             <a:pPr marL="285750" indent="-285750">
               <a:buFont typeface="Arial"/>
               <a:buChar char="•"/>
             </a:pPr>
+            <a:endParaRPr lang="en-US" altLang="ja-JP" dirty="0" smtClean="0">
+              <a:latin typeface="メイリオ"/>
+              <a:ea typeface="メイリオ"/>
+              <a:cs typeface="メイリオ"/>
+            </a:endParaRPr>
+          </a:p>
+          <a:p>
+            <a:pPr marL="285750" indent="-285750">
+              <a:buFont typeface="Arial"/>
+              <a:buChar char="•"/>
+            </a:pPr>
+            <a:r>
+              <a:rPr lang="ja-JP" altLang="en-US" dirty="0" smtClean="0">
+                <a:latin typeface="メイリオ"/>
+                <a:ea typeface="メイリオ"/>
+                <a:cs typeface="メイリオ"/>
+              </a:rPr>
+              <a:t>管理画面</a:t>
+            </a:r>
+            <a:endParaRPr lang="en-US" altLang="ja-JP" dirty="0" smtClean="0">
+              <a:latin typeface="メイリオ"/>
+              <a:ea typeface="メイリオ"/>
+              <a:cs typeface="メイリオ"/>
+            </a:endParaRPr>
+          </a:p>
+          <a:p>
+            <a:pPr marL="742950" lvl="1" indent="-285750">
+              <a:buFont typeface="Arial"/>
+              <a:buChar char="•"/>
+            </a:pPr>
+            <a:r>
+              <a:rPr lang="ja-JP" altLang="en-US" dirty="0" smtClean="0">
+                <a:latin typeface="メイリオ"/>
+                <a:ea typeface="メイリオ"/>
+                <a:cs typeface="メイリオ"/>
+              </a:rPr>
+              <a:t>画面上部の入力フォームから家計簿を入力する</a:t>
+            </a:r>
             <a:endParaRPr lang="en-US" altLang="ja-JP" dirty="0">
               <a:latin typeface="メイリオ"/>
               <a:ea typeface="メイリオ"/>
@@ -4183,7 +4355,61 @@
             </a:endParaRPr>
           </a:p>
           <a:p>
-            <a:pPr marL="285750" indent="-285750">
+            <a:pPr marL="742950" lvl="1" indent="-285750">
+              <a:buFont typeface="Arial"/>
+              <a:buChar char="•"/>
+            </a:pPr>
+            <a:r>
+              <a:rPr lang="ja-JP" altLang="en-US" dirty="0" smtClean="0">
+                <a:latin typeface="メイリオ"/>
+                <a:ea typeface="メイリオ"/>
+                <a:cs typeface="メイリオ"/>
+              </a:rPr>
+              <a:t>家計簿</a:t>
+            </a:r>
+            <a:r>
+              <a:rPr lang="ja-JP" altLang="en-US" dirty="0" smtClean="0">
+                <a:latin typeface="メイリオ"/>
+                <a:ea typeface="メイリオ"/>
+                <a:cs typeface="メイリオ"/>
+              </a:rPr>
+              <a:t>情報を入力後、登録ボタンを押すと家計簿が登録される</a:t>
+            </a:r>
+            <a:endParaRPr lang="en-US" altLang="ja-JP" dirty="0" smtClean="0">
+              <a:latin typeface="メイリオ"/>
+              <a:ea typeface="メイリオ"/>
+              <a:cs typeface="メイリオ"/>
+            </a:endParaRPr>
+          </a:p>
+          <a:p>
+            <a:pPr marL="742950" lvl="1" indent="-285750">
+              <a:buFont typeface="Arial"/>
+              <a:buChar char="•"/>
+            </a:pPr>
+            <a:r>
+              <a:rPr lang="ja-JP" altLang="en-US" dirty="0" smtClean="0">
+                <a:latin typeface="メイリオ"/>
+                <a:ea typeface="メイリオ"/>
+                <a:cs typeface="メイリオ"/>
+              </a:rPr>
+              <a:t>登録成功時、画面遷移なしで家計簿表の上部に表示</a:t>
+            </a:r>
+            <a:r>
+              <a:rPr lang="ja-JP" altLang="en-US" dirty="0" smtClean="0">
+                <a:latin typeface="メイリオ"/>
+                <a:ea typeface="メイリオ"/>
+                <a:cs typeface="メイリオ"/>
+              </a:rPr>
+              <a:t>される</a:t>
+            </a:r>
+            <a:endParaRPr lang="en-US" altLang="ja-JP" dirty="0">
+              <a:latin typeface="メイリオ"/>
+              <a:ea typeface="メイリオ"/>
+              <a:cs typeface="メイリオ"/>
+            </a:endParaRPr>
+          </a:p>
+          <a:p>
+            <a:pPr marL="742950" lvl="1" indent="-285750">
               <a:buFont typeface="Arial"/>
               <a:buChar char="•"/>
             </a:pPr>
@@ -4227,17 +4453,6 @@
               </a:rPr>
               <a:t>される</a:t>
             </a:r>
-            <a:endParaRPr lang="en-US" altLang="ja-JP" dirty="0" smtClean="0">
-              <a:latin typeface="メイリオ"/>
-              <a:ea typeface="メイリオ"/>
-              <a:cs typeface="メイリオ"/>
-            </a:endParaRPr>
-          </a:p>
-          <a:p>
-            <a:pPr marL="285750" indent="-285750">
-              <a:buFont typeface="Arial"/>
-              <a:buChar char="•"/>
-            </a:pPr>
             <a:endParaRPr lang="en-US" altLang="ja-JP" dirty="0">
               <a:latin typeface="メイリオ"/>
               <a:ea typeface="メイリオ"/>
@@ -4245,23 +4460,26 @@
             </a:endParaRPr>
           </a:p>
           <a:p>
-            <a:pPr marL="285750" indent="-285750">
+            <a:pPr marL="742950" lvl="1" indent="-285750">
               <a:buFont typeface="Arial"/>
               <a:buChar char="•"/>
             </a:pPr>
+            <a:r>
+              <a:rPr lang="ja-JP" altLang="en-US" dirty="0" smtClean="0">
+                <a:latin typeface="メイリオ"/>
+                <a:ea typeface="メイリオ"/>
+                <a:cs typeface="メイリオ"/>
+              </a:rPr>
+              <a:t>最新</a:t>
+            </a:r>
             <a:r>
               <a:rPr lang="ja-JP" altLang="en-US" dirty="0">
                 <a:latin typeface="メイリオ"/>
                 <a:ea typeface="メイリオ"/>
                 <a:cs typeface="メイリオ"/>
               </a:rPr>
-              <a:t>最新から順番に表示される</a:t>
-            </a:r>
-            <a:endParaRPr lang="ja-JP" altLang="en-US" dirty="0">
-              <a:latin typeface="メイリオ"/>
-              <a:ea typeface="メイリオ"/>
-              <a:cs typeface="メイリオ"/>
-            </a:endParaRPr>
+              <a:t>から順番に表示される</a:t>
+            </a:r>
           </a:p>
         </p:txBody>
       </p:sp>
@@ -4304,7 +4522,7 @@
         <p:spPr>
           <a:xfrm>
             <a:off x="200532" y="187161"/>
-            <a:ext cx="2339102" cy="523220"/>
+            <a:ext cx="1620957" cy="523220"/>
           </a:xfrm>
           <a:prstGeom prst="rect">
             <a:avLst/>
@@ -4323,7 +4541,555 @@
                 <a:ea typeface="メイリオ"/>
                 <a:cs typeface="メイリオ"/>
               </a:rPr>
-              <a:t>ブラウザ画面</a:t>
+              <a:t>認証</a:t>
+            </a:r>
+            <a:r>
+              <a:rPr lang="ja-JP" altLang="en-US" sz="2800" dirty="0" smtClean="0">
+                <a:latin typeface="メイリオ"/>
+                <a:ea typeface="メイリオ"/>
+                <a:cs typeface="メイリオ"/>
+              </a:rPr>
+              <a:t>画面</a:t>
+            </a:r>
+            <a:endParaRPr kumimoji="1" lang="ja-JP" altLang="en-US" sz="2000" dirty="0">
+              <a:latin typeface="メイリオ"/>
+              <a:ea typeface="メイリオ"/>
+              <a:cs typeface="メイリオ"/>
+            </a:endParaRPr>
+          </a:p>
+        </p:txBody>
+      </p:sp>
+      <p:grpSp>
+        <p:nvGrpSpPr>
+          <p:cNvPr id="8" name="図形グループ 7"/>
+          <p:cNvGrpSpPr/>
+          <p:nvPr/>
+        </p:nvGrpSpPr>
+        <p:grpSpPr>
+          <a:xfrm>
+            <a:off x="783269" y="935182"/>
+            <a:ext cx="7575640" cy="5541817"/>
+            <a:chOff x="783269" y="935182"/>
+            <a:chExt cx="7575640" cy="5541817"/>
+          </a:xfrm>
+        </p:grpSpPr>
+        <p:sp>
+          <p:nvSpPr>
+            <p:cNvPr id="53" name="正方形/長方形 52"/>
+            <p:cNvSpPr/>
+            <p:nvPr/>
+          </p:nvSpPr>
+          <p:spPr>
+            <a:xfrm>
+              <a:off x="783269" y="935182"/>
+              <a:ext cx="7575640" cy="5541817"/>
+            </a:xfrm>
+            <a:prstGeom prst="rect">
+              <a:avLst/>
+            </a:prstGeom>
+            <a:noFill/>
+            <a:ln w="25400">
+              <a:solidFill>
+                <a:schemeClr val="tx1"/>
+              </a:solidFill>
+            </a:ln>
+            <a:effectLst/>
+          </p:spPr>
+          <p:style>
+            <a:lnRef idx="1">
+              <a:schemeClr val="accent1"/>
+            </a:lnRef>
+            <a:fillRef idx="3">
+              <a:schemeClr val="accent1"/>
+            </a:fillRef>
+            <a:effectRef idx="2">
+              <a:schemeClr val="accent1"/>
+            </a:effectRef>
+            <a:fontRef idx="minor">
+              <a:schemeClr val="lt1"/>
+            </a:fontRef>
+          </p:style>
+          <p:txBody>
+            <a:bodyPr rtlCol="0" anchor="ctr"/>
+            <a:lstStyle/>
+            <a:p>
+              <a:pPr algn="ctr"/>
+              <a:endParaRPr kumimoji="1" lang="ja-JP" altLang="en-US" sz="2800" dirty="0">
+                <a:solidFill>
+                  <a:schemeClr val="tx1"/>
+                </a:solidFill>
+                <a:latin typeface="メイリオ"/>
+                <a:ea typeface="メイリオ"/>
+                <a:cs typeface="メイリオ"/>
+              </a:endParaRPr>
+            </a:p>
+          </p:txBody>
+        </p:sp>
+        <p:sp>
+          <p:nvSpPr>
+            <p:cNvPr id="21" name="角丸四角形 20"/>
+            <p:cNvSpPr/>
+            <p:nvPr/>
+          </p:nvSpPr>
+          <p:spPr>
+            <a:xfrm>
+              <a:off x="3059362" y="2228031"/>
+              <a:ext cx="2979091" cy="2967423"/>
+            </a:xfrm>
+            <a:prstGeom prst="roundRect">
+              <a:avLst/>
+            </a:prstGeom>
+            <a:noFill/>
+            <a:ln w="25400">
+              <a:solidFill>
+                <a:schemeClr val="tx1"/>
+              </a:solidFill>
+            </a:ln>
+            <a:effectLst/>
+          </p:spPr>
+          <p:style>
+            <a:lnRef idx="1">
+              <a:schemeClr val="accent1"/>
+            </a:lnRef>
+            <a:fillRef idx="3">
+              <a:schemeClr val="accent1"/>
+            </a:fillRef>
+            <a:effectRef idx="2">
+              <a:schemeClr val="accent1"/>
+            </a:effectRef>
+            <a:fontRef idx="minor">
+              <a:schemeClr val="lt1"/>
+            </a:fontRef>
+          </p:style>
+          <p:txBody>
+            <a:bodyPr rtlCol="0" anchor="ctr"/>
+            <a:lstStyle/>
+            <a:p>
+              <a:pPr algn="ctr"/>
+              <a:endParaRPr kumimoji="1" lang="ja-JP" altLang="en-US"/>
+            </a:p>
+          </p:txBody>
+        </p:sp>
+        <p:sp>
+          <p:nvSpPr>
+            <p:cNvPr id="22" name="テキスト ボックス 21"/>
+            <p:cNvSpPr txBox="1"/>
+            <p:nvPr/>
+          </p:nvSpPr>
+          <p:spPr>
+            <a:xfrm>
+              <a:off x="3186840" y="2516692"/>
+              <a:ext cx="1289147" cy="307777"/>
+            </a:xfrm>
+            <a:prstGeom prst="rect">
+              <a:avLst/>
+            </a:prstGeom>
+            <a:noFill/>
+          </p:spPr>
+          <p:txBody>
+            <a:bodyPr wrap="none" rtlCol="0">
+              <a:spAutoFit/>
+            </a:bodyPr>
+            <a:lstStyle/>
+            <a:p>
+              <a:r>
+                <a:rPr lang="en-US" altLang="en-US" sz="1400" dirty="0" err="1" smtClean="0">
+                  <a:latin typeface="メイリオ"/>
+                  <a:ea typeface="メイリオ"/>
+                  <a:cs typeface="メイリオ"/>
+                </a:rPr>
+                <a:t>ユーザーID</a:t>
+              </a:r>
+              <a:r>
+                <a:rPr kumimoji="1" lang="ja-JP" altLang="en-US" sz="1400" dirty="0" smtClean="0">
+                  <a:latin typeface="メイリオ"/>
+                  <a:ea typeface="メイリオ"/>
+                  <a:cs typeface="メイリオ"/>
+                </a:rPr>
+                <a:t>：</a:t>
+              </a:r>
+              <a:endParaRPr kumimoji="1" lang="ja-JP" altLang="en-US" sz="1400" dirty="0">
+                <a:latin typeface="メイリオ"/>
+                <a:ea typeface="メイリオ"/>
+                <a:cs typeface="メイリオ"/>
+              </a:endParaRPr>
+            </a:p>
+          </p:txBody>
+        </p:sp>
+        <p:sp>
+          <p:nvSpPr>
+            <p:cNvPr id="23" name="正方形/長方形 22"/>
+            <p:cNvSpPr/>
+            <p:nvPr/>
+          </p:nvSpPr>
+          <p:spPr>
+            <a:xfrm>
+              <a:off x="3429000" y="2944112"/>
+              <a:ext cx="2299854" cy="406399"/>
+            </a:xfrm>
+            <a:prstGeom prst="rect">
+              <a:avLst/>
+            </a:prstGeom>
+            <a:noFill/>
+            <a:ln w="25400">
+              <a:solidFill>
+                <a:schemeClr val="tx1"/>
+              </a:solidFill>
+            </a:ln>
+            <a:effectLst>
+              <a:outerShdw blurRad="50800" dist="38100" dir="2700000" algn="tl" rotWithShape="0">
+                <a:srgbClr val="000000">
+                  <a:alpha val="43000"/>
+                </a:srgbClr>
+              </a:outerShdw>
+            </a:effectLst>
+          </p:spPr>
+          <p:style>
+            <a:lnRef idx="1">
+              <a:schemeClr val="accent1"/>
+            </a:lnRef>
+            <a:fillRef idx="3">
+              <a:schemeClr val="accent1"/>
+            </a:fillRef>
+            <a:effectRef idx="2">
+              <a:schemeClr val="accent1"/>
+            </a:effectRef>
+            <a:fontRef idx="minor">
+              <a:schemeClr val="lt1"/>
+            </a:fontRef>
+          </p:style>
+          <p:txBody>
+            <a:bodyPr rtlCol="0" anchor="ctr"/>
+            <a:lstStyle/>
+            <a:p>
+              <a:pPr algn="ctr"/>
+              <a:endParaRPr kumimoji="1" lang="ja-JP" altLang="en-US" sz="2800" dirty="0">
+                <a:solidFill>
+                  <a:schemeClr val="tx1"/>
+                </a:solidFill>
+                <a:latin typeface="メイリオ"/>
+                <a:ea typeface="メイリオ"/>
+                <a:cs typeface="メイリオ"/>
+              </a:endParaRPr>
+            </a:p>
+          </p:txBody>
+        </p:sp>
+        <p:sp>
+          <p:nvSpPr>
+            <p:cNvPr id="24" name="テキスト ボックス 23"/>
+            <p:cNvSpPr txBox="1"/>
+            <p:nvPr/>
+          </p:nvSpPr>
+          <p:spPr>
+            <a:xfrm>
+              <a:off x="3186840" y="3523456"/>
+              <a:ext cx="1261884" cy="307777"/>
+            </a:xfrm>
+            <a:prstGeom prst="rect">
+              <a:avLst/>
+            </a:prstGeom>
+            <a:noFill/>
+          </p:spPr>
+          <p:txBody>
+            <a:bodyPr wrap="none" rtlCol="0">
+              <a:spAutoFit/>
+            </a:bodyPr>
+            <a:lstStyle/>
+            <a:p>
+              <a:r>
+                <a:rPr lang="ja-JP" altLang="en-US" sz="1400" dirty="0" smtClean="0">
+                  <a:latin typeface="メイリオ"/>
+                  <a:ea typeface="メイリオ"/>
+                  <a:cs typeface="メイリオ"/>
+                </a:rPr>
+                <a:t>パスワード</a:t>
+              </a:r>
+              <a:r>
+                <a:rPr kumimoji="1" lang="ja-JP" altLang="en-US" sz="1400" dirty="0" smtClean="0">
+                  <a:latin typeface="メイリオ"/>
+                  <a:ea typeface="メイリオ"/>
+                  <a:cs typeface="メイリオ"/>
+                </a:rPr>
+                <a:t>：</a:t>
+              </a:r>
+              <a:endParaRPr kumimoji="1" lang="ja-JP" altLang="en-US" sz="1400" dirty="0">
+                <a:latin typeface="メイリオ"/>
+                <a:ea typeface="メイリオ"/>
+                <a:cs typeface="メイリオ"/>
+              </a:endParaRPr>
+            </a:p>
+          </p:txBody>
+        </p:sp>
+        <p:sp>
+          <p:nvSpPr>
+            <p:cNvPr id="25" name="正方形/長方形 24"/>
+            <p:cNvSpPr/>
+            <p:nvPr/>
+          </p:nvSpPr>
+          <p:spPr>
+            <a:xfrm>
+              <a:off x="3429000" y="3833304"/>
+              <a:ext cx="2299854" cy="406399"/>
+            </a:xfrm>
+            <a:prstGeom prst="rect">
+              <a:avLst/>
+            </a:prstGeom>
+            <a:noFill/>
+            <a:ln w="25400">
+              <a:solidFill>
+                <a:schemeClr val="tx1"/>
+              </a:solidFill>
+            </a:ln>
+            <a:effectLst>
+              <a:outerShdw blurRad="50800" dist="38100" dir="2700000" algn="tl" rotWithShape="0">
+                <a:srgbClr val="000000">
+                  <a:alpha val="43000"/>
+                </a:srgbClr>
+              </a:outerShdw>
+            </a:effectLst>
+          </p:spPr>
+          <p:style>
+            <a:lnRef idx="1">
+              <a:schemeClr val="accent1"/>
+            </a:lnRef>
+            <a:fillRef idx="3">
+              <a:schemeClr val="accent1"/>
+            </a:fillRef>
+            <a:effectRef idx="2">
+              <a:schemeClr val="accent1"/>
+            </a:effectRef>
+            <a:fontRef idx="minor">
+              <a:schemeClr val="lt1"/>
+            </a:fontRef>
+          </p:style>
+          <p:txBody>
+            <a:bodyPr rtlCol="0" anchor="ctr"/>
+            <a:lstStyle/>
+            <a:p>
+              <a:pPr algn="ctr"/>
+              <a:endParaRPr kumimoji="1" lang="ja-JP" altLang="en-US" sz="2800" dirty="0">
+                <a:solidFill>
+                  <a:schemeClr val="tx1"/>
+                </a:solidFill>
+                <a:latin typeface="メイリオ"/>
+                <a:ea typeface="メイリオ"/>
+                <a:cs typeface="メイリオ"/>
+              </a:endParaRPr>
+            </a:p>
+          </p:txBody>
+        </p:sp>
+        <p:sp>
+          <p:nvSpPr>
+            <p:cNvPr id="26" name="角丸四角形 25"/>
+            <p:cNvSpPr/>
+            <p:nvPr/>
+          </p:nvSpPr>
+          <p:spPr>
+            <a:xfrm>
+              <a:off x="4167908" y="4525818"/>
+              <a:ext cx="1560945" cy="417945"/>
+            </a:xfrm>
+            <a:prstGeom prst="roundRect">
+              <a:avLst/>
+            </a:prstGeom>
+            <a:solidFill>
+              <a:schemeClr val="accent1"/>
+            </a:solidFill>
+            <a:ln w="25400">
+              <a:noFill/>
+            </a:ln>
+            <a:effectLst/>
+            <a:scene3d>
+              <a:camera prst="orthographicFront"/>
+              <a:lightRig rig="threePt" dir="t"/>
+            </a:scene3d>
+            <a:sp3d>
+              <a:bevelT/>
+            </a:sp3d>
+          </p:spPr>
+          <p:style>
+            <a:lnRef idx="1">
+              <a:schemeClr val="accent1"/>
+            </a:lnRef>
+            <a:fillRef idx="3">
+              <a:schemeClr val="accent1"/>
+            </a:fillRef>
+            <a:effectRef idx="2">
+              <a:schemeClr val="accent1"/>
+            </a:effectRef>
+            <a:fontRef idx="minor">
+              <a:schemeClr val="lt1"/>
+            </a:fontRef>
+          </p:style>
+          <p:txBody>
+            <a:bodyPr rtlCol="0" anchor="ctr"/>
+            <a:lstStyle/>
+            <a:p>
+              <a:pPr algn="ctr"/>
+              <a:r>
+                <a:rPr lang="ja-JP" altLang="en-US" dirty="0" smtClean="0">
+                  <a:solidFill>
+                    <a:schemeClr val="tx1"/>
+                  </a:solidFill>
+                  <a:latin typeface="メイリオ"/>
+                  <a:ea typeface="メイリオ"/>
+                  <a:cs typeface="メイリオ"/>
+                </a:rPr>
+                <a:t>ログイン</a:t>
+              </a:r>
+              <a:endParaRPr kumimoji="1" lang="ja-JP" altLang="en-US" dirty="0">
+                <a:solidFill>
+                  <a:schemeClr val="tx1"/>
+                </a:solidFill>
+                <a:latin typeface="メイリオ"/>
+                <a:ea typeface="メイリオ"/>
+                <a:cs typeface="メイリオ"/>
+              </a:endParaRPr>
+            </a:p>
+          </p:txBody>
+        </p:sp>
+        <p:cxnSp>
+          <p:nvCxnSpPr>
+            <p:cNvPr id="3" name="直線コネクタ 2"/>
+            <p:cNvCxnSpPr/>
+            <p:nvPr/>
+          </p:nvCxnSpPr>
+          <p:spPr>
+            <a:xfrm>
+              <a:off x="3532910" y="3048002"/>
+              <a:ext cx="0" cy="219382"/>
+            </a:xfrm>
+            <a:prstGeom prst="line">
+              <a:avLst/>
+            </a:prstGeom>
+            <a:ln w="12700">
+              <a:solidFill>
+                <a:schemeClr val="bg1">
+                  <a:lumMod val="50000"/>
+                </a:schemeClr>
+              </a:solidFill>
+            </a:ln>
+          </p:spPr>
+          <p:style>
+            <a:lnRef idx="2">
+              <a:schemeClr val="accent1"/>
+            </a:lnRef>
+            <a:fillRef idx="0">
+              <a:schemeClr val="accent1"/>
+            </a:fillRef>
+            <a:effectRef idx="1">
+              <a:schemeClr val="accent1"/>
+            </a:effectRef>
+            <a:fontRef idx="minor">
+              <a:schemeClr val="tx1"/>
+            </a:fontRef>
+          </p:style>
+        </p:cxnSp>
+        <p:cxnSp>
+          <p:nvCxnSpPr>
+            <p:cNvPr id="32" name="直線コネクタ 31"/>
+            <p:cNvCxnSpPr/>
+            <p:nvPr/>
+          </p:nvCxnSpPr>
+          <p:spPr>
+            <a:xfrm>
+              <a:off x="3532910" y="3939311"/>
+              <a:ext cx="0" cy="219382"/>
+            </a:xfrm>
+            <a:prstGeom prst="line">
+              <a:avLst/>
+            </a:prstGeom>
+            <a:ln w="12700">
+              <a:solidFill>
+                <a:schemeClr val="bg1">
+                  <a:lumMod val="50000"/>
+                </a:schemeClr>
+              </a:solidFill>
+            </a:ln>
+          </p:spPr>
+          <p:style>
+            <a:lnRef idx="2">
+              <a:schemeClr val="accent1"/>
+            </a:lnRef>
+            <a:fillRef idx="0">
+              <a:schemeClr val="accent1"/>
+            </a:fillRef>
+            <a:effectRef idx="1">
+              <a:schemeClr val="accent1"/>
+            </a:effectRef>
+            <a:fontRef idx="minor">
+              <a:schemeClr val="tx1"/>
+            </a:fontRef>
+          </p:style>
+        </p:cxnSp>
+      </p:grpSp>
+    </p:spTree>
+    <p:extLst>
+      <p:ext uri="{BB962C8B-B14F-4D97-AF65-F5344CB8AC3E}">
+        <p14:creationId xmlns:p14="http://schemas.microsoft.com/office/powerpoint/2010/main" val="673099284"/>
+      </p:ext>
+    </p:extLst>
+  </p:cSld>
+  <p:clrMapOvr>
+    <a:masterClrMapping/>
+  </p:clrMapOvr>
+</p:sld>
+</file>
+
+<file path=ppt/slides/slide4.xml><?xml version="1.0" encoding="utf-8"?>
+<p:sld xmlns:a="http://schemas.openxmlformats.org/drawingml/2006/main" xmlns:r="http://schemas.openxmlformats.org/officeDocument/2006/relationships" xmlns:p="http://schemas.openxmlformats.org/presentationml/2006/main">
+  <p:cSld>
+    <p:spTree>
+      <p:nvGrpSpPr>
+        <p:cNvPr id="1" name=""/>
+        <p:cNvGrpSpPr/>
+        <p:nvPr/>
+      </p:nvGrpSpPr>
+      <p:grpSpPr>
+        <a:xfrm>
+          <a:off x="0" y="0"/>
+          <a:ext cx="0" cy="0"/>
+          <a:chOff x="0" y="0"/>
+          <a:chExt cx="0" cy="0"/>
+        </a:xfrm>
+      </p:grpSpPr>
+      <p:sp>
+        <p:nvSpPr>
+          <p:cNvPr id="4" name="テキスト ボックス 3"/>
+          <p:cNvSpPr txBox="1"/>
+          <p:nvPr/>
+        </p:nvSpPr>
+        <p:spPr>
+          <a:xfrm>
+            <a:off x="200532" y="187161"/>
+            <a:ext cx="1620957" cy="523220"/>
+          </a:xfrm>
+          <a:prstGeom prst="rect">
+            <a:avLst/>
+          </a:prstGeom>
+          <a:noFill/>
+        </p:spPr>
+        <p:txBody>
+          <a:bodyPr wrap="none" rtlCol="0">
+            <a:spAutoFit/>
+          </a:bodyPr>
+          <a:lstStyle/>
+          <a:p>
+            <a:r>
+              <a:rPr lang="ja-JP" altLang="en-US" sz="2800" dirty="0" smtClean="0">
+                <a:latin typeface="メイリオ"/>
+                <a:ea typeface="メイリオ"/>
+                <a:cs typeface="メイリオ"/>
+              </a:rPr>
+              <a:t>管理</a:t>
+            </a:r>
+            <a:r>
+              <a:rPr lang="ja-JP" altLang="en-US" sz="2800" dirty="0" smtClean="0">
+                <a:latin typeface="メイリオ"/>
+                <a:ea typeface="メイリオ"/>
+                <a:cs typeface="メイリオ"/>
+              </a:rPr>
+              <a:t>画面</a:t>
             </a:r>
             <a:endParaRPr kumimoji="1" lang="ja-JP" altLang="en-US" sz="2000" dirty="0">
               <a:latin typeface="メイリオ"/>
